--- a/doc/Oefenpresentatie.pptx
+++ b/doc/Oefenpresentatie.pptx
@@ -5,22 +5,24 @@
     <p:sldMasterId id="2147483659" r:id="rId1"/>
   </p:sldMasterIdLst>
   <p:notesMasterIdLst>
-    <p:notesMasterId r:id="rId15"/>
+    <p:notesMasterId r:id="rId17"/>
   </p:notesMasterIdLst>
   <p:sldIdLst>
     <p:sldId id="256" r:id="rId2"/>
     <p:sldId id="257" r:id="rId3"/>
     <p:sldId id="258" r:id="rId4"/>
-    <p:sldId id="259" r:id="rId5"/>
-    <p:sldId id="260" r:id="rId6"/>
-    <p:sldId id="261" r:id="rId7"/>
-    <p:sldId id="262" r:id="rId8"/>
-    <p:sldId id="263" r:id="rId9"/>
-    <p:sldId id="264" r:id="rId10"/>
-    <p:sldId id="265" r:id="rId11"/>
-    <p:sldId id="266" r:id="rId12"/>
-    <p:sldId id="267" r:id="rId13"/>
-    <p:sldId id="268" r:id="rId14"/>
+    <p:sldId id="260" r:id="rId5"/>
+    <p:sldId id="261" r:id="rId6"/>
+    <p:sldId id="262" r:id="rId7"/>
+    <p:sldId id="264" r:id="rId8"/>
+    <p:sldId id="265" r:id="rId9"/>
+    <p:sldId id="266" r:id="rId10"/>
+    <p:sldId id="271" r:id="rId11"/>
+    <p:sldId id="267" r:id="rId12"/>
+    <p:sldId id="269" r:id="rId13"/>
+    <p:sldId id="270" r:id="rId14"/>
+    <p:sldId id="272" r:id="rId15"/>
+    <p:sldId id="273" r:id="rId16"/>
   </p:sldIdLst>
   <p:sldSz cx="9144000" cy="5143500" type="screen16x9"/>
   <p:notesSz cx="6858000" cy="9144000"/>
@@ -275,7 +277,7 @@
 <file path=ppt/revisionInfo.xml><?xml version="1.0" encoding="utf-8"?>
 <p1510:revInfo xmlns:a="http://schemas.openxmlformats.org/drawingml/2006/main" xmlns:r="http://schemas.openxmlformats.org/officeDocument/2006/relationships" xmlns:p1510="http://schemas.microsoft.com/office/powerpoint/2015/10/main">
   <p1510:revLst>
-    <p1510:client id="{94FC394A-B3AF-4A30-A736-0C81377E0BB8}" v="3" dt="2022-01-25T12:41:10.924"/>
+    <p1510:client id="{94FC394A-B3AF-4A30-A736-0C81377E0BB8}" v="11" dt="2022-02-01T13:38:01.544"/>
   </p1510:revLst>
 </p1510:revInfo>
 </file>
@@ -284,8 +286,8 @@
 <pc:chgInfo xmlns:a="http://schemas.openxmlformats.org/drawingml/2006/main" xmlns:r="http://schemas.openxmlformats.org/officeDocument/2006/relationships" xmlns:ac="http://schemas.microsoft.com/office/drawing/2013/main/command" xmlns:pc="http://schemas.microsoft.com/office/powerpoint/2013/main/command">
   <pc:docChgLst>
     <pc:chgData name="Maik Larooij" userId="7254f401-a7dc-494d-bbf4-96e8c1dc3b5f" providerId="ADAL" clId="{94FC394A-B3AF-4A30-A736-0C81377E0BB8}"/>
-    <pc:docChg chg="modSld">
-      <pc:chgData name="Maik Larooij" userId="7254f401-a7dc-494d-bbf4-96e8c1dc3b5f" providerId="ADAL" clId="{94FC394A-B3AF-4A30-A736-0C81377E0BB8}" dt="2022-01-25T12:41:10.924" v="8"/>
+    <pc:docChg chg="undo custSel addSld delSld modSld sldOrd">
+      <pc:chgData name="Maik Larooij" userId="7254f401-a7dc-494d-bbf4-96e8c1dc3b5f" providerId="ADAL" clId="{94FC394A-B3AF-4A30-A736-0C81377E0BB8}" dt="2022-02-01T13:38:15.329" v="1354" actId="207"/>
       <pc:docMkLst>
         <pc:docMk/>
       </pc:docMkLst>
@@ -304,12 +306,174 @@
           </ac:picMkLst>
         </pc:picChg>
       </pc:sldChg>
-      <pc:sldChg chg="addSp modSp mod">
-        <pc:chgData name="Maik Larooij" userId="7254f401-a7dc-494d-bbf4-96e8c1dc3b5f" providerId="ADAL" clId="{94FC394A-B3AF-4A30-A736-0C81377E0BB8}" dt="2022-01-25T12:41:10.924" v="8"/>
+      <pc:sldChg chg="del">
+        <pc:chgData name="Maik Larooij" userId="7254f401-a7dc-494d-bbf4-96e8c1dc3b5f" providerId="ADAL" clId="{94FC394A-B3AF-4A30-A736-0C81377E0BB8}" dt="2022-02-01T12:35:04.230" v="9" actId="47"/>
+        <pc:sldMkLst>
+          <pc:docMk/>
+          <pc:sldMk cId="0" sldId="259"/>
+        </pc:sldMkLst>
+      </pc:sldChg>
+      <pc:sldChg chg="modSp mod">
+        <pc:chgData name="Maik Larooij" userId="7254f401-a7dc-494d-bbf4-96e8c1dc3b5f" providerId="ADAL" clId="{94FC394A-B3AF-4A30-A736-0C81377E0BB8}" dt="2022-02-01T12:58:16.169" v="288" actId="27636"/>
+        <pc:sldMkLst>
+          <pc:docMk/>
+          <pc:sldMk cId="0" sldId="260"/>
+        </pc:sldMkLst>
+        <pc:spChg chg="mod">
+          <ac:chgData name="Maik Larooij" userId="7254f401-a7dc-494d-bbf4-96e8c1dc3b5f" providerId="ADAL" clId="{94FC394A-B3AF-4A30-A736-0C81377E0BB8}" dt="2022-02-01T12:58:16.169" v="288" actId="27636"/>
+          <ac:spMkLst>
+            <pc:docMk/>
+            <pc:sldMk cId="0" sldId="260"/>
+            <ac:spMk id="81" creationId="{00000000-0000-0000-0000-000000000000}"/>
+          </ac:spMkLst>
+        </pc:spChg>
+      </pc:sldChg>
+      <pc:sldChg chg="modSp mod">
+        <pc:chgData name="Maik Larooij" userId="7254f401-a7dc-494d-bbf4-96e8c1dc3b5f" providerId="ADAL" clId="{94FC394A-B3AF-4A30-A736-0C81377E0BB8}" dt="2022-02-01T12:40:38.026" v="234" actId="20577"/>
+        <pc:sldMkLst>
+          <pc:docMk/>
+          <pc:sldMk cId="0" sldId="261"/>
+        </pc:sldMkLst>
+        <pc:spChg chg="mod">
+          <ac:chgData name="Maik Larooij" userId="7254f401-a7dc-494d-bbf4-96e8c1dc3b5f" providerId="ADAL" clId="{94FC394A-B3AF-4A30-A736-0C81377E0BB8}" dt="2022-02-01T12:40:38.026" v="234" actId="20577"/>
+          <ac:spMkLst>
+            <pc:docMk/>
+            <pc:sldMk cId="0" sldId="261"/>
+            <ac:spMk id="88" creationId="{00000000-0000-0000-0000-000000000000}"/>
+          </ac:spMkLst>
+        </pc:spChg>
+      </pc:sldChg>
+      <pc:sldChg chg="addSp delSp modSp mod">
+        <pc:chgData name="Maik Larooij" userId="7254f401-a7dc-494d-bbf4-96e8c1dc3b5f" providerId="ADAL" clId="{94FC394A-B3AF-4A30-A736-0C81377E0BB8}" dt="2022-02-01T12:44:41.604" v="245" actId="20577"/>
+        <pc:sldMkLst>
+          <pc:docMk/>
+          <pc:sldMk cId="0" sldId="262"/>
+        </pc:sldMkLst>
+        <pc:spChg chg="mod">
+          <ac:chgData name="Maik Larooij" userId="7254f401-a7dc-494d-bbf4-96e8c1dc3b5f" providerId="ADAL" clId="{94FC394A-B3AF-4A30-A736-0C81377E0BB8}" dt="2022-02-01T12:44:41.604" v="245" actId="20577"/>
+          <ac:spMkLst>
+            <pc:docMk/>
+            <pc:sldMk cId="0" sldId="262"/>
+            <ac:spMk id="94" creationId="{00000000-0000-0000-0000-000000000000}"/>
+          </ac:spMkLst>
+        </pc:spChg>
+        <pc:picChg chg="add mod">
+          <ac:chgData name="Maik Larooij" userId="7254f401-a7dc-494d-bbf4-96e8c1dc3b5f" providerId="ADAL" clId="{94FC394A-B3AF-4A30-A736-0C81377E0BB8}" dt="2022-02-01T12:39:34.756" v="165" actId="1076"/>
+          <ac:picMkLst>
+            <pc:docMk/>
+            <pc:sldMk cId="0" sldId="262"/>
+            <ac:picMk id="3" creationId="{EB9F24B8-037F-40EF-BE40-B7D496EB1B6D}"/>
+          </ac:picMkLst>
+        </pc:picChg>
+        <pc:picChg chg="add mod">
+          <ac:chgData name="Maik Larooij" userId="7254f401-a7dc-494d-bbf4-96e8c1dc3b5f" providerId="ADAL" clId="{94FC394A-B3AF-4A30-A736-0C81377E0BB8}" dt="2022-02-01T12:44:14.438" v="237" actId="1076"/>
+          <ac:picMkLst>
+            <pc:docMk/>
+            <pc:sldMk cId="0" sldId="262"/>
+            <ac:picMk id="5" creationId="{DFA9EE2C-FDF3-425D-A429-B292FE7BDC42}"/>
+          </ac:picMkLst>
+        </pc:picChg>
+        <pc:picChg chg="del">
+          <ac:chgData name="Maik Larooij" userId="7254f401-a7dc-494d-bbf4-96e8c1dc3b5f" providerId="ADAL" clId="{94FC394A-B3AF-4A30-A736-0C81377E0BB8}" dt="2022-02-01T12:39:30.898" v="161" actId="478"/>
+          <ac:picMkLst>
+            <pc:docMk/>
+            <pc:sldMk cId="0" sldId="262"/>
+            <ac:picMk id="95" creationId="{00000000-0000-0000-0000-000000000000}"/>
+          </ac:picMkLst>
+        </pc:picChg>
+        <pc:picChg chg="del mod">
+          <ac:chgData name="Maik Larooij" userId="7254f401-a7dc-494d-bbf4-96e8c1dc3b5f" providerId="ADAL" clId="{94FC394A-B3AF-4A30-A736-0C81377E0BB8}" dt="2022-02-01T12:44:12.211" v="235" actId="478"/>
+          <ac:picMkLst>
+            <pc:docMk/>
+            <pc:sldMk cId="0" sldId="262"/>
+            <ac:picMk id="96" creationId="{00000000-0000-0000-0000-000000000000}"/>
+          </ac:picMkLst>
+        </pc:picChg>
+      </pc:sldChg>
+      <pc:sldChg chg="del">
+        <pc:chgData name="Maik Larooij" userId="7254f401-a7dc-494d-bbf4-96e8c1dc3b5f" providerId="ADAL" clId="{94FC394A-B3AF-4A30-A736-0C81377E0BB8}" dt="2022-02-01T12:44:56.083" v="246" actId="47"/>
+        <pc:sldMkLst>
+          <pc:docMk/>
+          <pc:sldMk cId="0" sldId="263"/>
+        </pc:sldMkLst>
+      </pc:sldChg>
+      <pc:sldChg chg="modSp mod">
+        <pc:chgData name="Maik Larooij" userId="7254f401-a7dc-494d-bbf4-96e8c1dc3b5f" providerId="ADAL" clId="{94FC394A-B3AF-4A30-A736-0C81377E0BB8}" dt="2022-02-01T13:10:55.509" v="412" actId="20577"/>
+        <pc:sldMkLst>
+          <pc:docMk/>
+          <pc:sldMk cId="0" sldId="265"/>
+        </pc:sldMkLst>
+        <pc:spChg chg="mod">
+          <ac:chgData name="Maik Larooij" userId="7254f401-a7dc-494d-bbf4-96e8c1dc3b5f" providerId="ADAL" clId="{94FC394A-B3AF-4A30-A736-0C81377E0BB8}" dt="2022-02-01T13:10:55.509" v="412" actId="20577"/>
+          <ac:spMkLst>
+            <pc:docMk/>
+            <pc:sldMk cId="0" sldId="265"/>
+            <ac:spMk id="115" creationId="{00000000-0000-0000-0000-000000000000}"/>
+          </ac:spMkLst>
+        </pc:spChg>
+        <pc:spChg chg="mod">
+          <ac:chgData name="Maik Larooij" userId="7254f401-a7dc-494d-bbf4-96e8c1dc3b5f" providerId="ADAL" clId="{94FC394A-B3AF-4A30-A736-0C81377E0BB8}" dt="2022-02-01T13:02:38.667" v="390" actId="20577"/>
+          <ac:spMkLst>
+            <pc:docMk/>
+            <pc:sldMk cId="0" sldId="265"/>
+            <ac:spMk id="116" creationId="{00000000-0000-0000-0000-000000000000}"/>
+          </ac:spMkLst>
+        </pc:spChg>
+      </pc:sldChg>
+      <pc:sldChg chg="addSp delSp modSp mod">
+        <pc:chgData name="Maik Larooij" userId="7254f401-a7dc-494d-bbf4-96e8c1dc3b5f" providerId="ADAL" clId="{94FC394A-B3AF-4A30-A736-0C81377E0BB8}" dt="2022-02-01T13:38:15.329" v="1354" actId="207"/>
         <pc:sldMkLst>
           <pc:docMk/>
           <pc:sldMk cId="0" sldId="266"/>
         </pc:sldMkLst>
+        <pc:spChg chg="add mod">
+          <ac:chgData name="Maik Larooij" userId="7254f401-a7dc-494d-bbf4-96e8c1dc3b5f" providerId="ADAL" clId="{94FC394A-B3AF-4A30-A736-0C81377E0BB8}" dt="2022-02-01T13:12:10.213" v="469" actId="20577"/>
+          <ac:spMkLst>
+            <pc:docMk/>
+            <pc:sldMk cId="0" sldId="266"/>
+            <ac:spMk id="2" creationId="{2891209A-7210-44BE-9D26-5099D89C18D0}"/>
+          </ac:spMkLst>
+        </pc:spChg>
+        <pc:spChg chg="add mod">
+          <ac:chgData name="Maik Larooij" userId="7254f401-a7dc-494d-bbf4-96e8c1dc3b5f" providerId="ADAL" clId="{94FC394A-B3AF-4A30-A736-0C81377E0BB8}" dt="2022-02-01T13:12:22.135" v="478" actId="1076"/>
+          <ac:spMkLst>
+            <pc:docMk/>
+            <pc:sldMk cId="0" sldId="266"/>
+            <ac:spMk id="4" creationId="{13A6E03C-759D-4D1B-AC19-C6C549425009}"/>
+          </ac:spMkLst>
+        </pc:spChg>
+        <pc:spChg chg="add mod">
+          <ac:chgData name="Maik Larooij" userId="7254f401-a7dc-494d-bbf4-96e8c1dc3b5f" providerId="ADAL" clId="{94FC394A-B3AF-4A30-A736-0C81377E0BB8}" dt="2022-02-01T13:38:15.329" v="1354" actId="207"/>
+          <ac:spMkLst>
+            <pc:docMk/>
+            <pc:sldMk cId="0" sldId="266"/>
+            <ac:spMk id="5" creationId="{EBB24D77-BF47-4391-99C8-9609549DE995}"/>
+          </ac:spMkLst>
+        </pc:spChg>
+        <pc:spChg chg="mod">
+          <ac:chgData name="Maik Larooij" userId="7254f401-a7dc-494d-bbf4-96e8c1dc3b5f" providerId="ADAL" clId="{94FC394A-B3AF-4A30-A736-0C81377E0BB8}" dt="2022-02-01T13:11:06.533" v="431" actId="20577"/>
+          <ac:spMkLst>
+            <pc:docMk/>
+            <pc:sldMk cId="0" sldId="266"/>
+            <ac:spMk id="126" creationId="{00000000-0000-0000-0000-000000000000}"/>
+          </ac:spMkLst>
+        </pc:spChg>
+        <pc:spChg chg="del mod">
+          <ac:chgData name="Maik Larooij" userId="7254f401-a7dc-494d-bbf4-96e8c1dc3b5f" providerId="ADAL" clId="{94FC394A-B3AF-4A30-A736-0C81377E0BB8}" dt="2022-02-01T13:11:18.752" v="434"/>
+          <ac:spMkLst>
+            <pc:docMk/>
+            <pc:sldMk cId="0" sldId="266"/>
+            <ac:spMk id="129" creationId="{00000000-0000-0000-0000-000000000000}"/>
+          </ac:spMkLst>
+        </pc:spChg>
+        <pc:graphicFrameChg chg="mod">
+          <ac:chgData name="Maik Larooij" userId="7254f401-a7dc-494d-bbf4-96e8c1dc3b5f" providerId="ADAL" clId="{94FC394A-B3AF-4A30-A736-0C81377E0BB8}" dt="2022-02-01T13:37:44.760" v="1281" actId="1076"/>
+          <ac:graphicFrameMkLst>
+            <pc:docMk/>
+            <pc:sldMk cId="0" sldId="266"/>
+            <ac:graphicFrameMk id="128" creationId="{00000000-0000-0000-0000-000000000000}"/>
+          </ac:graphicFrameMkLst>
+        </pc:graphicFrameChg>
         <pc:picChg chg="add mod">
           <ac:chgData name="Maik Larooij" userId="7254f401-a7dc-494d-bbf4-96e8c1dc3b5f" providerId="ADAL" clId="{94FC394A-B3AF-4A30-A736-0C81377E0BB8}" dt="2022-01-25T12:41:10.924" v="8"/>
           <ac:picMkLst>
@@ -318,6 +482,175 @@
             <ac:picMk id="3" creationId="{4D47EB41-8B90-46FA-9C88-0E2C7D040EB1}"/>
           </ac:picMkLst>
         </pc:picChg>
+        <pc:picChg chg="mod">
+          <ac:chgData name="Maik Larooij" userId="7254f401-a7dc-494d-bbf4-96e8c1dc3b5f" providerId="ADAL" clId="{94FC394A-B3AF-4A30-A736-0C81377E0BB8}" dt="2022-02-01T13:37:46.170" v="1282" actId="1076"/>
+          <ac:picMkLst>
+            <pc:docMk/>
+            <pc:sldMk cId="0" sldId="266"/>
+            <ac:picMk id="127" creationId="{00000000-0000-0000-0000-000000000000}"/>
+          </ac:picMkLst>
+        </pc:picChg>
+      </pc:sldChg>
+      <pc:sldChg chg="modSp mod">
+        <pc:chgData name="Maik Larooij" userId="7254f401-a7dc-494d-bbf4-96e8c1dc3b5f" providerId="ADAL" clId="{94FC394A-B3AF-4A30-A736-0C81377E0BB8}" dt="2022-02-01T13:14:02.009" v="509" actId="1076"/>
+        <pc:sldMkLst>
+          <pc:docMk/>
+          <pc:sldMk cId="0" sldId="267"/>
+        </pc:sldMkLst>
+        <pc:spChg chg="mod">
+          <ac:chgData name="Maik Larooij" userId="7254f401-a7dc-494d-bbf4-96e8c1dc3b5f" providerId="ADAL" clId="{94FC394A-B3AF-4A30-A736-0C81377E0BB8}" dt="2022-02-01T13:13:57.054" v="507" actId="20577"/>
+          <ac:spMkLst>
+            <pc:docMk/>
+            <pc:sldMk cId="0" sldId="267"/>
+            <ac:spMk id="134" creationId="{00000000-0000-0000-0000-000000000000}"/>
+          </ac:spMkLst>
+        </pc:spChg>
+        <pc:spChg chg="mod">
+          <ac:chgData name="Maik Larooij" userId="7254f401-a7dc-494d-bbf4-96e8c1dc3b5f" providerId="ADAL" clId="{94FC394A-B3AF-4A30-A736-0C81377E0BB8}" dt="2022-02-01T13:13:58.532" v="508" actId="20577"/>
+          <ac:spMkLst>
+            <pc:docMk/>
+            <pc:sldMk cId="0" sldId="267"/>
+            <ac:spMk id="135" creationId="{00000000-0000-0000-0000-000000000000}"/>
+          </ac:spMkLst>
+        </pc:spChg>
+        <pc:picChg chg="mod">
+          <ac:chgData name="Maik Larooij" userId="7254f401-a7dc-494d-bbf4-96e8c1dc3b5f" providerId="ADAL" clId="{94FC394A-B3AF-4A30-A736-0C81377E0BB8}" dt="2022-02-01T13:14:02.009" v="509" actId="1076"/>
+          <ac:picMkLst>
+            <pc:docMk/>
+            <pc:sldMk cId="0" sldId="267"/>
+            <ac:picMk id="136" creationId="{00000000-0000-0000-0000-000000000000}"/>
+          </ac:picMkLst>
+        </pc:picChg>
+      </pc:sldChg>
+      <pc:sldChg chg="del">
+        <pc:chgData name="Maik Larooij" userId="7254f401-a7dc-494d-bbf4-96e8c1dc3b5f" providerId="ADAL" clId="{94FC394A-B3AF-4A30-A736-0C81377E0BB8}" dt="2022-02-01T13:35:51.274" v="1140" actId="47"/>
+        <pc:sldMkLst>
+          <pc:docMk/>
+          <pc:sldMk cId="0" sldId="268"/>
+        </pc:sldMkLst>
+      </pc:sldChg>
+      <pc:sldChg chg="addSp modSp new mod">
+        <pc:chgData name="Maik Larooij" userId="7254f401-a7dc-494d-bbf4-96e8c1dc3b5f" providerId="ADAL" clId="{94FC394A-B3AF-4A30-A736-0C81377E0BB8}" dt="2022-02-01T13:16:34.880" v="738" actId="20577"/>
+        <pc:sldMkLst>
+          <pc:docMk/>
+          <pc:sldMk cId="1871102804" sldId="269"/>
+        </pc:sldMkLst>
+        <pc:spChg chg="mod">
+          <ac:chgData name="Maik Larooij" userId="7254f401-a7dc-494d-bbf4-96e8c1dc3b5f" providerId="ADAL" clId="{94FC394A-B3AF-4A30-A736-0C81377E0BB8}" dt="2022-02-01T13:14:09.902" v="542" actId="20577"/>
+          <ac:spMkLst>
+            <pc:docMk/>
+            <pc:sldMk cId="1871102804" sldId="269"/>
+            <ac:spMk id="2" creationId="{573D2B2B-77FF-4617-BABA-EEFAEEDCBB93}"/>
+          </ac:spMkLst>
+        </pc:spChg>
+        <pc:spChg chg="mod">
+          <ac:chgData name="Maik Larooij" userId="7254f401-a7dc-494d-bbf4-96e8c1dc3b5f" providerId="ADAL" clId="{94FC394A-B3AF-4A30-A736-0C81377E0BB8}" dt="2022-02-01T13:16:34.880" v="738" actId="20577"/>
+          <ac:spMkLst>
+            <pc:docMk/>
+            <pc:sldMk cId="1871102804" sldId="269"/>
+            <ac:spMk id="3" creationId="{CC7DF5B2-B4A5-4665-95FE-2837C41E9637}"/>
+          </ac:spMkLst>
+        </pc:spChg>
+        <pc:picChg chg="add mod">
+          <ac:chgData name="Maik Larooij" userId="7254f401-a7dc-494d-bbf4-96e8c1dc3b5f" providerId="ADAL" clId="{94FC394A-B3AF-4A30-A736-0C81377E0BB8}" dt="2022-02-01T13:16:07.989" v="729" actId="1076"/>
+          <ac:picMkLst>
+            <pc:docMk/>
+            <pc:sldMk cId="1871102804" sldId="269"/>
+            <ac:picMk id="1026" creationId="{6B9B940B-D04D-4791-930C-290D8B0664A2}"/>
+          </ac:picMkLst>
+        </pc:picChg>
+        <pc:picChg chg="add mod">
+          <ac:chgData name="Maik Larooij" userId="7254f401-a7dc-494d-bbf4-96e8c1dc3b5f" providerId="ADAL" clId="{94FC394A-B3AF-4A30-A736-0C81377E0BB8}" dt="2022-02-01T13:16:20.716" v="732" actId="1076"/>
+          <ac:picMkLst>
+            <pc:docMk/>
+            <pc:sldMk cId="1871102804" sldId="269"/>
+            <ac:picMk id="1028" creationId="{2EE6633F-1AAF-49E3-A20B-916C4508A981}"/>
+          </ac:picMkLst>
+        </pc:picChg>
+      </pc:sldChg>
+      <pc:sldChg chg="addSp modSp new mod">
+        <pc:chgData name="Maik Larooij" userId="7254f401-a7dc-494d-bbf4-96e8c1dc3b5f" providerId="ADAL" clId="{94FC394A-B3AF-4A30-A736-0C81377E0BB8}" dt="2022-02-01T13:37:31.264" v="1276" actId="20577"/>
+        <pc:sldMkLst>
+          <pc:docMk/>
+          <pc:sldMk cId="1415137384" sldId="270"/>
+        </pc:sldMkLst>
+        <pc:spChg chg="mod">
+          <ac:chgData name="Maik Larooij" userId="7254f401-a7dc-494d-bbf4-96e8c1dc3b5f" providerId="ADAL" clId="{94FC394A-B3AF-4A30-A736-0C81377E0BB8}" dt="2022-02-01T13:16:48.028" v="741" actId="27636"/>
+          <ac:spMkLst>
+            <pc:docMk/>
+            <pc:sldMk cId="1415137384" sldId="270"/>
+            <ac:spMk id="2" creationId="{534BD26F-8C57-4004-BE03-76324A923689}"/>
+          </ac:spMkLst>
+        </pc:spChg>
+        <pc:spChg chg="mod">
+          <ac:chgData name="Maik Larooij" userId="7254f401-a7dc-494d-bbf4-96e8c1dc3b5f" providerId="ADAL" clId="{94FC394A-B3AF-4A30-A736-0C81377E0BB8}" dt="2022-02-01T13:37:31.264" v="1276" actId="20577"/>
+          <ac:spMkLst>
+            <pc:docMk/>
+            <pc:sldMk cId="1415137384" sldId="270"/>
+            <ac:spMk id="3" creationId="{E84067D7-CF5C-44CD-BA07-4EA7B62AA714}"/>
+          </ac:spMkLst>
+        </pc:spChg>
+        <pc:picChg chg="add mod">
+          <ac:chgData name="Maik Larooij" userId="7254f401-a7dc-494d-bbf4-96e8c1dc3b5f" providerId="ADAL" clId="{94FC394A-B3AF-4A30-A736-0C81377E0BB8}" dt="2022-02-01T13:18:47.629" v="957" actId="1076"/>
+          <ac:picMkLst>
+            <pc:docMk/>
+            <pc:sldMk cId="1415137384" sldId="270"/>
+            <ac:picMk id="5" creationId="{4DB59278-DDA5-4388-B812-F50A0FDBDFBA}"/>
+          </ac:picMkLst>
+        </pc:picChg>
+      </pc:sldChg>
+      <pc:sldChg chg="modSp new mod ord">
+        <pc:chgData name="Maik Larooij" userId="7254f401-a7dc-494d-bbf4-96e8c1dc3b5f" providerId="ADAL" clId="{94FC394A-B3AF-4A30-A736-0C81377E0BB8}" dt="2022-02-01T13:37:40.451" v="1280"/>
+        <pc:sldMkLst>
+          <pc:docMk/>
+          <pc:sldMk cId="4291659974" sldId="271"/>
+        </pc:sldMkLst>
+        <pc:spChg chg="mod">
+          <ac:chgData name="Maik Larooij" userId="7254f401-a7dc-494d-bbf4-96e8c1dc3b5f" providerId="ADAL" clId="{94FC394A-B3AF-4A30-A736-0C81377E0BB8}" dt="2022-02-01T13:19:58.201" v="1004" actId="20577"/>
+          <ac:spMkLst>
+            <pc:docMk/>
+            <pc:sldMk cId="4291659974" sldId="271"/>
+            <ac:spMk id="2" creationId="{DF440304-03D7-4D76-9C2F-5F4183D5EBEC}"/>
+          </ac:spMkLst>
+        </pc:spChg>
+      </pc:sldChg>
+      <pc:sldChg chg="modSp new mod">
+        <pc:chgData name="Maik Larooij" userId="7254f401-a7dc-494d-bbf4-96e8c1dc3b5f" providerId="ADAL" clId="{94FC394A-B3AF-4A30-A736-0C81377E0BB8}" dt="2022-02-01T13:34:31.679" v="1139" actId="5793"/>
+        <pc:sldMkLst>
+          <pc:docMk/>
+          <pc:sldMk cId="3413809530" sldId="272"/>
+        </pc:sldMkLst>
+        <pc:spChg chg="mod">
+          <ac:chgData name="Maik Larooij" userId="7254f401-a7dc-494d-bbf4-96e8c1dc3b5f" providerId="ADAL" clId="{94FC394A-B3AF-4A30-A736-0C81377E0BB8}" dt="2022-02-01T13:20:05.272" v="1040" actId="20577"/>
+          <ac:spMkLst>
+            <pc:docMk/>
+            <pc:sldMk cId="3413809530" sldId="272"/>
+            <ac:spMk id="2" creationId="{7DCFC508-892B-429E-9EF3-3320C5F6636D}"/>
+          </ac:spMkLst>
+        </pc:spChg>
+        <pc:spChg chg="mod">
+          <ac:chgData name="Maik Larooij" userId="7254f401-a7dc-494d-bbf4-96e8c1dc3b5f" providerId="ADAL" clId="{94FC394A-B3AF-4A30-A736-0C81377E0BB8}" dt="2022-02-01T13:34:31.679" v="1139" actId="5793"/>
+          <ac:spMkLst>
+            <pc:docMk/>
+            <pc:sldMk cId="3413809530" sldId="272"/>
+            <ac:spMk id="3" creationId="{7A774F9C-808A-476B-9019-BE2A12D015C0}"/>
+          </ac:spMkLst>
+        </pc:spChg>
+      </pc:sldChg>
+      <pc:sldChg chg="modSp new mod">
+        <pc:chgData name="Maik Larooij" userId="7254f401-a7dc-494d-bbf4-96e8c1dc3b5f" providerId="ADAL" clId="{94FC394A-B3AF-4A30-A736-0C81377E0BB8}" dt="2022-02-01T13:37:03.231" v="1151" actId="20577"/>
+        <pc:sldMkLst>
+          <pc:docMk/>
+          <pc:sldMk cId="851988608" sldId="273"/>
+        </pc:sldMkLst>
+        <pc:spChg chg="mod">
+          <ac:chgData name="Maik Larooij" userId="7254f401-a7dc-494d-bbf4-96e8c1dc3b5f" providerId="ADAL" clId="{94FC394A-B3AF-4A30-A736-0C81377E0BB8}" dt="2022-02-01T13:37:03.231" v="1151" actId="20577"/>
+          <ac:spMkLst>
+            <pc:docMk/>
+            <pc:sldMk cId="851988608" sldId="273"/>
+            <ac:spMk id="2" creationId="{1A6F02C9-8823-4F85-ACF6-F1209A79E0F6}"/>
+          </ac:spMkLst>
+        </pc:spChg>
       </pc:sldChg>
     </pc:docChg>
   </pc:docChgLst>
@@ -874,7 +1207,7 @@
   <p:cSld>
     <p:spTree>
       <p:nvGrpSpPr>
-        <p:cNvPr id="1" name="Shape 111"/>
+        <p:cNvPr id="1" name="Shape 130"/>
         <p:cNvGrpSpPr/>
         <p:nvPr/>
       </p:nvGrpSpPr>
@@ -888,111 +1221,7 @@
       </p:grpSpPr>
       <p:sp>
         <p:nvSpPr>
-          <p:cNvPr id="112" name="Google Shape;112;g11056f97279_3_7:notes"/>
-          <p:cNvSpPr>
-            <a:spLocks noGrp="1" noRot="1" noChangeAspect="1"/>
-          </p:cNvSpPr>
-          <p:nvPr>
-            <p:ph type="sldImg" idx="2"/>
-          </p:nvPr>
-        </p:nvSpPr>
-        <p:spPr>
-          <a:xfrm>
-            <a:off x="381300" y="685800"/>
-            <a:ext cx="6096000" cy="3429000"/>
-          </a:xfrm>
-          <a:custGeom>
-            <a:avLst/>
-            <a:gdLst/>
-            <a:ahLst/>
-            <a:cxnLst/>
-            <a:rect l="l" t="t" r="r" b="b"/>
-            <a:pathLst>
-              <a:path w="120000" h="120000" extrusionOk="0">
-                <a:moveTo>
-                  <a:pt x="0" y="0"/>
-                </a:moveTo>
-                <a:lnTo>
-                  <a:pt x="120000" y="0"/>
-                </a:lnTo>
-                <a:lnTo>
-                  <a:pt x="120000" y="120000"/>
-                </a:lnTo>
-                <a:lnTo>
-                  <a:pt x="0" y="120000"/>
-                </a:lnTo>
-                <a:close/>
-              </a:path>
-            </a:pathLst>
-          </a:custGeom>
-        </p:spPr>
-      </p:sp>
-      <p:sp>
-        <p:nvSpPr>
-          <p:cNvPr id="113" name="Google Shape;113;g11056f97279_3_7:notes"/>
-          <p:cNvSpPr txBox="1">
-            <a:spLocks noGrp="1"/>
-          </p:cNvSpPr>
-          <p:nvPr>
-            <p:ph type="body" idx="1"/>
-          </p:nvPr>
-        </p:nvSpPr>
-        <p:spPr>
-          <a:xfrm>
-            <a:off x="685800" y="4343400"/>
-            <a:ext cx="5486400" cy="4114800"/>
-          </a:xfrm>
-          <a:prstGeom prst="rect">
-            <a:avLst/>
-          </a:prstGeom>
-        </p:spPr>
-        <p:txBody>
-          <a:bodyPr spcFirstLastPara="1" wrap="square" lIns="91425" tIns="91425" rIns="91425" bIns="91425" anchor="t" anchorCtr="0">
-            <a:noAutofit/>
-          </a:bodyPr>
-          <a:lstStyle/>
-          <a:p>
-            <a:pPr marL="0" lvl="0" indent="0" algn="l" rtl="0">
-              <a:spcBef>
-                <a:spcPts val="0"/>
-              </a:spcBef>
-              <a:spcAft>
-                <a:spcPts val="0"/>
-              </a:spcAft>
-              <a:buNone/>
-            </a:pPr>
-            <a:endParaRPr/>
-          </a:p>
-        </p:txBody>
-      </p:sp>
-    </p:spTree>
-  </p:cSld>
-  <p:clrMapOvr>
-    <a:masterClrMapping/>
-  </p:clrMapOvr>
-</p:notes>
-</file>
-
-<file path=ppt/notesSlides/notesSlide11.xml><?xml version="1.0" encoding="utf-8"?>
-<p:notes xmlns:a="http://schemas.openxmlformats.org/drawingml/2006/main" xmlns:r="http://schemas.openxmlformats.org/officeDocument/2006/relationships" xmlns:p="http://schemas.openxmlformats.org/presentationml/2006/main" showMasterSp="0" showMasterPhAnim="0">
-  <p:cSld>
-    <p:spTree>
-      <p:nvGrpSpPr>
-        <p:cNvPr id="1" name="Shape 122"/>
-        <p:cNvGrpSpPr/>
-        <p:nvPr/>
-      </p:nvGrpSpPr>
-      <p:grpSpPr>
-        <a:xfrm>
-          <a:off x="0" y="0"/>
-          <a:ext cx="0" cy="0"/>
-          <a:chOff x="0" y="0"/>
-          <a:chExt cx="0" cy="0"/>
-        </a:xfrm>
-      </p:grpSpPr>
-      <p:sp>
-        <p:nvSpPr>
-          <p:cNvPr id="123" name="Google Shape;123;g11056f97279_3_12:notes"/>
+          <p:cNvPr id="131" name="Google Shape;131;g11056f97279_0_287:notes"/>
           <p:cNvSpPr>
             <a:spLocks noGrp="1" noRot="1" noChangeAspect="1"/>
           </p:cNvSpPr>
@@ -1033,215 +1262,7 @@
       </p:sp>
       <p:sp>
         <p:nvSpPr>
-          <p:cNvPr id="124" name="Google Shape;124;g11056f97279_3_12:notes"/>
-          <p:cNvSpPr txBox="1">
-            <a:spLocks noGrp="1"/>
-          </p:cNvSpPr>
-          <p:nvPr>
-            <p:ph type="body" idx="1"/>
-          </p:nvPr>
-        </p:nvSpPr>
-        <p:spPr>
-          <a:xfrm>
-            <a:off x="685800" y="4343400"/>
-            <a:ext cx="5486400" cy="4114800"/>
-          </a:xfrm>
-          <a:prstGeom prst="rect">
-            <a:avLst/>
-          </a:prstGeom>
-        </p:spPr>
-        <p:txBody>
-          <a:bodyPr spcFirstLastPara="1" wrap="square" lIns="91425" tIns="91425" rIns="91425" bIns="91425" anchor="t" anchorCtr="0">
-            <a:noAutofit/>
-          </a:bodyPr>
-          <a:lstStyle/>
-          <a:p>
-            <a:pPr marL="0" lvl="0" indent="0" algn="l" rtl="0">
-              <a:spcBef>
-                <a:spcPts val="0"/>
-              </a:spcBef>
-              <a:spcAft>
-                <a:spcPts val="0"/>
-              </a:spcAft>
-              <a:buNone/>
-            </a:pPr>
-            <a:endParaRPr/>
-          </a:p>
-        </p:txBody>
-      </p:sp>
-    </p:spTree>
-  </p:cSld>
-  <p:clrMapOvr>
-    <a:masterClrMapping/>
-  </p:clrMapOvr>
-</p:notes>
-</file>
-
-<file path=ppt/notesSlides/notesSlide12.xml><?xml version="1.0" encoding="utf-8"?>
-<p:notes xmlns:a="http://schemas.openxmlformats.org/drawingml/2006/main" xmlns:r="http://schemas.openxmlformats.org/officeDocument/2006/relationships" xmlns:p="http://schemas.openxmlformats.org/presentationml/2006/main" showMasterSp="0" showMasterPhAnim="0">
-  <p:cSld>
-    <p:spTree>
-      <p:nvGrpSpPr>
-        <p:cNvPr id="1" name="Shape 130"/>
-        <p:cNvGrpSpPr/>
-        <p:nvPr/>
-      </p:nvGrpSpPr>
-      <p:grpSpPr>
-        <a:xfrm>
-          <a:off x="0" y="0"/>
-          <a:ext cx="0" cy="0"/>
-          <a:chOff x="0" y="0"/>
-          <a:chExt cx="0" cy="0"/>
-        </a:xfrm>
-      </p:grpSpPr>
-      <p:sp>
-        <p:nvSpPr>
-          <p:cNvPr id="131" name="Google Shape;131;g11056f97279_0_287:notes"/>
-          <p:cNvSpPr>
-            <a:spLocks noGrp="1" noRot="1" noChangeAspect="1"/>
-          </p:cNvSpPr>
-          <p:nvPr>
-            <p:ph type="sldImg" idx="2"/>
-          </p:nvPr>
-        </p:nvSpPr>
-        <p:spPr>
-          <a:xfrm>
-            <a:off x="381300" y="685800"/>
-            <a:ext cx="6096000" cy="3429000"/>
-          </a:xfrm>
-          <a:custGeom>
-            <a:avLst/>
-            <a:gdLst/>
-            <a:ahLst/>
-            <a:cxnLst/>
-            <a:rect l="l" t="t" r="r" b="b"/>
-            <a:pathLst>
-              <a:path w="120000" h="120000" extrusionOk="0">
-                <a:moveTo>
-                  <a:pt x="0" y="0"/>
-                </a:moveTo>
-                <a:lnTo>
-                  <a:pt x="120000" y="0"/>
-                </a:lnTo>
-                <a:lnTo>
-                  <a:pt x="120000" y="120000"/>
-                </a:lnTo>
-                <a:lnTo>
-                  <a:pt x="0" y="120000"/>
-                </a:lnTo>
-                <a:close/>
-              </a:path>
-            </a:pathLst>
-          </a:custGeom>
-        </p:spPr>
-      </p:sp>
-      <p:sp>
-        <p:nvSpPr>
           <p:cNvPr id="132" name="Google Shape;132;g11056f97279_0_287:notes"/>
-          <p:cNvSpPr txBox="1">
-            <a:spLocks noGrp="1"/>
-          </p:cNvSpPr>
-          <p:nvPr>
-            <p:ph type="body" idx="1"/>
-          </p:nvPr>
-        </p:nvSpPr>
-        <p:spPr>
-          <a:xfrm>
-            <a:off x="685800" y="4343400"/>
-            <a:ext cx="5486400" cy="4114800"/>
-          </a:xfrm>
-          <a:prstGeom prst="rect">
-            <a:avLst/>
-          </a:prstGeom>
-        </p:spPr>
-        <p:txBody>
-          <a:bodyPr spcFirstLastPara="1" wrap="square" lIns="91425" tIns="91425" rIns="91425" bIns="91425" anchor="t" anchorCtr="0">
-            <a:noAutofit/>
-          </a:bodyPr>
-          <a:lstStyle/>
-          <a:p>
-            <a:pPr marL="0" lvl="0" indent="0" algn="l" rtl="0">
-              <a:spcBef>
-                <a:spcPts val="0"/>
-              </a:spcBef>
-              <a:spcAft>
-                <a:spcPts val="0"/>
-              </a:spcAft>
-              <a:buNone/>
-            </a:pPr>
-            <a:endParaRPr/>
-          </a:p>
-        </p:txBody>
-      </p:sp>
-    </p:spTree>
-  </p:cSld>
-  <p:clrMapOvr>
-    <a:masterClrMapping/>
-  </p:clrMapOvr>
-</p:notes>
-</file>
-
-<file path=ppt/notesSlides/notesSlide13.xml><?xml version="1.0" encoding="utf-8"?>
-<p:notes xmlns:a="http://schemas.openxmlformats.org/drawingml/2006/main" xmlns:r="http://schemas.openxmlformats.org/officeDocument/2006/relationships" xmlns:p="http://schemas.openxmlformats.org/presentationml/2006/main" showMasterSp="0" showMasterPhAnim="0">
-  <p:cSld>
-    <p:spTree>
-      <p:nvGrpSpPr>
-        <p:cNvPr id="1" name="Shape 137"/>
-        <p:cNvGrpSpPr/>
-        <p:nvPr/>
-      </p:nvGrpSpPr>
-      <p:grpSpPr>
-        <a:xfrm>
-          <a:off x="0" y="0"/>
-          <a:ext cx="0" cy="0"/>
-          <a:chOff x="0" y="0"/>
-          <a:chExt cx="0" cy="0"/>
-        </a:xfrm>
-      </p:grpSpPr>
-      <p:sp>
-        <p:nvSpPr>
-          <p:cNvPr id="138" name="Google Shape;138;g11056f97279_0_293:notes"/>
-          <p:cNvSpPr>
-            <a:spLocks noGrp="1" noRot="1" noChangeAspect="1"/>
-          </p:cNvSpPr>
-          <p:nvPr>
-            <p:ph type="sldImg" idx="2"/>
-          </p:nvPr>
-        </p:nvSpPr>
-        <p:spPr>
-          <a:xfrm>
-            <a:off x="381300" y="685800"/>
-            <a:ext cx="6096000" cy="3429000"/>
-          </a:xfrm>
-          <a:custGeom>
-            <a:avLst/>
-            <a:gdLst/>
-            <a:ahLst/>
-            <a:cxnLst/>
-            <a:rect l="l" t="t" r="r" b="b"/>
-            <a:pathLst>
-              <a:path w="120000" h="120000" extrusionOk="0">
-                <a:moveTo>
-                  <a:pt x="0" y="0"/>
-                </a:moveTo>
-                <a:lnTo>
-                  <a:pt x="120000" y="0"/>
-                </a:lnTo>
-                <a:lnTo>
-                  <a:pt x="120000" y="120000"/>
-                </a:lnTo>
-                <a:lnTo>
-                  <a:pt x="0" y="120000"/>
-                </a:lnTo>
-                <a:close/>
-              </a:path>
-            </a:pathLst>
-          </a:custGeom>
-        </p:spPr>
-      </p:sp>
-      <p:sp>
-        <p:nvSpPr>
-          <p:cNvPr id="139" name="Google Shape;139;g11056f97279_0_293:notes"/>
           <p:cNvSpPr txBox="1">
             <a:spLocks noGrp="1"/>
           </p:cNvSpPr>
@@ -1498,110 +1519,6 @@
   <p:cSld>
     <p:spTree>
       <p:nvGrpSpPr>
-        <p:cNvPr id="1" name="Shape 70"/>
-        <p:cNvGrpSpPr/>
-        <p:nvPr/>
-      </p:nvGrpSpPr>
-      <p:grpSpPr>
-        <a:xfrm>
-          <a:off x="0" y="0"/>
-          <a:ext cx="0" cy="0"/>
-          <a:chOff x="0" y="0"/>
-          <a:chExt cx="0" cy="0"/>
-        </a:xfrm>
-      </p:grpSpPr>
-      <p:sp>
-        <p:nvSpPr>
-          <p:cNvPr id="71" name="Google Shape;71;g11056f97279_3_0:notes"/>
-          <p:cNvSpPr>
-            <a:spLocks noGrp="1" noRot="1" noChangeAspect="1"/>
-          </p:cNvSpPr>
-          <p:nvPr>
-            <p:ph type="sldImg" idx="2"/>
-          </p:nvPr>
-        </p:nvSpPr>
-        <p:spPr>
-          <a:xfrm>
-            <a:off x="381000" y="685800"/>
-            <a:ext cx="6096000" cy="3429000"/>
-          </a:xfrm>
-          <a:custGeom>
-            <a:avLst/>
-            <a:gdLst/>
-            <a:ahLst/>
-            <a:cxnLst/>
-            <a:rect l="l" t="t" r="r" b="b"/>
-            <a:pathLst>
-              <a:path w="120000" h="120000" extrusionOk="0">
-                <a:moveTo>
-                  <a:pt x="0" y="0"/>
-                </a:moveTo>
-                <a:lnTo>
-                  <a:pt x="120000" y="0"/>
-                </a:lnTo>
-                <a:lnTo>
-                  <a:pt x="120000" y="120000"/>
-                </a:lnTo>
-                <a:lnTo>
-                  <a:pt x="0" y="120000"/>
-                </a:lnTo>
-                <a:close/>
-              </a:path>
-            </a:pathLst>
-          </a:custGeom>
-        </p:spPr>
-      </p:sp>
-      <p:sp>
-        <p:nvSpPr>
-          <p:cNvPr id="72" name="Google Shape;72;g11056f97279_3_0:notes"/>
-          <p:cNvSpPr txBox="1">
-            <a:spLocks noGrp="1"/>
-          </p:cNvSpPr>
-          <p:nvPr>
-            <p:ph type="body" idx="1"/>
-          </p:nvPr>
-        </p:nvSpPr>
-        <p:spPr>
-          <a:xfrm>
-            <a:off x="685800" y="4343400"/>
-            <a:ext cx="5486400" cy="4114800"/>
-          </a:xfrm>
-          <a:prstGeom prst="rect">
-            <a:avLst/>
-          </a:prstGeom>
-        </p:spPr>
-        <p:txBody>
-          <a:bodyPr spcFirstLastPara="1" wrap="square" lIns="91425" tIns="91425" rIns="91425" bIns="91425" anchor="t" anchorCtr="0">
-            <a:noAutofit/>
-          </a:bodyPr>
-          <a:lstStyle/>
-          <a:p>
-            <a:pPr marL="0" lvl="0" indent="0" algn="l" rtl="0">
-              <a:spcBef>
-                <a:spcPts val="0"/>
-              </a:spcBef>
-              <a:spcAft>
-                <a:spcPts val="0"/>
-              </a:spcAft>
-              <a:buNone/>
-            </a:pPr>
-            <a:endParaRPr/>
-          </a:p>
-        </p:txBody>
-      </p:sp>
-    </p:spTree>
-  </p:cSld>
-  <p:clrMapOvr>
-    <a:masterClrMapping/>
-  </p:clrMapOvr>
-</p:notes>
-</file>
-
-<file path=ppt/notesSlides/notesSlide5.xml><?xml version="1.0" encoding="utf-8"?>
-<p:notes xmlns:a="http://schemas.openxmlformats.org/drawingml/2006/main" xmlns:r="http://schemas.openxmlformats.org/officeDocument/2006/relationships" xmlns:p="http://schemas.openxmlformats.org/presentationml/2006/main" showMasterSp="0" showMasterPhAnim="0">
-  <p:cSld>
-    <p:spTree>
-      <p:nvGrpSpPr>
         <p:cNvPr id="1" name="Shape 76"/>
         <p:cNvGrpSpPr/>
         <p:nvPr/>
@@ -1626,7 +1543,7 @@
         </p:nvSpPr>
         <p:spPr>
           <a:xfrm>
-            <a:off x="381300" y="685800"/>
+            <a:off x="381000" y="685800"/>
             <a:ext cx="6096000" cy="3429000"/>
           </a:xfrm>
           <a:custGeom>
@@ -1701,7 +1618,7 @@
 </p:notes>
 </file>
 
-<file path=ppt/notesSlides/notesSlide6.xml><?xml version="1.0" encoding="utf-8"?>
+<file path=ppt/notesSlides/notesSlide5.xml><?xml version="1.0" encoding="utf-8"?>
 <p:notes xmlns:a="http://schemas.openxmlformats.org/drawingml/2006/main" xmlns:r="http://schemas.openxmlformats.org/officeDocument/2006/relationships" xmlns:p="http://schemas.openxmlformats.org/presentationml/2006/main" showMasterSp="0" showMasterPhAnim="0">
   <p:cSld>
     <p:spTree>
@@ -1730,7 +1647,7 @@
         </p:nvSpPr>
         <p:spPr>
           <a:xfrm>
-            <a:off x="381300" y="685800"/>
+            <a:off x="381000" y="685800"/>
             <a:ext cx="6096000" cy="3429000"/>
           </a:xfrm>
           <a:custGeom>
@@ -1805,7 +1722,7 @@
 </p:notes>
 </file>
 
-<file path=ppt/notesSlides/notesSlide7.xml><?xml version="1.0" encoding="utf-8"?>
+<file path=ppt/notesSlides/notesSlide6.xml><?xml version="1.0" encoding="utf-8"?>
 <p:notes xmlns:a="http://schemas.openxmlformats.org/drawingml/2006/main" xmlns:r="http://schemas.openxmlformats.org/officeDocument/2006/relationships" xmlns:p="http://schemas.openxmlformats.org/presentationml/2006/main" showMasterSp="0" showMasterPhAnim="0">
   <p:cSld>
     <p:spTree>
@@ -1834,7 +1751,7 @@
         </p:nvSpPr>
         <p:spPr>
           <a:xfrm>
-            <a:off x="381300" y="685800"/>
+            <a:off x="381000" y="685800"/>
             <a:ext cx="6096000" cy="3429000"/>
           </a:xfrm>
           <a:custGeom>
@@ -1909,111 +1826,7 @@
 </p:notes>
 </file>
 
-<file path=ppt/notesSlides/notesSlide8.xml><?xml version="1.0" encoding="utf-8"?>
-<p:notes xmlns:a="http://schemas.openxmlformats.org/drawingml/2006/main" xmlns:r="http://schemas.openxmlformats.org/officeDocument/2006/relationships" xmlns:p="http://schemas.openxmlformats.org/presentationml/2006/main" showMasterSp="0" showMasterPhAnim="0">
-  <p:cSld>
-    <p:spTree>
-      <p:nvGrpSpPr>
-        <p:cNvPr id="1" name="Shape 97"/>
-        <p:cNvGrpSpPr/>
-        <p:nvPr/>
-      </p:nvGrpSpPr>
-      <p:grpSpPr>
-        <a:xfrm>
-          <a:off x="0" y="0"/>
-          <a:ext cx="0" cy="0"/>
-          <a:chOff x="0" y="0"/>
-          <a:chExt cx="0" cy="0"/>
-        </a:xfrm>
-      </p:grpSpPr>
-      <p:sp>
-        <p:nvSpPr>
-          <p:cNvPr id="98" name="Google Shape;98;g11056f97279_0_248:notes"/>
-          <p:cNvSpPr>
-            <a:spLocks noGrp="1" noRot="1" noChangeAspect="1"/>
-          </p:cNvSpPr>
-          <p:nvPr>
-            <p:ph type="sldImg" idx="2"/>
-          </p:nvPr>
-        </p:nvSpPr>
-        <p:spPr>
-          <a:xfrm>
-            <a:off x="381300" y="685800"/>
-            <a:ext cx="6096000" cy="3429000"/>
-          </a:xfrm>
-          <a:custGeom>
-            <a:avLst/>
-            <a:gdLst/>
-            <a:ahLst/>
-            <a:cxnLst/>
-            <a:rect l="l" t="t" r="r" b="b"/>
-            <a:pathLst>
-              <a:path w="120000" h="120000" extrusionOk="0">
-                <a:moveTo>
-                  <a:pt x="0" y="0"/>
-                </a:moveTo>
-                <a:lnTo>
-                  <a:pt x="120000" y="0"/>
-                </a:lnTo>
-                <a:lnTo>
-                  <a:pt x="120000" y="120000"/>
-                </a:lnTo>
-                <a:lnTo>
-                  <a:pt x="0" y="120000"/>
-                </a:lnTo>
-                <a:close/>
-              </a:path>
-            </a:pathLst>
-          </a:custGeom>
-        </p:spPr>
-      </p:sp>
-      <p:sp>
-        <p:nvSpPr>
-          <p:cNvPr id="99" name="Google Shape;99;g11056f97279_0_248:notes"/>
-          <p:cNvSpPr txBox="1">
-            <a:spLocks noGrp="1"/>
-          </p:cNvSpPr>
-          <p:nvPr>
-            <p:ph type="body" idx="1"/>
-          </p:nvPr>
-        </p:nvSpPr>
-        <p:spPr>
-          <a:xfrm>
-            <a:off x="685800" y="4343400"/>
-            <a:ext cx="5486400" cy="4114800"/>
-          </a:xfrm>
-          <a:prstGeom prst="rect">
-            <a:avLst/>
-          </a:prstGeom>
-        </p:spPr>
-        <p:txBody>
-          <a:bodyPr spcFirstLastPara="1" wrap="square" lIns="91425" tIns="91425" rIns="91425" bIns="91425" anchor="t" anchorCtr="0">
-            <a:noAutofit/>
-          </a:bodyPr>
-          <a:lstStyle/>
-          <a:p>
-            <a:pPr marL="0" lvl="0" indent="0" algn="l" rtl="0">
-              <a:spcBef>
-                <a:spcPts val="0"/>
-              </a:spcBef>
-              <a:spcAft>
-                <a:spcPts val="0"/>
-              </a:spcAft>
-              <a:buNone/>
-            </a:pPr>
-            <a:endParaRPr/>
-          </a:p>
-        </p:txBody>
-      </p:sp>
-    </p:spTree>
-  </p:cSld>
-  <p:clrMapOvr>
-    <a:masterClrMapping/>
-  </p:clrMapOvr>
-</p:notes>
-</file>
-
-<file path=ppt/notesSlides/notesSlide9.xml><?xml version="1.0" encoding="utf-8"?>
+<file path=ppt/notesSlides/notesSlide7.xml><?xml version="1.0" encoding="utf-8"?>
 <p:notes xmlns:a="http://schemas.openxmlformats.org/drawingml/2006/main" xmlns:r="http://schemas.openxmlformats.org/officeDocument/2006/relationships" xmlns:p="http://schemas.openxmlformats.org/presentationml/2006/main" showMasterSp="0" showMasterPhAnim="0">
   <p:cSld>
     <p:spTree>
@@ -2074,6 +1887,214 @@
       <p:sp>
         <p:nvSpPr>
           <p:cNvPr id="106" name="Google Shape;106;g11056f97279_0_263:notes"/>
+          <p:cNvSpPr txBox="1">
+            <a:spLocks noGrp="1"/>
+          </p:cNvSpPr>
+          <p:nvPr>
+            <p:ph type="body" idx="1"/>
+          </p:nvPr>
+        </p:nvSpPr>
+        <p:spPr>
+          <a:xfrm>
+            <a:off x="685800" y="4343400"/>
+            <a:ext cx="5486400" cy="4114800"/>
+          </a:xfrm>
+          <a:prstGeom prst="rect">
+            <a:avLst/>
+          </a:prstGeom>
+        </p:spPr>
+        <p:txBody>
+          <a:bodyPr spcFirstLastPara="1" wrap="square" lIns="91425" tIns="91425" rIns="91425" bIns="91425" anchor="t" anchorCtr="0">
+            <a:noAutofit/>
+          </a:bodyPr>
+          <a:lstStyle/>
+          <a:p>
+            <a:pPr marL="0" lvl="0" indent="0" algn="l" rtl="0">
+              <a:spcBef>
+                <a:spcPts val="0"/>
+              </a:spcBef>
+              <a:spcAft>
+                <a:spcPts val="0"/>
+              </a:spcAft>
+              <a:buNone/>
+            </a:pPr>
+            <a:endParaRPr/>
+          </a:p>
+        </p:txBody>
+      </p:sp>
+    </p:spTree>
+  </p:cSld>
+  <p:clrMapOvr>
+    <a:masterClrMapping/>
+  </p:clrMapOvr>
+</p:notes>
+</file>
+
+<file path=ppt/notesSlides/notesSlide8.xml><?xml version="1.0" encoding="utf-8"?>
+<p:notes xmlns:a="http://schemas.openxmlformats.org/drawingml/2006/main" xmlns:r="http://schemas.openxmlformats.org/officeDocument/2006/relationships" xmlns:p="http://schemas.openxmlformats.org/presentationml/2006/main" showMasterSp="0" showMasterPhAnim="0">
+  <p:cSld>
+    <p:spTree>
+      <p:nvGrpSpPr>
+        <p:cNvPr id="1" name="Shape 111"/>
+        <p:cNvGrpSpPr/>
+        <p:nvPr/>
+      </p:nvGrpSpPr>
+      <p:grpSpPr>
+        <a:xfrm>
+          <a:off x="0" y="0"/>
+          <a:ext cx="0" cy="0"/>
+          <a:chOff x="0" y="0"/>
+          <a:chExt cx="0" cy="0"/>
+        </a:xfrm>
+      </p:grpSpPr>
+      <p:sp>
+        <p:nvSpPr>
+          <p:cNvPr id="112" name="Google Shape;112;g11056f97279_3_7:notes"/>
+          <p:cNvSpPr>
+            <a:spLocks noGrp="1" noRot="1" noChangeAspect="1"/>
+          </p:cNvSpPr>
+          <p:nvPr>
+            <p:ph type="sldImg" idx="2"/>
+          </p:nvPr>
+        </p:nvSpPr>
+        <p:spPr>
+          <a:xfrm>
+            <a:off x="381000" y="685800"/>
+            <a:ext cx="6096000" cy="3429000"/>
+          </a:xfrm>
+          <a:custGeom>
+            <a:avLst/>
+            <a:gdLst/>
+            <a:ahLst/>
+            <a:cxnLst/>
+            <a:rect l="l" t="t" r="r" b="b"/>
+            <a:pathLst>
+              <a:path w="120000" h="120000" extrusionOk="0">
+                <a:moveTo>
+                  <a:pt x="0" y="0"/>
+                </a:moveTo>
+                <a:lnTo>
+                  <a:pt x="120000" y="0"/>
+                </a:lnTo>
+                <a:lnTo>
+                  <a:pt x="120000" y="120000"/>
+                </a:lnTo>
+                <a:lnTo>
+                  <a:pt x="0" y="120000"/>
+                </a:lnTo>
+                <a:close/>
+              </a:path>
+            </a:pathLst>
+          </a:custGeom>
+        </p:spPr>
+      </p:sp>
+      <p:sp>
+        <p:nvSpPr>
+          <p:cNvPr id="113" name="Google Shape;113;g11056f97279_3_7:notes"/>
+          <p:cNvSpPr txBox="1">
+            <a:spLocks noGrp="1"/>
+          </p:cNvSpPr>
+          <p:nvPr>
+            <p:ph type="body" idx="1"/>
+          </p:nvPr>
+        </p:nvSpPr>
+        <p:spPr>
+          <a:xfrm>
+            <a:off x="685800" y="4343400"/>
+            <a:ext cx="5486400" cy="4114800"/>
+          </a:xfrm>
+          <a:prstGeom prst="rect">
+            <a:avLst/>
+          </a:prstGeom>
+        </p:spPr>
+        <p:txBody>
+          <a:bodyPr spcFirstLastPara="1" wrap="square" lIns="91425" tIns="91425" rIns="91425" bIns="91425" anchor="t" anchorCtr="0">
+            <a:noAutofit/>
+          </a:bodyPr>
+          <a:lstStyle/>
+          <a:p>
+            <a:pPr marL="0" lvl="0" indent="0" algn="l" rtl="0">
+              <a:spcBef>
+                <a:spcPts val="0"/>
+              </a:spcBef>
+              <a:spcAft>
+                <a:spcPts val="0"/>
+              </a:spcAft>
+              <a:buNone/>
+            </a:pPr>
+            <a:endParaRPr/>
+          </a:p>
+        </p:txBody>
+      </p:sp>
+    </p:spTree>
+  </p:cSld>
+  <p:clrMapOvr>
+    <a:masterClrMapping/>
+  </p:clrMapOvr>
+</p:notes>
+</file>
+
+<file path=ppt/notesSlides/notesSlide9.xml><?xml version="1.0" encoding="utf-8"?>
+<p:notes xmlns:a="http://schemas.openxmlformats.org/drawingml/2006/main" xmlns:r="http://schemas.openxmlformats.org/officeDocument/2006/relationships" xmlns:p="http://schemas.openxmlformats.org/presentationml/2006/main" showMasterSp="0" showMasterPhAnim="0">
+  <p:cSld>
+    <p:spTree>
+      <p:nvGrpSpPr>
+        <p:cNvPr id="1" name="Shape 122"/>
+        <p:cNvGrpSpPr/>
+        <p:nvPr/>
+      </p:nvGrpSpPr>
+      <p:grpSpPr>
+        <a:xfrm>
+          <a:off x="0" y="0"/>
+          <a:ext cx="0" cy="0"/>
+          <a:chOff x="0" y="0"/>
+          <a:chExt cx="0" cy="0"/>
+        </a:xfrm>
+      </p:grpSpPr>
+      <p:sp>
+        <p:nvSpPr>
+          <p:cNvPr id="123" name="Google Shape;123;g11056f97279_3_12:notes"/>
+          <p:cNvSpPr>
+            <a:spLocks noGrp="1" noRot="1" noChangeAspect="1"/>
+          </p:cNvSpPr>
+          <p:nvPr>
+            <p:ph type="sldImg" idx="2"/>
+          </p:nvPr>
+        </p:nvSpPr>
+        <p:spPr>
+          <a:xfrm>
+            <a:off x="381000" y="685800"/>
+            <a:ext cx="6096000" cy="3429000"/>
+          </a:xfrm>
+          <a:custGeom>
+            <a:avLst/>
+            <a:gdLst/>
+            <a:ahLst/>
+            <a:cxnLst/>
+            <a:rect l="l" t="t" r="r" b="b"/>
+            <a:pathLst>
+              <a:path w="120000" h="120000" extrusionOk="0">
+                <a:moveTo>
+                  <a:pt x="0" y="0"/>
+                </a:moveTo>
+                <a:lnTo>
+                  <a:pt x="120000" y="0"/>
+                </a:lnTo>
+                <a:lnTo>
+                  <a:pt x="120000" y="120000"/>
+                </a:lnTo>
+                <a:lnTo>
+                  <a:pt x="0" y="120000"/>
+                </a:lnTo>
+                <a:close/>
+              </a:path>
+            </a:pathLst>
+          </a:custGeom>
+        </p:spPr>
+      </p:sp>
+      <p:sp>
+        <p:nvSpPr>
+          <p:cNvPr id="124" name="Google Shape;124;g11056f97279_3_12:notes"/>
           <p:cNvSpPr txBox="1">
             <a:spLocks noGrp="1"/>
           </p:cNvSpPr>
@@ -7087,6 +7108,2239 @@
   <p:cSld>
     <p:spTree>
       <p:nvGrpSpPr>
+        <p:cNvPr id="1" name=""/>
+        <p:cNvGrpSpPr/>
+        <p:nvPr/>
+      </p:nvGrpSpPr>
+      <p:grpSpPr>
+        <a:xfrm>
+          <a:off x="0" y="0"/>
+          <a:ext cx="0" cy="0"/>
+          <a:chOff x="0" y="0"/>
+          <a:chExt cx="0" cy="0"/>
+        </a:xfrm>
+      </p:grpSpPr>
+      <p:sp>
+        <p:nvSpPr>
+          <p:cNvPr id="2" name="Titel 1">
+            <a:extLst>
+              <a:ext uri="{FF2B5EF4-FFF2-40B4-BE49-F238E27FC236}">
+                <a16:creationId xmlns:a16="http://schemas.microsoft.com/office/drawing/2014/main" id="{DF440304-03D7-4D76-9C2F-5F4183D5EBEC}"/>
+              </a:ext>
+            </a:extLst>
+          </p:cNvPr>
+          <p:cNvSpPr>
+            <a:spLocks noGrp="1"/>
+          </p:cNvSpPr>
+          <p:nvPr>
+            <p:ph type="title"/>
+          </p:nvPr>
+        </p:nvSpPr>
+        <p:spPr/>
+        <p:txBody>
+          <a:bodyPr>
+            <a:normAutofit fontScale="90000"/>
+          </a:bodyPr>
+          <a:lstStyle/>
+          <a:p>
+            <a:r>
+              <a:rPr lang="nl-NL" dirty="0" err="1"/>
+              <a:t>Hillclimber</a:t>
+            </a:r>
+            <a:r>
+              <a:rPr lang="nl-NL" dirty="0"/>
+              <a:t>: methode en resultaten</a:t>
+            </a:r>
+          </a:p>
+        </p:txBody>
+      </p:sp>
+      <p:sp>
+        <p:nvSpPr>
+          <p:cNvPr id="3" name="Tijdelijke aanduiding voor tekst 2">
+            <a:extLst>
+              <a:ext uri="{FF2B5EF4-FFF2-40B4-BE49-F238E27FC236}">
+                <a16:creationId xmlns:a16="http://schemas.microsoft.com/office/drawing/2014/main" id="{68451018-F675-4C2B-9FDC-3507F95B0C87}"/>
+              </a:ext>
+            </a:extLst>
+          </p:cNvPr>
+          <p:cNvSpPr>
+            <a:spLocks noGrp="1"/>
+          </p:cNvSpPr>
+          <p:nvPr>
+            <p:ph type="body" idx="1"/>
+          </p:nvPr>
+        </p:nvSpPr>
+        <p:spPr/>
+        <p:txBody>
+          <a:bodyPr/>
+          <a:lstStyle/>
+          <a:p>
+            <a:endParaRPr lang="nl-NL" dirty="0"/>
+          </a:p>
+        </p:txBody>
+      </p:sp>
+    </p:spTree>
+    <p:extLst>
+      <p:ext uri="{BB962C8B-B14F-4D97-AF65-F5344CB8AC3E}">
+        <p14:creationId xmlns:p14="http://schemas.microsoft.com/office/powerpoint/2010/main" val="4291659974"/>
+      </p:ext>
+    </p:extLst>
+  </p:cSld>
+  <p:clrMapOvr>
+    <a:masterClrMapping/>
+  </p:clrMapOvr>
+</p:sld>
+</file>
+
+<file path=ppt/slides/slide11.xml><?xml version="1.0" encoding="utf-8"?>
+<p:sld xmlns:a="http://schemas.openxmlformats.org/drawingml/2006/main" xmlns:r="http://schemas.openxmlformats.org/officeDocument/2006/relationships" xmlns:p="http://schemas.openxmlformats.org/presentationml/2006/main">
+  <p:cSld>
+    <p:bg>
+      <p:bgPr>
+        <a:solidFill>
+          <a:schemeClr val="dk1"/>
+        </a:solidFill>
+        <a:effectLst/>
+      </p:bgPr>
+    </p:bg>
+    <p:spTree>
+      <p:nvGrpSpPr>
+        <p:cNvPr id="1" name="Shape 133"/>
+        <p:cNvGrpSpPr/>
+        <p:nvPr/>
+      </p:nvGrpSpPr>
+      <p:grpSpPr>
+        <a:xfrm>
+          <a:off x="0" y="0"/>
+          <a:ext cx="0" cy="0"/>
+          <a:chOff x="0" y="0"/>
+          <a:chExt cx="0" cy="0"/>
+        </a:xfrm>
+      </p:grpSpPr>
+      <p:sp>
+        <p:nvSpPr>
+          <p:cNvPr id="134" name="Google Shape;134;p24"/>
+          <p:cNvSpPr txBox="1">
+            <a:spLocks noGrp="1"/>
+          </p:cNvSpPr>
+          <p:nvPr>
+            <p:ph type="title"/>
+          </p:nvPr>
+        </p:nvSpPr>
+        <p:spPr>
+          <a:xfrm>
+            <a:off x="311700" y="445025"/>
+            <a:ext cx="8520600" cy="572700"/>
+          </a:xfrm>
+          <a:prstGeom prst="rect">
+            <a:avLst/>
+          </a:prstGeom>
+        </p:spPr>
+        <p:txBody>
+          <a:bodyPr spcFirstLastPara="1" wrap="square" lIns="91425" tIns="91425" rIns="91425" bIns="91425" anchor="t" anchorCtr="0">
+            <a:normAutofit fontScale="90000"/>
+          </a:bodyPr>
+          <a:lstStyle/>
+          <a:p>
+            <a:pPr marL="0" lvl="0" indent="0" algn="l" rtl="0">
+              <a:spcBef>
+                <a:spcPts val="0"/>
+              </a:spcBef>
+              <a:spcAft>
+                <a:spcPts val="0"/>
+              </a:spcAft>
+              <a:buNone/>
+            </a:pPr>
+            <a:r>
+              <a:rPr lang="nl" dirty="0">
+                <a:solidFill>
+                  <a:schemeClr val="lt1"/>
+                </a:solidFill>
+              </a:rPr>
+              <a:t>Genetisch algoritme: methode</a:t>
+            </a:r>
+            <a:endParaRPr dirty="0">
+              <a:solidFill>
+                <a:schemeClr val="lt1"/>
+              </a:solidFill>
+            </a:endParaRPr>
+          </a:p>
+        </p:txBody>
+      </p:sp>
+      <p:sp>
+        <p:nvSpPr>
+          <p:cNvPr id="135" name="Google Shape;135;p24"/>
+          <p:cNvSpPr txBox="1">
+            <a:spLocks noGrp="1"/>
+          </p:cNvSpPr>
+          <p:nvPr>
+            <p:ph type="body" idx="1"/>
+          </p:nvPr>
+        </p:nvSpPr>
+        <p:spPr>
+          <a:xfrm>
+            <a:off x="311700" y="1152475"/>
+            <a:ext cx="8520600" cy="3416400"/>
+          </a:xfrm>
+          <a:prstGeom prst="rect">
+            <a:avLst/>
+          </a:prstGeom>
+        </p:spPr>
+        <p:txBody>
+          <a:bodyPr spcFirstLastPara="1" wrap="square" lIns="91425" tIns="91425" rIns="91425" bIns="91425" anchor="t" anchorCtr="0">
+            <a:normAutofit/>
+          </a:bodyPr>
+          <a:lstStyle/>
+          <a:p>
+            <a:pPr marL="0" lvl="0" indent="0" algn="l" rtl="0">
+              <a:spcBef>
+                <a:spcPts val="1200"/>
+              </a:spcBef>
+              <a:spcAft>
+                <a:spcPts val="0"/>
+              </a:spcAft>
+              <a:buNone/>
+            </a:pPr>
+            <a:endParaRPr dirty="0">
+              <a:solidFill>
+                <a:schemeClr val="lt1"/>
+              </a:solidFill>
+            </a:endParaRPr>
+          </a:p>
+          <a:p>
+            <a:pPr marL="0" lvl="0" indent="0" algn="l" rtl="0">
+              <a:spcBef>
+                <a:spcPts val="1200"/>
+              </a:spcBef>
+              <a:spcAft>
+                <a:spcPts val="0"/>
+              </a:spcAft>
+              <a:buNone/>
+            </a:pPr>
+            <a:endParaRPr dirty="0">
+              <a:solidFill>
+                <a:schemeClr val="lt1"/>
+              </a:solidFill>
+            </a:endParaRPr>
+          </a:p>
+        </p:txBody>
+      </p:sp>
+      <p:pic>
+        <p:nvPicPr>
+          <p:cNvPr id="136" name="Google Shape;136;p24"/>
+          <p:cNvPicPr preferRelativeResize="0"/>
+          <p:nvPr/>
+        </p:nvPicPr>
+        <p:blipFill>
+          <a:blip r:embed="rId3">
+            <a:alphaModFix/>
+          </a:blip>
+          <a:stretch>
+            <a:fillRect/>
+          </a:stretch>
+        </p:blipFill>
+        <p:spPr>
+          <a:xfrm>
+            <a:off x="1605948" y="1221900"/>
+            <a:ext cx="5589419" cy="3346975"/>
+          </a:xfrm>
+          <a:prstGeom prst="rect">
+            <a:avLst/>
+          </a:prstGeom>
+          <a:noFill/>
+          <a:ln>
+            <a:noFill/>
+          </a:ln>
+        </p:spPr>
+      </p:pic>
+    </p:spTree>
+  </p:cSld>
+  <p:clrMapOvr>
+    <a:masterClrMapping/>
+  </p:clrMapOvr>
+</p:sld>
+</file>
+
+<file path=ppt/slides/slide12.xml><?xml version="1.0" encoding="utf-8"?>
+<p:sld xmlns:a="http://schemas.openxmlformats.org/drawingml/2006/main" xmlns:r="http://schemas.openxmlformats.org/officeDocument/2006/relationships" xmlns:p="http://schemas.openxmlformats.org/presentationml/2006/main">
+  <p:cSld>
+    <p:spTree>
+      <p:nvGrpSpPr>
+        <p:cNvPr id="1" name=""/>
+        <p:cNvGrpSpPr/>
+        <p:nvPr/>
+      </p:nvGrpSpPr>
+      <p:grpSpPr>
+        <a:xfrm>
+          <a:off x="0" y="0"/>
+          <a:ext cx="0" cy="0"/>
+          <a:chOff x="0" y="0"/>
+          <a:chExt cx="0" cy="0"/>
+        </a:xfrm>
+      </p:grpSpPr>
+      <p:sp>
+        <p:nvSpPr>
+          <p:cNvPr id="2" name="Titel 1">
+            <a:extLst>
+              <a:ext uri="{FF2B5EF4-FFF2-40B4-BE49-F238E27FC236}">
+                <a16:creationId xmlns:a16="http://schemas.microsoft.com/office/drawing/2014/main" id="{573D2B2B-77FF-4617-BABA-EEFAEEDCBB93}"/>
+              </a:ext>
+            </a:extLst>
+          </p:cNvPr>
+          <p:cNvSpPr>
+            <a:spLocks noGrp="1"/>
+          </p:cNvSpPr>
+          <p:nvPr>
+            <p:ph type="title"/>
+          </p:nvPr>
+        </p:nvSpPr>
+        <p:spPr/>
+        <p:txBody>
+          <a:bodyPr>
+            <a:normAutofit fontScale="90000"/>
+          </a:bodyPr>
+          <a:lstStyle/>
+          <a:p>
+            <a:r>
+              <a:rPr lang="nl-NL" dirty="0"/>
+              <a:t>Genetisch algoritme: resultaten</a:t>
+            </a:r>
+          </a:p>
+        </p:txBody>
+      </p:sp>
+      <p:sp>
+        <p:nvSpPr>
+          <p:cNvPr id="3" name="Tijdelijke aanduiding voor tekst 2">
+            <a:extLst>
+              <a:ext uri="{FF2B5EF4-FFF2-40B4-BE49-F238E27FC236}">
+                <a16:creationId xmlns:a16="http://schemas.microsoft.com/office/drawing/2014/main" id="{CC7DF5B2-B4A5-4665-95FE-2837C41E9637}"/>
+              </a:ext>
+            </a:extLst>
+          </p:cNvPr>
+          <p:cNvSpPr>
+            <a:spLocks noGrp="1"/>
+          </p:cNvSpPr>
+          <p:nvPr>
+            <p:ph type="body" idx="1"/>
+          </p:nvPr>
+        </p:nvSpPr>
+        <p:spPr/>
+        <p:txBody>
+          <a:bodyPr/>
+          <a:lstStyle/>
+          <a:p>
+            <a:r>
+              <a:rPr lang="nl-NL" dirty="0"/>
+              <a:t>324 verschillende configuraties</a:t>
+            </a:r>
+          </a:p>
+          <a:p>
+            <a:pPr lvl="1"/>
+            <a:r>
+              <a:rPr lang="nl-NL" dirty="0"/>
+              <a:t>Selectie, </a:t>
+            </a:r>
+            <a:r>
+              <a:rPr lang="nl-NL" dirty="0" err="1"/>
+              <a:t>crossover</a:t>
+            </a:r>
+            <a:r>
+              <a:rPr lang="nl-NL" dirty="0"/>
+              <a:t>, populatiegrootte, mutatiekans, aantal generaties</a:t>
+            </a:r>
+          </a:p>
+        </p:txBody>
+      </p:sp>
+      <p:pic>
+        <p:nvPicPr>
+          <p:cNvPr id="1026" name="Picture 2">
+            <a:extLst>
+              <a:ext uri="{FF2B5EF4-FFF2-40B4-BE49-F238E27FC236}">
+                <a16:creationId xmlns:a16="http://schemas.microsoft.com/office/drawing/2014/main" id="{6B9B940B-D04D-4791-930C-290D8B0664A2}"/>
+              </a:ext>
+            </a:extLst>
+          </p:cNvPr>
+          <p:cNvPicPr>
+            <a:picLocks noChangeAspect="1" noChangeArrowheads="1"/>
+          </p:cNvPicPr>
+          <p:nvPr/>
+        </p:nvPicPr>
+        <p:blipFill>
+          <a:blip r:embed="rId2">
+            <a:extLst>
+              <a:ext uri="{28A0092B-C50C-407E-A947-70E740481C1C}">
+                <a14:useLocalDpi xmlns:a14="http://schemas.microsoft.com/office/drawing/2010/main" val="0"/>
+              </a:ext>
+            </a:extLst>
+          </a:blip>
+          <a:srcRect/>
+          <a:stretch>
+            <a:fillRect/>
+          </a:stretch>
+        </p:blipFill>
+        <p:spPr bwMode="auto">
+          <a:xfrm>
+            <a:off x="560901" y="2062556"/>
+            <a:ext cx="3635256" cy="2726442"/>
+          </a:xfrm>
+          <a:prstGeom prst="rect">
+            <a:avLst/>
+          </a:prstGeom>
+          <a:noFill/>
+          <a:extLst>
+            <a:ext uri="{909E8E84-426E-40DD-AFC4-6F175D3DCCD1}">
+              <a14:hiddenFill xmlns:a14="http://schemas.microsoft.com/office/drawing/2010/main">
+                <a:solidFill>
+                  <a:srgbClr val="FFFFFF"/>
+                </a:solidFill>
+              </a14:hiddenFill>
+            </a:ext>
+          </a:extLst>
+        </p:spPr>
+      </p:pic>
+      <p:pic>
+        <p:nvPicPr>
+          <p:cNvPr id="1028" name="Picture 4">
+            <a:extLst>
+              <a:ext uri="{FF2B5EF4-FFF2-40B4-BE49-F238E27FC236}">
+                <a16:creationId xmlns:a16="http://schemas.microsoft.com/office/drawing/2014/main" id="{2EE6633F-1AAF-49E3-A20B-916C4508A981}"/>
+              </a:ext>
+            </a:extLst>
+          </p:cNvPr>
+          <p:cNvPicPr>
+            <a:picLocks noChangeAspect="1" noChangeArrowheads="1"/>
+          </p:cNvPicPr>
+          <p:nvPr/>
+        </p:nvPicPr>
+        <p:blipFill>
+          <a:blip r:embed="rId3">
+            <a:extLst>
+              <a:ext uri="{28A0092B-C50C-407E-A947-70E740481C1C}">
+                <a14:useLocalDpi xmlns:a14="http://schemas.microsoft.com/office/drawing/2010/main" val="0"/>
+              </a:ext>
+            </a:extLst>
+          </a:blip>
+          <a:srcRect/>
+          <a:stretch>
+            <a:fillRect/>
+          </a:stretch>
+        </p:blipFill>
+        <p:spPr bwMode="auto">
+          <a:xfrm>
+            <a:off x="4812058" y="2107245"/>
+            <a:ext cx="3516085" cy="2637064"/>
+          </a:xfrm>
+          <a:prstGeom prst="rect">
+            <a:avLst/>
+          </a:prstGeom>
+          <a:noFill/>
+          <a:extLst>
+            <a:ext uri="{909E8E84-426E-40DD-AFC4-6F175D3DCCD1}">
+              <a14:hiddenFill xmlns:a14="http://schemas.microsoft.com/office/drawing/2010/main">
+                <a:solidFill>
+                  <a:srgbClr val="FFFFFF"/>
+                </a:solidFill>
+              </a14:hiddenFill>
+            </a:ext>
+          </a:extLst>
+        </p:spPr>
+      </p:pic>
+    </p:spTree>
+    <p:extLst>
+      <p:ext uri="{BB962C8B-B14F-4D97-AF65-F5344CB8AC3E}">
+        <p14:creationId xmlns:p14="http://schemas.microsoft.com/office/powerpoint/2010/main" val="1871102804"/>
+      </p:ext>
+    </p:extLst>
+  </p:cSld>
+  <p:clrMapOvr>
+    <a:masterClrMapping/>
+  </p:clrMapOvr>
+</p:sld>
+</file>
+
+<file path=ppt/slides/slide13.xml><?xml version="1.0" encoding="utf-8"?>
+<p:sld xmlns:a="http://schemas.openxmlformats.org/drawingml/2006/main" xmlns:r="http://schemas.openxmlformats.org/officeDocument/2006/relationships" xmlns:p="http://schemas.openxmlformats.org/presentationml/2006/main">
+  <p:cSld>
+    <p:spTree>
+      <p:nvGrpSpPr>
+        <p:cNvPr id="1" name=""/>
+        <p:cNvGrpSpPr/>
+        <p:nvPr/>
+      </p:nvGrpSpPr>
+      <p:grpSpPr>
+        <a:xfrm>
+          <a:off x="0" y="0"/>
+          <a:ext cx="0" cy="0"/>
+          <a:chOff x="0" y="0"/>
+          <a:chExt cx="0" cy="0"/>
+        </a:xfrm>
+      </p:grpSpPr>
+      <p:sp>
+        <p:nvSpPr>
+          <p:cNvPr id="2" name="Titel 1">
+            <a:extLst>
+              <a:ext uri="{FF2B5EF4-FFF2-40B4-BE49-F238E27FC236}">
+                <a16:creationId xmlns:a16="http://schemas.microsoft.com/office/drawing/2014/main" id="{534BD26F-8C57-4004-BE03-76324A923689}"/>
+              </a:ext>
+            </a:extLst>
+          </p:cNvPr>
+          <p:cNvSpPr>
+            <a:spLocks noGrp="1"/>
+          </p:cNvSpPr>
+          <p:nvPr>
+            <p:ph type="title"/>
+          </p:nvPr>
+        </p:nvSpPr>
+        <p:spPr/>
+        <p:txBody>
+          <a:bodyPr>
+            <a:normAutofit fontScale="90000"/>
+          </a:bodyPr>
+          <a:lstStyle/>
+          <a:p>
+            <a:r>
+              <a:rPr lang="nl-NL" dirty="0"/>
+              <a:t>Genetisch algoritme: resultaten</a:t>
+            </a:r>
+          </a:p>
+        </p:txBody>
+      </p:sp>
+      <p:sp>
+        <p:nvSpPr>
+          <p:cNvPr id="3" name="Tijdelijke aanduiding voor tekst 2">
+            <a:extLst>
+              <a:ext uri="{FF2B5EF4-FFF2-40B4-BE49-F238E27FC236}">
+                <a16:creationId xmlns:a16="http://schemas.microsoft.com/office/drawing/2014/main" id="{E84067D7-CF5C-44CD-BA07-4EA7B62AA714}"/>
+              </a:ext>
+            </a:extLst>
+          </p:cNvPr>
+          <p:cNvSpPr>
+            <a:spLocks noGrp="1"/>
+          </p:cNvSpPr>
+          <p:nvPr>
+            <p:ph type="body" idx="1"/>
+          </p:nvPr>
+        </p:nvSpPr>
+        <p:spPr/>
+        <p:txBody>
+          <a:bodyPr/>
+          <a:lstStyle/>
+          <a:p>
+            <a:r>
+              <a:rPr lang="nl-NL" dirty="0"/>
+              <a:t>Hoe hoger de populatiegrootte en generaties, hoe beter het resultaat</a:t>
+            </a:r>
+          </a:p>
+          <a:p>
+            <a:pPr lvl="1"/>
+            <a:r>
+              <a:rPr lang="nl-NL" dirty="0"/>
+              <a:t>Tijdsafweging. </a:t>
+            </a:r>
+            <a:r>
+              <a:rPr lang="nl-NL" dirty="0" err="1"/>
+              <a:t>Sweet</a:t>
+            </a:r>
+            <a:r>
+              <a:rPr lang="nl-NL" dirty="0"/>
+              <a:t> spot: populatie van 10.000 met 200 generaties </a:t>
+            </a:r>
+          </a:p>
+          <a:p>
+            <a:r>
+              <a:rPr lang="nl-NL" dirty="0"/>
+              <a:t>Beste configuraties: </a:t>
+            </a:r>
+          </a:p>
+          <a:p>
+            <a:endParaRPr lang="nl-NL" dirty="0"/>
+          </a:p>
+          <a:p>
+            <a:endParaRPr lang="nl-NL" dirty="0"/>
+          </a:p>
+          <a:p>
+            <a:endParaRPr lang="nl-NL" dirty="0"/>
+          </a:p>
+          <a:p>
+            <a:endParaRPr lang="nl-NL" dirty="0"/>
+          </a:p>
+          <a:p>
+            <a:endParaRPr lang="nl-NL" dirty="0"/>
+          </a:p>
+          <a:p>
+            <a:endParaRPr lang="nl-NL" dirty="0"/>
+          </a:p>
+          <a:p>
+            <a:r>
+              <a:rPr lang="nl-NL" dirty="0"/>
+              <a:t>Conclusie: scoort constant, maar </a:t>
+            </a:r>
+            <a:r>
+              <a:rPr lang="nl-NL" dirty="0" err="1"/>
+              <a:t>hillclimber</a:t>
+            </a:r>
+            <a:r>
+              <a:rPr lang="nl-NL" dirty="0"/>
+              <a:t> scoort soms hoger</a:t>
+            </a:r>
+          </a:p>
+        </p:txBody>
+      </p:sp>
+      <p:pic>
+        <p:nvPicPr>
+          <p:cNvPr id="5" name="Afbeelding 4">
+            <a:extLst>
+              <a:ext uri="{FF2B5EF4-FFF2-40B4-BE49-F238E27FC236}">
+                <a16:creationId xmlns:a16="http://schemas.microsoft.com/office/drawing/2014/main" id="{4DB59278-DDA5-4388-B812-F50A0FDBDFBA}"/>
+              </a:ext>
+            </a:extLst>
+          </p:cNvPr>
+          <p:cNvPicPr>
+            <a:picLocks noChangeAspect="1"/>
+          </p:cNvPicPr>
+          <p:nvPr/>
+        </p:nvPicPr>
+        <p:blipFill>
+          <a:blip r:embed="rId2"/>
+          <a:stretch>
+            <a:fillRect/>
+          </a:stretch>
+        </p:blipFill>
+        <p:spPr>
+          <a:xfrm>
+            <a:off x="983152" y="2496123"/>
+            <a:ext cx="6641432" cy="1090796"/>
+          </a:xfrm>
+          <a:prstGeom prst="rect">
+            <a:avLst/>
+          </a:prstGeom>
+        </p:spPr>
+      </p:pic>
+    </p:spTree>
+    <p:extLst>
+      <p:ext uri="{BB962C8B-B14F-4D97-AF65-F5344CB8AC3E}">
+        <p14:creationId xmlns:p14="http://schemas.microsoft.com/office/powerpoint/2010/main" val="1415137384"/>
+      </p:ext>
+    </p:extLst>
+  </p:cSld>
+  <p:clrMapOvr>
+    <a:masterClrMapping/>
+  </p:clrMapOvr>
+</p:sld>
+</file>
+
+<file path=ppt/slides/slide14.xml><?xml version="1.0" encoding="utf-8"?>
+<p:sld xmlns:a="http://schemas.openxmlformats.org/drawingml/2006/main" xmlns:r="http://schemas.openxmlformats.org/officeDocument/2006/relationships" xmlns:p="http://schemas.openxmlformats.org/presentationml/2006/main">
+  <p:cSld>
+    <p:spTree>
+      <p:nvGrpSpPr>
+        <p:cNvPr id="1" name=""/>
+        <p:cNvGrpSpPr/>
+        <p:nvPr/>
+      </p:nvGrpSpPr>
+      <p:grpSpPr>
+        <a:xfrm>
+          <a:off x="0" y="0"/>
+          <a:ext cx="0" cy="0"/>
+          <a:chOff x="0" y="0"/>
+          <a:chExt cx="0" cy="0"/>
+        </a:xfrm>
+      </p:grpSpPr>
+      <p:sp>
+        <p:nvSpPr>
+          <p:cNvPr id="2" name="Titel 1">
+            <a:extLst>
+              <a:ext uri="{FF2B5EF4-FFF2-40B4-BE49-F238E27FC236}">
+                <a16:creationId xmlns:a16="http://schemas.microsoft.com/office/drawing/2014/main" id="{7DCFC508-892B-429E-9EF3-3320C5F6636D}"/>
+              </a:ext>
+            </a:extLst>
+          </p:cNvPr>
+          <p:cNvSpPr>
+            <a:spLocks noGrp="1"/>
+          </p:cNvSpPr>
+          <p:nvPr>
+            <p:ph type="title"/>
+          </p:nvPr>
+        </p:nvSpPr>
+        <p:spPr/>
+        <p:txBody>
+          <a:bodyPr>
+            <a:normAutofit fontScale="90000"/>
+          </a:bodyPr>
+          <a:lstStyle/>
+          <a:p>
+            <a:r>
+              <a:rPr lang="nl-NL" dirty="0"/>
+              <a:t>Genetisch algoritme met </a:t>
+            </a:r>
+            <a:r>
+              <a:rPr lang="nl-NL" dirty="0" err="1"/>
+              <a:t>hillclimber</a:t>
+            </a:r>
+            <a:endParaRPr lang="nl-NL" dirty="0"/>
+          </a:p>
+        </p:txBody>
+      </p:sp>
+      <p:sp>
+        <p:nvSpPr>
+          <p:cNvPr id="3" name="Tijdelijke aanduiding voor tekst 2">
+            <a:extLst>
+              <a:ext uri="{FF2B5EF4-FFF2-40B4-BE49-F238E27FC236}">
+                <a16:creationId xmlns:a16="http://schemas.microsoft.com/office/drawing/2014/main" id="{7A774F9C-808A-476B-9019-BE2A12D015C0}"/>
+              </a:ext>
+            </a:extLst>
+          </p:cNvPr>
+          <p:cNvSpPr>
+            <a:spLocks noGrp="1"/>
+          </p:cNvSpPr>
+          <p:nvPr>
+            <p:ph type="body" idx="1"/>
+          </p:nvPr>
+        </p:nvSpPr>
+        <p:spPr/>
+        <p:txBody>
+          <a:bodyPr/>
+          <a:lstStyle/>
+          <a:p>
+            <a:r>
+              <a:rPr lang="nl-NL" dirty="0"/>
+              <a:t>Elke 10% van de generaties: </a:t>
+            </a:r>
+            <a:r>
+              <a:rPr lang="nl-NL" dirty="0" err="1"/>
+              <a:t>hillclimben</a:t>
+            </a:r>
+            <a:r>
+              <a:rPr lang="nl-NL" dirty="0"/>
+              <a:t>!</a:t>
+            </a:r>
+          </a:p>
+          <a:p>
+            <a:pPr marL="114300" indent="0">
+              <a:buNone/>
+            </a:pPr>
+            <a:endParaRPr lang="nl-NL" dirty="0"/>
+          </a:p>
+        </p:txBody>
+      </p:sp>
+    </p:spTree>
+    <p:extLst>
+      <p:ext uri="{BB962C8B-B14F-4D97-AF65-F5344CB8AC3E}">
+        <p14:creationId xmlns:p14="http://schemas.microsoft.com/office/powerpoint/2010/main" val="3413809530"/>
+      </p:ext>
+    </p:extLst>
+  </p:cSld>
+  <p:clrMapOvr>
+    <a:masterClrMapping/>
+  </p:clrMapOvr>
+</p:sld>
+</file>
+
+<file path=ppt/slides/slide15.xml><?xml version="1.0" encoding="utf-8"?>
+<p:sld xmlns:a="http://schemas.openxmlformats.org/drawingml/2006/main" xmlns:r="http://schemas.openxmlformats.org/officeDocument/2006/relationships" xmlns:p="http://schemas.openxmlformats.org/presentationml/2006/main">
+  <p:cSld>
+    <p:spTree>
+      <p:nvGrpSpPr>
+        <p:cNvPr id="1" name=""/>
+        <p:cNvGrpSpPr/>
+        <p:nvPr/>
+      </p:nvGrpSpPr>
+      <p:grpSpPr>
+        <a:xfrm>
+          <a:off x="0" y="0"/>
+          <a:ext cx="0" cy="0"/>
+          <a:chOff x="0" y="0"/>
+          <a:chExt cx="0" cy="0"/>
+        </a:xfrm>
+      </p:grpSpPr>
+      <p:sp>
+        <p:nvSpPr>
+          <p:cNvPr id="2" name="Titel 1">
+            <a:extLst>
+              <a:ext uri="{FF2B5EF4-FFF2-40B4-BE49-F238E27FC236}">
+                <a16:creationId xmlns:a16="http://schemas.microsoft.com/office/drawing/2014/main" id="{1A6F02C9-8823-4F85-ACF6-F1209A79E0F6}"/>
+              </a:ext>
+            </a:extLst>
+          </p:cNvPr>
+          <p:cNvSpPr>
+            <a:spLocks noGrp="1"/>
+          </p:cNvSpPr>
+          <p:nvPr>
+            <p:ph type="title"/>
+          </p:nvPr>
+        </p:nvSpPr>
+        <p:spPr/>
+        <p:txBody>
+          <a:bodyPr>
+            <a:normAutofit fontScale="90000"/>
+          </a:bodyPr>
+          <a:lstStyle/>
+          <a:p>
+            <a:r>
+              <a:rPr lang="nl-NL" dirty="0"/>
+              <a:t>Conclusie</a:t>
+            </a:r>
+          </a:p>
+        </p:txBody>
+      </p:sp>
+      <p:sp>
+        <p:nvSpPr>
+          <p:cNvPr id="3" name="Tijdelijke aanduiding voor tekst 2">
+            <a:extLst>
+              <a:ext uri="{FF2B5EF4-FFF2-40B4-BE49-F238E27FC236}">
+                <a16:creationId xmlns:a16="http://schemas.microsoft.com/office/drawing/2014/main" id="{B04070B2-78F2-4B0E-964E-5A00E939F2A3}"/>
+              </a:ext>
+            </a:extLst>
+          </p:cNvPr>
+          <p:cNvSpPr>
+            <a:spLocks noGrp="1"/>
+          </p:cNvSpPr>
+          <p:nvPr>
+            <p:ph type="body" idx="1"/>
+          </p:nvPr>
+        </p:nvSpPr>
+        <p:spPr/>
+        <p:txBody>
+          <a:bodyPr/>
+          <a:lstStyle/>
+          <a:p>
+            <a:endParaRPr lang="nl-NL" dirty="0"/>
+          </a:p>
+        </p:txBody>
+      </p:sp>
+    </p:spTree>
+    <p:extLst>
+      <p:ext uri="{BB962C8B-B14F-4D97-AF65-F5344CB8AC3E}">
+        <p14:creationId xmlns:p14="http://schemas.microsoft.com/office/powerpoint/2010/main" val="851988608"/>
+      </p:ext>
+    </p:extLst>
+  </p:cSld>
+  <p:clrMapOvr>
+    <a:masterClrMapping/>
+  </p:clrMapOvr>
+</p:sld>
+</file>
+
+<file path=ppt/slides/slide2.xml><?xml version="1.0" encoding="utf-8"?>
+<p:sld xmlns:a="http://schemas.openxmlformats.org/drawingml/2006/main" xmlns:r="http://schemas.openxmlformats.org/officeDocument/2006/relationships" xmlns:p="http://schemas.openxmlformats.org/presentationml/2006/main">
+  <p:cSld>
+    <p:spTree>
+      <p:nvGrpSpPr>
+        <p:cNvPr id="1" name="Shape 60"/>
+        <p:cNvGrpSpPr/>
+        <p:nvPr/>
+      </p:nvGrpSpPr>
+      <p:grpSpPr>
+        <a:xfrm>
+          <a:off x="0" y="0"/>
+          <a:ext cx="0" cy="0"/>
+          <a:chOff x="0" y="0"/>
+          <a:chExt cx="0" cy="0"/>
+        </a:xfrm>
+      </p:grpSpPr>
+      <p:sp>
+        <p:nvSpPr>
+          <p:cNvPr id="61" name="Google Shape;61;p14"/>
+          <p:cNvSpPr txBox="1">
+            <a:spLocks noGrp="1"/>
+          </p:cNvSpPr>
+          <p:nvPr>
+            <p:ph type="title"/>
+          </p:nvPr>
+        </p:nvSpPr>
+        <p:spPr>
+          <a:xfrm>
+            <a:off x="311700" y="445025"/>
+            <a:ext cx="8520600" cy="572700"/>
+          </a:xfrm>
+          <a:prstGeom prst="rect">
+            <a:avLst/>
+          </a:prstGeom>
+        </p:spPr>
+        <p:txBody>
+          <a:bodyPr spcFirstLastPara="1" wrap="square" lIns="91425" tIns="91425" rIns="91425" bIns="91425" anchor="t" anchorCtr="0">
+            <a:normAutofit fontScale="90000"/>
+          </a:bodyPr>
+          <a:lstStyle/>
+          <a:p>
+            <a:pPr marL="0" lvl="0" indent="0" algn="l" rtl="0">
+              <a:spcBef>
+                <a:spcPts val="0"/>
+              </a:spcBef>
+              <a:spcAft>
+                <a:spcPts val="0"/>
+              </a:spcAft>
+              <a:buNone/>
+            </a:pPr>
+            <a:r>
+              <a:rPr lang="nl"/>
+              <a:t>De case</a:t>
+            </a:r>
+            <a:endParaRPr/>
+          </a:p>
+        </p:txBody>
+      </p:sp>
+      <p:sp>
+        <p:nvSpPr>
+          <p:cNvPr id="62" name="Google Shape;62;p14"/>
+          <p:cNvSpPr txBox="1">
+            <a:spLocks noGrp="1"/>
+          </p:cNvSpPr>
+          <p:nvPr>
+            <p:ph type="body" idx="1"/>
+          </p:nvPr>
+        </p:nvSpPr>
+        <p:spPr>
+          <a:xfrm>
+            <a:off x="311700" y="1152475"/>
+            <a:ext cx="8520600" cy="3416400"/>
+          </a:xfrm>
+          <a:prstGeom prst="rect">
+            <a:avLst/>
+          </a:prstGeom>
+        </p:spPr>
+        <p:txBody>
+          <a:bodyPr spcFirstLastPara="1" wrap="square" lIns="91425" tIns="91425" rIns="91425" bIns="91425" anchor="t" anchorCtr="0">
+            <a:normAutofit/>
+          </a:bodyPr>
+          <a:lstStyle/>
+          <a:p>
+            <a:pPr marL="0" lvl="0" indent="0" algn="l" rtl="0">
+              <a:spcBef>
+                <a:spcPts val="0"/>
+              </a:spcBef>
+              <a:spcAft>
+                <a:spcPts val="0"/>
+              </a:spcAft>
+              <a:buNone/>
+            </a:pPr>
+            <a:r>
+              <a:rPr lang="nl" dirty="0"/>
+              <a:t>Uitdaging:</a:t>
+            </a:r>
+            <a:endParaRPr dirty="0"/>
+          </a:p>
+          <a:p>
+            <a:pPr marL="0" lvl="0" indent="0" algn="l" rtl="0">
+              <a:spcBef>
+                <a:spcPts val="1200"/>
+              </a:spcBef>
+              <a:spcAft>
+                <a:spcPts val="0"/>
+              </a:spcAft>
+              <a:buNone/>
+            </a:pPr>
+            <a:r>
+              <a:rPr lang="nl" dirty="0"/>
+              <a:t>“Maak een lijnvoering voor Nederland met maximaal 20 trajecten binnen een tijdsframe van 3 uur”</a:t>
+            </a:r>
+            <a:endParaRPr dirty="0"/>
+          </a:p>
+          <a:p>
+            <a:pPr marL="0" lvl="0" indent="0" algn="l" rtl="0">
+              <a:spcBef>
+                <a:spcPts val="1200"/>
+              </a:spcBef>
+              <a:spcAft>
+                <a:spcPts val="0"/>
+              </a:spcAft>
+              <a:buNone/>
+            </a:pPr>
+            <a:endParaRPr dirty="0"/>
+          </a:p>
+          <a:p>
+            <a:pPr marL="0" lvl="0" indent="0" algn="l" rtl="0">
+              <a:spcBef>
+                <a:spcPts val="1200"/>
+              </a:spcBef>
+              <a:spcAft>
+                <a:spcPts val="0"/>
+              </a:spcAft>
+              <a:buNone/>
+            </a:pPr>
+            <a:r>
+              <a:rPr lang="nl" dirty="0"/>
+              <a:t>Hoe ziet het treinnetwerk in Nederland eruit?</a:t>
+            </a:r>
+            <a:endParaRPr dirty="0"/>
+          </a:p>
+          <a:p>
+            <a:pPr marL="0" lvl="0" indent="0" algn="l" rtl="0">
+              <a:spcBef>
+                <a:spcPts val="1200"/>
+              </a:spcBef>
+              <a:spcAft>
+                <a:spcPts val="0"/>
+              </a:spcAft>
+              <a:buNone/>
+            </a:pPr>
+            <a:endParaRPr dirty="0"/>
+          </a:p>
+          <a:p>
+            <a:pPr marL="0" lvl="0" indent="0" algn="l" rtl="0">
+              <a:spcBef>
+                <a:spcPts val="1200"/>
+              </a:spcBef>
+              <a:spcAft>
+                <a:spcPts val="1200"/>
+              </a:spcAft>
+              <a:buNone/>
+            </a:pPr>
+            <a:endParaRPr dirty="0"/>
+          </a:p>
+        </p:txBody>
+      </p:sp>
+      <p:pic>
+        <p:nvPicPr>
+          <p:cNvPr id="3" name="Afbeelding 2">
+            <a:hlinkClick r:id="rId3"/>
+            <a:extLst>
+              <a:ext uri="{FF2B5EF4-FFF2-40B4-BE49-F238E27FC236}">
+                <a16:creationId xmlns:a16="http://schemas.microsoft.com/office/drawing/2014/main" id="{62B88326-80B6-447F-8708-31AD8F172524}"/>
+              </a:ext>
+            </a:extLst>
+          </p:cNvPr>
+          <p:cNvPicPr>
+            <a:picLocks noChangeAspect="1"/>
+          </p:cNvPicPr>
+          <p:nvPr/>
+        </p:nvPicPr>
+        <p:blipFill>
+          <a:blip r:embed="rId4"/>
+          <a:stretch>
+            <a:fillRect/>
+          </a:stretch>
+        </p:blipFill>
+        <p:spPr>
+          <a:xfrm>
+            <a:off x="5542616" y="2250908"/>
+            <a:ext cx="2400947" cy="2447567"/>
+          </a:xfrm>
+          <a:prstGeom prst="rect">
+            <a:avLst/>
+          </a:prstGeom>
+        </p:spPr>
+      </p:pic>
+    </p:spTree>
+  </p:cSld>
+  <p:clrMapOvr>
+    <a:masterClrMapping/>
+  </p:clrMapOvr>
+</p:sld>
+</file>
+
+<file path=ppt/slides/slide3.xml><?xml version="1.0" encoding="utf-8"?>
+<p:sld xmlns:a="http://schemas.openxmlformats.org/drawingml/2006/main" xmlns:r="http://schemas.openxmlformats.org/officeDocument/2006/relationships" xmlns:p="http://schemas.openxmlformats.org/presentationml/2006/main">
+  <p:cSld>
+    <p:bg>
+      <p:bgPr>
+        <a:solidFill>
+          <a:schemeClr val="dk1"/>
+        </a:solidFill>
+        <a:effectLst/>
+      </p:bgPr>
+    </p:bg>
+    <p:spTree>
+      <p:nvGrpSpPr>
+        <p:cNvPr id="1" name="Shape 66"/>
+        <p:cNvGrpSpPr/>
+        <p:nvPr/>
+      </p:nvGrpSpPr>
+      <p:grpSpPr>
+        <a:xfrm>
+          <a:off x="0" y="0"/>
+          <a:ext cx="0" cy="0"/>
+          <a:chOff x="0" y="0"/>
+          <a:chExt cx="0" cy="0"/>
+        </a:xfrm>
+      </p:grpSpPr>
+      <p:sp>
+        <p:nvSpPr>
+          <p:cNvPr id="67" name="Google Shape;67;p15"/>
+          <p:cNvSpPr txBox="1">
+            <a:spLocks noGrp="1"/>
+          </p:cNvSpPr>
+          <p:nvPr>
+            <p:ph type="title"/>
+          </p:nvPr>
+        </p:nvSpPr>
+        <p:spPr>
+          <a:xfrm>
+            <a:off x="311700" y="445025"/>
+            <a:ext cx="8520600" cy="572700"/>
+          </a:xfrm>
+          <a:prstGeom prst="rect">
+            <a:avLst/>
+          </a:prstGeom>
+        </p:spPr>
+        <p:txBody>
+          <a:bodyPr spcFirstLastPara="1" wrap="square" lIns="91425" tIns="91425" rIns="91425" bIns="91425" anchor="t" anchorCtr="0">
+            <a:normAutofit fontScale="90000"/>
+          </a:bodyPr>
+          <a:lstStyle/>
+          <a:p>
+            <a:pPr marL="0" lvl="0" indent="0" algn="l" rtl="0">
+              <a:spcBef>
+                <a:spcPts val="0"/>
+              </a:spcBef>
+              <a:spcAft>
+                <a:spcPts val="0"/>
+              </a:spcAft>
+              <a:buNone/>
+            </a:pPr>
+            <a:r>
+              <a:rPr lang="nl">
+                <a:solidFill>
+                  <a:schemeClr val="lt1"/>
+                </a:solidFill>
+              </a:rPr>
+              <a:t>Een lijnvoering</a:t>
+            </a:r>
+            <a:endParaRPr>
+              <a:solidFill>
+                <a:schemeClr val="lt1"/>
+              </a:solidFill>
+            </a:endParaRPr>
+          </a:p>
+        </p:txBody>
+      </p:sp>
+      <p:sp>
+        <p:nvSpPr>
+          <p:cNvPr id="68" name="Google Shape;68;p15"/>
+          <p:cNvSpPr txBox="1">
+            <a:spLocks noGrp="1"/>
+          </p:cNvSpPr>
+          <p:nvPr>
+            <p:ph type="body" idx="1"/>
+          </p:nvPr>
+        </p:nvSpPr>
+        <p:spPr>
+          <a:xfrm>
+            <a:off x="311700" y="1152475"/>
+            <a:ext cx="8520600" cy="3416400"/>
+          </a:xfrm>
+          <a:prstGeom prst="rect">
+            <a:avLst/>
+          </a:prstGeom>
+        </p:spPr>
+        <p:txBody>
+          <a:bodyPr spcFirstLastPara="1" wrap="square" lIns="91425" tIns="91425" rIns="91425" bIns="91425" anchor="t" anchorCtr="0">
+            <a:normAutofit/>
+          </a:bodyPr>
+          <a:lstStyle/>
+          <a:p>
+            <a:pPr marL="0" lvl="0" indent="0" algn="l" rtl="0">
+              <a:spcBef>
+                <a:spcPts val="0"/>
+              </a:spcBef>
+              <a:spcAft>
+                <a:spcPts val="1200"/>
+              </a:spcAft>
+              <a:buNone/>
+            </a:pPr>
+            <a:r>
+              <a:rPr lang="nl">
+                <a:solidFill>
+                  <a:srgbClr val="000000"/>
+                </a:solidFill>
+              </a:rPr>
+              <a:t>Een lijnvoering bestaat uit een aantal verschillende treinen</a:t>
+            </a:r>
+            <a:endParaRPr>
+              <a:solidFill>
+                <a:srgbClr val="000000"/>
+              </a:solidFill>
+            </a:endParaRPr>
+          </a:p>
+        </p:txBody>
+      </p:sp>
+      <p:pic>
+        <p:nvPicPr>
+          <p:cNvPr id="69" name="Google Shape;69;p15"/>
+          <p:cNvPicPr preferRelativeResize="0"/>
+          <p:nvPr/>
+        </p:nvPicPr>
+        <p:blipFill>
+          <a:blip r:embed="rId3">
+            <a:alphaModFix/>
+          </a:blip>
+          <a:stretch>
+            <a:fillRect/>
+          </a:stretch>
+        </p:blipFill>
+        <p:spPr>
+          <a:xfrm>
+            <a:off x="2232475" y="1818997"/>
+            <a:ext cx="4928925" cy="2679325"/>
+          </a:xfrm>
+          <a:prstGeom prst="rect">
+            <a:avLst/>
+          </a:prstGeom>
+          <a:noFill/>
+          <a:ln>
+            <a:noFill/>
+          </a:ln>
+        </p:spPr>
+      </p:pic>
+    </p:spTree>
+  </p:cSld>
+  <p:clrMapOvr>
+    <a:masterClrMapping/>
+  </p:clrMapOvr>
+</p:sld>
+</file>
+
+<file path=ppt/slides/slide4.xml><?xml version="1.0" encoding="utf-8"?>
+<p:sld xmlns:a="http://schemas.openxmlformats.org/drawingml/2006/main" xmlns:r="http://schemas.openxmlformats.org/officeDocument/2006/relationships" xmlns:p="http://schemas.openxmlformats.org/presentationml/2006/main">
+  <p:cSld>
+    <p:spTree>
+      <p:nvGrpSpPr>
+        <p:cNvPr id="1" name="Shape 79"/>
+        <p:cNvGrpSpPr/>
+        <p:nvPr/>
+      </p:nvGrpSpPr>
+      <p:grpSpPr>
+        <a:xfrm>
+          <a:off x="0" y="0"/>
+          <a:ext cx="0" cy="0"/>
+          <a:chOff x="0" y="0"/>
+          <a:chExt cx="0" cy="0"/>
+        </a:xfrm>
+      </p:grpSpPr>
+      <p:sp>
+        <p:nvSpPr>
+          <p:cNvPr id="80" name="Google Shape;80;p17"/>
+          <p:cNvSpPr txBox="1">
+            <a:spLocks noGrp="1"/>
+          </p:cNvSpPr>
+          <p:nvPr>
+            <p:ph type="title"/>
+          </p:nvPr>
+        </p:nvSpPr>
+        <p:spPr>
+          <a:xfrm>
+            <a:off x="311700" y="445025"/>
+            <a:ext cx="8520600" cy="572700"/>
+          </a:xfrm>
+          <a:prstGeom prst="rect">
+            <a:avLst/>
+          </a:prstGeom>
+        </p:spPr>
+        <p:txBody>
+          <a:bodyPr spcFirstLastPara="1" wrap="square" lIns="91425" tIns="91425" rIns="91425" bIns="91425" anchor="t" anchorCtr="0">
+            <a:normAutofit fontScale="90000"/>
+          </a:bodyPr>
+          <a:lstStyle/>
+          <a:p>
+            <a:pPr marL="0" lvl="0" indent="0" algn="l" rtl="0">
+              <a:spcBef>
+                <a:spcPts val="0"/>
+              </a:spcBef>
+              <a:spcAft>
+                <a:spcPts val="0"/>
+              </a:spcAft>
+              <a:buNone/>
+            </a:pPr>
+            <a:r>
+              <a:rPr lang="nl"/>
+              <a:t>De formule</a:t>
+            </a:r>
+            <a:endParaRPr/>
+          </a:p>
+        </p:txBody>
+      </p:sp>
+      <p:sp>
+        <p:nvSpPr>
+          <p:cNvPr id="81" name="Google Shape;81;p17"/>
+          <p:cNvSpPr txBox="1">
+            <a:spLocks noGrp="1"/>
+          </p:cNvSpPr>
+          <p:nvPr>
+            <p:ph type="body" idx="1"/>
+          </p:nvPr>
+        </p:nvSpPr>
+        <p:spPr>
+          <a:xfrm>
+            <a:off x="342550" y="1152475"/>
+            <a:ext cx="8520600" cy="3416400"/>
+          </a:xfrm>
+          <a:prstGeom prst="rect">
+            <a:avLst/>
+          </a:prstGeom>
+        </p:spPr>
+        <p:txBody>
+          <a:bodyPr spcFirstLastPara="1" wrap="square" lIns="91425" tIns="91425" rIns="91425" bIns="91425" anchor="t" anchorCtr="0">
+            <a:normAutofit fontScale="85000" lnSpcReduction="10000"/>
+          </a:bodyPr>
+          <a:lstStyle/>
+          <a:p>
+            <a:pPr marL="0" lvl="0" indent="0" algn="l" rtl="0">
+              <a:spcBef>
+                <a:spcPts val="0"/>
+              </a:spcBef>
+              <a:spcAft>
+                <a:spcPts val="0"/>
+              </a:spcAft>
+              <a:buNone/>
+            </a:pPr>
+            <a:r>
+              <a:rPr lang="nl" sz="2400" dirty="0"/>
+              <a:t>K = p*10000 - (T*100 + Min)</a:t>
+            </a:r>
+            <a:endParaRPr sz="2400" dirty="0"/>
+          </a:p>
+          <a:p>
+            <a:pPr marL="0" lvl="0" indent="0" algn="l" rtl="0">
+              <a:spcBef>
+                <a:spcPts val="1200"/>
+              </a:spcBef>
+              <a:spcAft>
+                <a:spcPts val="0"/>
+              </a:spcAft>
+              <a:buNone/>
+            </a:pPr>
+            <a:r>
+              <a:rPr lang="nl" dirty="0"/>
+              <a:t>K = Kwaliteit</a:t>
+            </a:r>
+            <a:endParaRPr dirty="0"/>
+          </a:p>
+          <a:p>
+            <a:pPr marL="0" lvl="0" indent="0" algn="l" rtl="0">
+              <a:spcBef>
+                <a:spcPts val="1200"/>
+              </a:spcBef>
+              <a:spcAft>
+                <a:spcPts val="0"/>
+              </a:spcAft>
+              <a:buNone/>
+            </a:pPr>
+            <a:r>
+              <a:rPr lang="nl" dirty="0"/>
+              <a:t>p = Fractie bereden verbindingen</a:t>
+            </a:r>
+            <a:endParaRPr dirty="0"/>
+          </a:p>
+          <a:p>
+            <a:pPr marL="0" lvl="0" indent="0" algn="l" rtl="0">
+              <a:spcBef>
+                <a:spcPts val="1200"/>
+              </a:spcBef>
+              <a:spcAft>
+                <a:spcPts val="0"/>
+              </a:spcAft>
+              <a:buNone/>
+            </a:pPr>
+            <a:r>
+              <a:rPr lang="nl" dirty="0"/>
+              <a:t>T = Aantal gebruikte trajecten</a:t>
+            </a:r>
+            <a:endParaRPr dirty="0"/>
+          </a:p>
+          <a:p>
+            <a:pPr marL="0" lvl="0" indent="0" algn="l" rtl="0">
+              <a:spcBef>
+                <a:spcPts val="1200"/>
+              </a:spcBef>
+              <a:spcAft>
+                <a:spcPts val="1200"/>
+              </a:spcAft>
+              <a:buNone/>
+            </a:pPr>
+            <a:r>
+              <a:rPr lang="nl" dirty="0"/>
+              <a:t>Min = Totaal aantal minuten</a:t>
+            </a:r>
+          </a:p>
+          <a:p>
+            <a:pPr marL="0" lvl="0" indent="0" algn="l" rtl="0">
+              <a:spcBef>
+                <a:spcPts val="1200"/>
+              </a:spcBef>
+              <a:spcAft>
+                <a:spcPts val="1200"/>
+              </a:spcAft>
+              <a:buNone/>
+            </a:pPr>
+            <a:endParaRPr lang="nl" dirty="0"/>
+          </a:p>
+          <a:p>
+            <a:pPr marL="0" lvl="0" indent="0" algn="l" rtl="0">
+              <a:spcBef>
+                <a:spcPts val="1200"/>
+              </a:spcBef>
+              <a:spcAft>
+                <a:spcPts val="1200"/>
+              </a:spcAft>
+              <a:buNone/>
+            </a:pPr>
+            <a:r>
+              <a:rPr lang="nl" sz="2400" dirty="0"/>
+              <a:t>Constraint optimization problem!</a:t>
+            </a:r>
+            <a:endParaRPr sz="2400" dirty="0"/>
+          </a:p>
+        </p:txBody>
+      </p:sp>
+      <p:pic>
+        <p:nvPicPr>
+          <p:cNvPr id="82" name="Google Shape;82;p17"/>
+          <p:cNvPicPr preferRelativeResize="0"/>
+          <p:nvPr/>
+        </p:nvPicPr>
+        <p:blipFill>
+          <a:blip r:embed="rId3">
+            <a:alphaModFix/>
+          </a:blip>
+          <a:stretch>
+            <a:fillRect/>
+          </a:stretch>
+        </p:blipFill>
+        <p:spPr>
+          <a:xfrm>
+            <a:off x="4949875" y="1611700"/>
+            <a:ext cx="3464400" cy="2598300"/>
+          </a:xfrm>
+          <a:prstGeom prst="rect">
+            <a:avLst/>
+          </a:prstGeom>
+          <a:noFill/>
+          <a:ln>
+            <a:noFill/>
+          </a:ln>
+        </p:spPr>
+      </p:pic>
+    </p:spTree>
+  </p:cSld>
+  <p:clrMapOvr>
+    <a:masterClrMapping/>
+  </p:clrMapOvr>
+</p:sld>
+</file>
+
+<file path=ppt/slides/slide5.xml><?xml version="1.0" encoding="utf-8"?>
+<p:sld xmlns:a="http://schemas.openxmlformats.org/drawingml/2006/main" xmlns:r="http://schemas.openxmlformats.org/officeDocument/2006/relationships" xmlns:p="http://schemas.openxmlformats.org/presentationml/2006/main">
+  <p:cSld>
+    <p:spTree>
+      <p:nvGrpSpPr>
+        <p:cNvPr id="1" name="Shape 86"/>
+        <p:cNvGrpSpPr/>
+        <p:nvPr/>
+      </p:nvGrpSpPr>
+      <p:grpSpPr>
+        <a:xfrm>
+          <a:off x="0" y="0"/>
+          <a:ext cx="0" cy="0"/>
+          <a:chOff x="0" y="0"/>
+          <a:chExt cx="0" cy="0"/>
+        </a:xfrm>
+      </p:grpSpPr>
+      <p:sp>
+        <p:nvSpPr>
+          <p:cNvPr id="87" name="Google Shape;87;p18"/>
+          <p:cNvSpPr txBox="1">
+            <a:spLocks noGrp="1"/>
+          </p:cNvSpPr>
+          <p:nvPr>
+            <p:ph type="title"/>
+          </p:nvPr>
+        </p:nvSpPr>
+        <p:spPr>
+          <a:xfrm>
+            <a:off x="311700" y="445025"/>
+            <a:ext cx="8520600" cy="572700"/>
+          </a:xfrm>
+          <a:prstGeom prst="rect">
+            <a:avLst/>
+          </a:prstGeom>
+        </p:spPr>
+        <p:txBody>
+          <a:bodyPr spcFirstLastPara="1" wrap="square" lIns="91425" tIns="91425" rIns="91425" bIns="91425" anchor="t" anchorCtr="0">
+            <a:normAutofit fontScale="90000"/>
+          </a:bodyPr>
+          <a:lstStyle/>
+          <a:p>
+            <a:pPr marL="0" lvl="0" indent="0" algn="l" rtl="0">
+              <a:spcBef>
+                <a:spcPts val="0"/>
+              </a:spcBef>
+              <a:spcAft>
+                <a:spcPts val="0"/>
+              </a:spcAft>
+              <a:buNone/>
+            </a:pPr>
+            <a:r>
+              <a:rPr lang="nl"/>
+              <a:t>State space (Nederland)</a:t>
+            </a:r>
+            <a:endParaRPr/>
+          </a:p>
+          <a:p>
+            <a:pPr marL="0" lvl="0" indent="0" algn="l" rtl="0">
+              <a:spcBef>
+                <a:spcPts val="0"/>
+              </a:spcBef>
+              <a:spcAft>
+                <a:spcPts val="0"/>
+              </a:spcAft>
+              <a:buNone/>
+            </a:pPr>
+            <a:endParaRPr/>
+          </a:p>
+        </p:txBody>
+      </p:sp>
+      <p:sp>
+        <p:nvSpPr>
+          <p:cNvPr id="88" name="Google Shape;88;p18"/>
+          <p:cNvSpPr txBox="1">
+            <a:spLocks noGrp="1"/>
+          </p:cNvSpPr>
+          <p:nvPr>
+            <p:ph type="body" idx="1"/>
+          </p:nvPr>
+        </p:nvSpPr>
+        <p:spPr>
+          <a:xfrm>
+            <a:off x="311700" y="1152475"/>
+            <a:ext cx="8520600" cy="3416400"/>
+          </a:xfrm>
+          <a:prstGeom prst="rect">
+            <a:avLst/>
+          </a:prstGeom>
+        </p:spPr>
+        <p:txBody>
+          <a:bodyPr spcFirstLastPara="1" wrap="square" lIns="91425" tIns="91425" rIns="91425" bIns="91425" anchor="t" anchorCtr="0">
+            <a:normAutofit fontScale="85000" lnSpcReduction="20000"/>
+          </a:bodyPr>
+          <a:lstStyle/>
+          <a:p>
+            <a:pPr marL="457200" lvl="0" indent="-342900" algn="l" rtl="0">
+              <a:spcBef>
+                <a:spcPts val="0"/>
+              </a:spcBef>
+              <a:spcAft>
+                <a:spcPts val="0"/>
+              </a:spcAft>
+              <a:buSzPts val="1800"/>
+              <a:buChar char="●"/>
+            </a:pPr>
+            <a:r>
+              <a:rPr lang="nl" dirty="0"/>
+              <a:t>Er zijn 61 stations</a:t>
+            </a:r>
+            <a:endParaRPr dirty="0"/>
+          </a:p>
+          <a:p>
+            <a:pPr marL="457200" lvl="0" indent="-342900" algn="l" rtl="0">
+              <a:spcBef>
+                <a:spcPts val="0"/>
+              </a:spcBef>
+              <a:spcAft>
+                <a:spcPts val="0"/>
+              </a:spcAft>
+              <a:buSzPts val="1800"/>
+              <a:buChar char="●"/>
+            </a:pPr>
+            <a:r>
+              <a:rPr lang="nl" dirty="0"/>
+              <a:t>Er zijn 89 connecties</a:t>
+            </a:r>
+            <a:endParaRPr dirty="0"/>
+          </a:p>
+          <a:p>
+            <a:pPr marL="457200" lvl="0" indent="-342900" algn="l" rtl="0">
+              <a:spcBef>
+                <a:spcPts val="0"/>
+              </a:spcBef>
+              <a:spcAft>
+                <a:spcPts val="0"/>
+              </a:spcAft>
+              <a:buSzPts val="1800"/>
+              <a:buChar char="●"/>
+            </a:pPr>
+            <a:r>
+              <a:rPr lang="nl" dirty="0"/>
+              <a:t>Er mogen maximaal 20 trajecten gevormd worden</a:t>
+            </a:r>
+            <a:endParaRPr dirty="0"/>
+          </a:p>
+          <a:p>
+            <a:pPr marL="457200" lvl="0" indent="-342900" algn="l" rtl="0">
+              <a:spcBef>
+                <a:spcPts val="0"/>
+              </a:spcBef>
+              <a:spcAft>
+                <a:spcPts val="0"/>
+              </a:spcAft>
+              <a:buSzPts val="1800"/>
+              <a:buChar char="●"/>
+            </a:pPr>
+            <a:r>
+              <a:rPr lang="nl" dirty="0"/>
+              <a:t>De trajecten mogen niet langer duren dan 3 uur</a:t>
+            </a:r>
+          </a:p>
+          <a:p>
+            <a:pPr marL="457200" lvl="0" indent="-342900" algn="l" rtl="0">
+              <a:spcBef>
+                <a:spcPts val="0"/>
+              </a:spcBef>
+              <a:spcAft>
+                <a:spcPts val="0"/>
+              </a:spcAft>
+              <a:buSzPts val="1800"/>
+              <a:buChar char="●"/>
+            </a:pPr>
+            <a:endParaRPr lang="nl" dirty="0"/>
+          </a:p>
+          <a:p>
+            <a:pPr marL="457200" lvl="0" indent="-342900" algn="l" rtl="0">
+              <a:spcBef>
+                <a:spcPts val="0"/>
+              </a:spcBef>
+              <a:spcAft>
+                <a:spcPts val="0"/>
+              </a:spcAft>
+              <a:buSzPts val="1800"/>
+              <a:buChar char="●"/>
+            </a:pPr>
+            <a:r>
+              <a:rPr lang="nl" dirty="0"/>
+              <a:t>Berekend: maximaal aantal connecties binnen een traject (22) voordat trajecten 3 uur overschrijden </a:t>
+            </a:r>
+            <a:endParaRPr dirty="0"/>
+          </a:p>
+          <a:p>
+            <a:pPr marL="0" lvl="0" indent="0" algn="l" rtl="0">
+              <a:spcBef>
+                <a:spcPts val="1200"/>
+              </a:spcBef>
+              <a:spcAft>
+                <a:spcPts val="0"/>
+              </a:spcAft>
+              <a:buNone/>
+            </a:pPr>
+            <a:endParaRPr dirty="0"/>
+          </a:p>
+          <a:p>
+            <a:pPr marL="0" lvl="0" indent="0" algn="l" rtl="0">
+              <a:spcBef>
+                <a:spcPts val="1200"/>
+              </a:spcBef>
+              <a:spcAft>
+                <a:spcPts val="0"/>
+              </a:spcAft>
+              <a:buNone/>
+            </a:pPr>
+            <a:r>
+              <a:rPr lang="nl" dirty="0"/>
+              <a:t>In onze berekening:</a:t>
+            </a:r>
+            <a:endParaRPr dirty="0"/>
+          </a:p>
+          <a:p>
+            <a:pPr marL="457200" lvl="0" indent="-342900" algn="l" rtl="0">
+              <a:spcBef>
+                <a:spcPts val="1200"/>
+              </a:spcBef>
+              <a:spcAft>
+                <a:spcPts val="0"/>
+              </a:spcAft>
+              <a:buSzPts val="1800"/>
+              <a:buChar char="-"/>
+            </a:pPr>
+            <a:r>
+              <a:rPr lang="nl" dirty="0"/>
+              <a:t>Teleporterende treinen</a:t>
+            </a:r>
+          </a:p>
+          <a:p>
+            <a:pPr marL="457200" lvl="0" indent="-342900" algn="l" rtl="0">
+              <a:spcBef>
+                <a:spcPts val="1200"/>
+              </a:spcBef>
+              <a:spcAft>
+                <a:spcPts val="0"/>
+              </a:spcAft>
+              <a:buSzPts val="1800"/>
+              <a:buChar char="-"/>
+            </a:pPr>
+            <a:r>
+              <a:rPr lang="nl" dirty="0"/>
+              <a:t>Alle 20 trajecten worden benut</a:t>
+            </a:r>
+            <a:endParaRPr dirty="0"/>
+          </a:p>
+        </p:txBody>
+      </p:sp>
+    </p:spTree>
+  </p:cSld>
+  <p:clrMapOvr>
+    <a:masterClrMapping/>
+  </p:clrMapOvr>
+</p:sld>
+</file>
+
+<file path=ppt/slides/slide6.xml><?xml version="1.0" encoding="utf-8"?>
+<p:sld xmlns:a="http://schemas.openxmlformats.org/drawingml/2006/main" xmlns:r="http://schemas.openxmlformats.org/officeDocument/2006/relationships" xmlns:p="http://schemas.openxmlformats.org/presentationml/2006/main">
+  <p:cSld>
+    <p:spTree>
+      <p:nvGrpSpPr>
+        <p:cNvPr id="1" name="Shape 92"/>
+        <p:cNvGrpSpPr/>
+        <p:nvPr/>
+      </p:nvGrpSpPr>
+      <p:grpSpPr>
+        <a:xfrm>
+          <a:off x="0" y="0"/>
+          <a:ext cx="0" cy="0"/>
+          <a:chOff x="0" y="0"/>
+          <a:chExt cx="0" cy="0"/>
+        </a:xfrm>
+      </p:grpSpPr>
+      <p:sp>
+        <p:nvSpPr>
+          <p:cNvPr id="93" name="Google Shape;93;p19"/>
+          <p:cNvSpPr txBox="1">
+            <a:spLocks noGrp="1"/>
+          </p:cNvSpPr>
+          <p:nvPr>
+            <p:ph type="title"/>
+          </p:nvPr>
+        </p:nvSpPr>
+        <p:spPr>
+          <a:xfrm>
+            <a:off x="311700" y="445025"/>
+            <a:ext cx="8520600" cy="572700"/>
+          </a:xfrm>
+          <a:prstGeom prst="rect">
+            <a:avLst/>
+          </a:prstGeom>
+        </p:spPr>
+        <p:txBody>
+          <a:bodyPr spcFirstLastPara="1" wrap="square" lIns="91425" tIns="91425" rIns="91425" bIns="91425" anchor="t" anchorCtr="0">
+            <a:normAutofit fontScale="90000"/>
+          </a:bodyPr>
+          <a:lstStyle/>
+          <a:p>
+            <a:pPr marL="0" lvl="0" indent="0" algn="l" rtl="0">
+              <a:spcBef>
+                <a:spcPts val="0"/>
+              </a:spcBef>
+              <a:spcAft>
+                <a:spcPts val="0"/>
+              </a:spcAft>
+              <a:buNone/>
+            </a:pPr>
+            <a:r>
+              <a:rPr lang="nl"/>
+              <a:t>State space (Nederland)</a:t>
+            </a:r>
+            <a:endParaRPr/>
+          </a:p>
+        </p:txBody>
+      </p:sp>
+      <p:sp>
+        <p:nvSpPr>
+          <p:cNvPr id="94" name="Google Shape;94;p19"/>
+          <p:cNvSpPr txBox="1">
+            <a:spLocks noGrp="1"/>
+          </p:cNvSpPr>
+          <p:nvPr>
+            <p:ph type="body" idx="1"/>
+          </p:nvPr>
+        </p:nvSpPr>
+        <p:spPr>
+          <a:xfrm>
+            <a:off x="311700" y="1152475"/>
+            <a:ext cx="8520600" cy="3416400"/>
+          </a:xfrm>
+          <a:prstGeom prst="rect">
+            <a:avLst/>
+          </a:prstGeom>
+        </p:spPr>
+        <p:txBody>
+          <a:bodyPr spcFirstLastPara="1" wrap="square" lIns="91425" tIns="91425" rIns="91425" bIns="91425" anchor="t" anchorCtr="0">
+            <a:normAutofit/>
+          </a:bodyPr>
+          <a:lstStyle/>
+          <a:p>
+            <a:pPr marL="0" lvl="0" indent="0" algn="l" rtl="0">
+              <a:spcBef>
+                <a:spcPts val="0"/>
+              </a:spcBef>
+              <a:spcAft>
+                <a:spcPts val="0"/>
+              </a:spcAft>
+              <a:buNone/>
+            </a:pPr>
+            <a:r>
+              <a:rPr lang="nl" dirty="0"/>
+              <a:t>Binnen een traject:</a:t>
+            </a:r>
+            <a:endParaRPr dirty="0"/>
+          </a:p>
+          <a:p>
+            <a:pPr marL="0" lvl="0" indent="0" algn="l" rtl="0">
+              <a:spcBef>
+                <a:spcPts val="1200"/>
+              </a:spcBef>
+              <a:spcAft>
+                <a:spcPts val="0"/>
+              </a:spcAft>
+              <a:buNone/>
+            </a:pPr>
+            <a:endParaRPr dirty="0"/>
+          </a:p>
+          <a:p>
+            <a:pPr marL="0" lvl="0" indent="0" algn="l" rtl="0">
+              <a:spcBef>
+                <a:spcPts val="1200"/>
+              </a:spcBef>
+              <a:spcAft>
+                <a:spcPts val="0"/>
+              </a:spcAft>
+              <a:buNone/>
+            </a:pPr>
+            <a:endParaRPr dirty="0"/>
+          </a:p>
+          <a:p>
+            <a:pPr marL="0" lvl="0" indent="0" algn="l" rtl="0">
+              <a:spcBef>
+                <a:spcPts val="1200"/>
+              </a:spcBef>
+              <a:spcAft>
+                <a:spcPts val="0"/>
+              </a:spcAft>
+              <a:buNone/>
+            </a:pPr>
+            <a:r>
+              <a:rPr lang="nl-NL" dirty="0"/>
+              <a:t>Bij M = 22: 4.194.303 combinaties aan connecties</a:t>
+            </a:r>
+            <a:endParaRPr dirty="0"/>
+          </a:p>
+          <a:p>
+            <a:pPr marL="0" lvl="0" indent="0" algn="l" rtl="0">
+              <a:spcBef>
+                <a:spcPts val="1200"/>
+              </a:spcBef>
+              <a:spcAft>
+                <a:spcPts val="0"/>
+              </a:spcAft>
+              <a:buNone/>
+            </a:pPr>
+            <a:endParaRPr dirty="0"/>
+          </a:p>
+          <a:p>
+            <a:pPr marL="0" lvl="0" indent="0" algn="l" rtl="0">
+              <a:spcBef>
+                <a:spcPts val="1200"/>
+              </a:spcBef>
+              <a:spcAft>
+                <a:spcPts val="1200"/>
+              </a:spcAft>
+              <a:buNone/>
+            </a:pPr>
+            <a:r>
+              <a:rPr lang="nl" dirty="0"/>
+              <a:t>Alle trajecten samen (C = </a:t>
+            </a:r>
+            <a:r>
+              <a:rPr lang="nl-NL" dirty="0"/>
+              <a:t>4.194.303, t = 20</a:t>
+            </a:r>
+            <a:r>
+              <a:rPr lang="nl" dirty="0"/>
+              <a:t>):</a:t>
+            </a:r>
+            <a:endParaRPr dirty="0"/>
+          </a:p>
+        </p:txBody>
+      </p:sp>
+      <p:pic>
+        <p:nvPicPr>
+          <p:cNvPr id="3" name="Afbeelding 2">
+            <a:extLst>
+              <a:ext uri="{FF2B5EF4-FFF2-40B4-BE49-F238E27FC236}">
+                <a16:creationId xmlns:a16="http://schemas.microsoft.com/office/drawing/2014/main" id="{EB9F24B8-037F-40EF-BE40-B7D496EB1B6D}"/>
+              </a:ext>
+            </a:extLst>
+          </p:cNvPr>
+          <p:cNvPicPr>
+            <a:picLocks noChangeAspect="1"/>
+          </p:cNvPicPr>
+          <p:nvPr/>
+        </p:nvPicPr>
+        <p:blipFill>
+          <a:blip r:embed="rId3"/>
+          <a:stretch>
+            <a:fillRect/>
+          </a:stretch>
+        </p:blipFill>
+        <p:spPr>
+          <a:xfrm>
+            <a:off x="420996" y="1637297"/>
+            <a:ext cx="1743075" cy="838200"/>
+          </a:xfrm>
+          <a:prstGeom prst="rect">
+            <a:avLst/>
+          </a:prstGeom>
+        </p:spPr>
+      </p:pic>
+      <p:pic>
+        <p:nvPicPr>
+          <p:cNvPr id="5" name="Afbeelding 4">
+            <a:extLst>
+              <a:ext uri="{FF2B5EF4-FFF2-40B4-BE49-F238E27FC236}">
+                <a16:creationId xmlns:a16="http://schemas.microsoft.com/office/drawing/2014/main" id="{DFA9EE2C-FDF3-425D-A429-B292FE7BDC42}"/>
+              </a:ext>
+            </a:extLst>
+          </p:cNvPr>
+          <p:cNvPicPr>
+            <a:picLocks noChangeAspect="1"/>
+          </p:cNvPicPr>
+          <p:nvPr/>
+        </p:nvPicPr>
+        <p:blipFill>
+          <a:blip r:embed="rId4"/>
+          <a:stretch>
+            <a:fillRect/>
+          </a:stretch>
+        </p:blipFill>
+        <p:spPr>
+          <a:xfrm>
+            <a:off x="500850" y="3993625"/>
+            <a:ext cx="1762125" cy="704850"/>
+          </a:xfrm>
+          <a:prstGeom prst="rect">
+            <a:avLst/>
+          </a:prstGeom>
+        </p:spPr>
+      </p:pic>
+    </p:spTree>
+  </p:cSld>
+  <p:clrMapOvr>
+    <a:masterClrMapping/>
+  </p:clrMapOvr>
+</p:sld>
+</file>
+
+<file path=ppt/slides/slide7.xml><?xml version="1.0" encoding="utf-8"?>
+<p:sld xmlns:a="http://schemas.openxmlformats.org/drawingml/2006/main" xmlns:r="http://schemas.openxmlformats.org/officeDocument/2006/relationships" xmlns:p="http://schemas.openxmlformats.org/presentationml/2006/main">
+  <p:cSld>
+    <p:spTree>
+      <p:nvGrpSpPr>
+        <p:cNvPr id="1" name="Shape 107"/>
+        <p:cNvGrpSpPr/>
+        <p:nvPr/>
+      </p:nvGrpSpPr>
+      <p:grpSpPr>
+        <a:xfrm>
+          <a:off x="0" y="0"/>
+          <a:ext cx="0" cy="0"/>
+          <a:chOff x="0" y="0"/>
+          <a:chExt cx="0" cy="0"/>
+        </a:xfrm>
+      </p:grpSpPr>
+      <p:sp>
+        <p:nvSpPr>
+          <p:cNvPr id="108" name="Google Shape;108;p21"/>
+          <p:cNvSpPr txBox="1">
+            <a:spLocks noGrp="1"/>
+          </p:cNvSpPr>
+          <p:nvPr>
+            <p:ph type="title"/>
+          </p:nvPr>
+        </p:nvSpPr>
+        <p:spPr>
+          <a:xfrm>
+            <a:off x="311700" y="445025"/>
+            <a:ext cx="8520600" cy="572700"/>
+          </a:xfrm>
+          <a:prstGeom prst="rect">
+            <a:avLst/>
+          </a:prstGeom>
+        </p:spPr>
+        <p:txBody>
+          <a:bodyPr spcFirstLastPara="1" wrap="square" lIns="91425" tIns="91425" rIns="91425" bIns="91425" anchor="t" anchorCtr="0">
+            <a:normAutofit fontScale="90000"/>
+          </a:bodyPr>
+          <a:lstStyle/>
+          <a:p>
+            <a:pPr marL="0" lvl="0" indent="0" algn="l" rtl="0">
+              <a:spcBef>
+                <a:spcPts val="0"/>
+              </a:spcBef>
+              <a:spcAft>
+                <a:spcPts val="0"/>
+              </a:spcAft>
+              <a:buNone/>
+            </a:pPr>
+            <a:r>
+              <a:rPr lang="nl"/>
+              <a:t>Baseline</a:t>
+            </a:r>
+            <a:endParaRPr/>
+          </a:p>
+        </p:txBody>
+      </p:sp>
+      <p:sp>
+        <p:nvSpPr>
+          <p:cNvPr id="109" name="Google Shape;109;p21"/>
+          <p:cNvSpPr txBox="1">
+            <a:spLocks noGrp="1"/>
+          </p:cNvSpPr>
+          <p:nvPr>
+            <p:ph type="body" idx="1"/>
+          </p:nvPr>
+        </p:nvSpPr>
+        <p:spPr>
+          <a:xfrm>
+            <a:off x="311700" y="1152475"/>
+            <a:ext cx="8520600" cy="3416400"/>
+          </a:xfrm>
+          <a:prstGeom prst="rect">
+            <a:avLst/>
+          </a:prstGeom>
+        </p:spPr>
+        <p:txBody>
+          <a:bodyPr spcFirstLastPara="1" wrap="square" lIns="91425" tIns="91425" rIns="91425" bIns="91425" anchor="t" anchorCtr="0">
+            <a:normAutofit/>
+          </a:bodyPr>
+          <a:lstStyle/>
+          <a:p>
+            <a:pPr marL="457200" lvl="0" indent="-342900" algn="l" rtl="0">
+              <a:spcBef>
+                <a:spcPts val="0"/>
+              </a:spcBef>
+              <a:spcAft>
+                <a:spcPts val="0"/>
+              </a:spcAft>
+              <a:buSzPts val="1800"/>
+              <a:buChar char="●"/>
+            </a:pPr>
+            <a:r>
+              <a:rPr lang="nl"/>
+              <a:t>Kies een random aantal trajecten (max = 20)</a:t>
+            </a:r>
+            <a:endParaRPr/>
+          </a:p>
+          <a:p>
+            <a:pPr marL="457200" lvl="0" indent="0" algn="l" rtl="0">
+              <a:spcBef>
+                <a:spcPts val="1200"/>
+              </a:spcBef>
+              <a:spcAft>
+                <a:spcPts val="0"/>
+              </a:spcAft>
+              <a:buNone/>
+            </a:pPr>
+            <a:endParaRPr/>
+          </a:p>
+          <a:p>
+            <a:pPr marL="457200" lvl="0" indent="-342900" algn="l" rtl="0">
+              <a:spcBef>
+                <a:spcPts val="1200"/>
+              </a:spcBef>
+              <a:spcAft>
+                <a:spcPts val="0"/>
+              </a:spcAft>
+              <a:buSzPts val="1800"/>
+              <a:buChar char="●"/>
+            </a:pPr>
+            <a:r>
+              <a:rPr lang="nl"/>
+              <a:t>Voor elk traject:</a:t>
+            </a:r>
+            <a:endParaRPr/>
+          </a:p>
+          <a:p>
+            <a:pPr marL="457200" lvl="0" indent="-342900" algn="l" rtl="0">
+              <a:spcBef>
+                <a:spcPts val="0"/>
+              </a:spcBef>
+              <a:spcAft>
+                <a:spcPts val="0"/>
+              </a:spcAft>
+              <a:buSzPts val="1800"/>
+              <a:buChar char="●"/>
+            </a:pPr>
+            <a:r>
+              <a:rPr lang="nl"/>
+              <a:t>Kies een random start station</a:t>
+            </a:r>
+            <a:endParaRPr/>
+          </a:p>
+          <a:p>
+            <a:pPr marL="457200" lvl="0" indent="-342900" algn="l" rtl="0">
+              <a:spcBef>
+                <a:spcPts val="0"/>
+              </a:spcBef>
+              <a:spcAft>
+                <a:spcPts val="0"/>
+              </a:spcAft>
+              <a:buSzPts val="1800"/>
+              <a:buChar char="●"/>
+            </a:pPr>
+            <a:r>
+              <a:rPr lang="nl"/>
+              <a:t>Genereer mogelijke volgende stations</a:t>
+            </a:r>
+            <a:endParaRPr/>
+          </a:p>
+          <a:p>
+            <a:pPr marL="457200" lvl="0" indent="-342900" algn="l" rtl="0">
+              <a:spcBef>
+                <a:spcPts val="0"/>
+              </a:spcBef>
+              <a:spcAft>
+                <a:spcPts val="0"/>
+              </a:spcAft>
+              <a:buSzPts val="1800"/>
+              <a:buChar char="●"/>
+            </a:pPr>
+            <a:r>
+              <a:rPr lang="nl"/>
+              <a:t>Kies een random mogelijk station en voeg deze toe aan traject</a:t>
+            </a:r>
+            <a:endParaRPr/>
+          </a:p>
+          <a:p>
+            <a:pPr marL="457200" lvl="0" indent="-342900" algn="l" rtl="0">
+              <a:spcBef>
+                <a:spcPts val="0"/>
+              </a:spcBef>
+              <a:spcAft>
+                <a:spcPts val="0"/>
+              </a:spcAft>
+              <a:buSzPts val="1800"/>
+              <a:buChar char="●"/>
+            </a:pPr>
+            <a:r>
+              <a:rPr lang="nl"/>
+              <a:t>Herhaal dit zolang de 180 minuten van een traject niet zijn behaald</a:t>
+            </a:r>
+            <a:endParaRPr/>
+          </a:p>
+        </p:txBody>
+      </p:sp>
+      <p:pic>
+        <p:nvPicPr>
+          <p:cNvPr id="110" name="Google Shape;110;p21"/>
+          <p:cNvPicPr preferRelativeResize="0"/>
+          <p:nvPr/>
+        </p:nvPicPr>
+        <p:blipFill>
+          <a:blip r:embed="rId3">
+            <a:alphaModFix/>
+          </a:blip>
+          <a:stretch>
+            <a:fillRect/>
+          </a:stretch>
+        </p:blipFill>
+        <p:spPr>
+          <a:xfrm>
+            <a:off x="5658575" y="497450"/>
+            <a:ext cx="3245550" cy="2434150"/>
+          </a:xfrm>
+          <a:prstGeom prst="rect">
+            <a:avLst/>
+          </a:prstGeom>
+          <a:noFill/>
+          <a:ln>
+            <a:noFill/>
+          </a:ln>
+        </p:spPr>
+      </p:pic>
+    </p:spTree>
+  </p:cSld>
+  <p:clrMapOvr>
+    <a:masterClrMapping/>
+  </p:clrMapOvr>
+  <p:timing>
+    <p:tnLst>
+      <p:par>
+        <p:cTn id="1" dur="indefinite" restart="never" nodeType="tmRoot">
+          <p:childTnLst>
+            <p:seq concurrent="1" nextAc="seek">
+              <p:cTn id="2" dur="indefinite" nodeType="mainSeq">
+                <p:childTnLst>
+                  <p:par>
+                    <p:cTn id="3" fill="hold">
+                      <p:stCondLst>
+                        <p:cond delay="indefinite"/>
+                      </p:stCondLst>
+                      <p:childTnLst>
+                        <p:par>
+                          <p:cTn id="4" fill="hold">
+                            <p:stCondLst>
+                              <p:cond delay="0"/>
+                            </p:stCondLst>
+                            <p:childTnLst>
+                              <p:par>
+                                <p:cTn id="5" presetID="1" presetClass="entr" presetSubtype="0" fill="hold" nodeType="clickEffect">
+                                  <p:stCondLst>
+                                    <p:cond delay="0"/>
+                                  </p:stCondLst>
+                                  <p:childTnLst>
+                                    <p:set>
+                                      <p:cBhvr>
+                                        <p:cTn id="6" dur="1" fill="hold">
+                                          <p:stCondLst>
+                                            <p:cond delay="0"/>
+                                          </p:stCondLst>
+                                        </p:cTn>
+                                        <p:tgtEl>
+                                          <p:spTgt spid="110"/>
+                                        </p:tgtEl>
+                                        <p:attrNameLst>
+                                          <p:attrName>style.visibility</p:attrName>
+                                        </p:attrNameLst>
+                                      </p:cBhvr>
+                                      <p:to>
+                                        <p:strVal val="visible"/>
+                                      </p:to>
+                                    </p:set>
+                                  </p:childTnLst>
+                                </p:cTn>
+                              </p:par>
+                            </p:childTnLst>
+                          </p:cTn>
+                        </p:par>
+                      </p:childTnLst>
+                    </p:cTn>
+                  </p:par>
+                </p:childTnLst>
+              </p:cTn>
+              <p:prevCondLst>
+                <p:cond evt="onPrev" delay="0">
+                  <p:tgtEl>
+                    <p:sldTgt/>
+                  </p:tgtEl>
+                </p:cond>
+              </p:prevCondLst>
+              <p:nextCondLst>
+                <p:cond evt="onNext" delay="0">
+                  <p:tgtEl>
+                    <p:sldTgt/>
+                  </p:tgtEl>
+                </p:cond>
+              </p:nextCondLst>
+            </p:seq>
+          </p:childTnLst>
+        </p:cTn>
+      </p:par>
+    </p:tnLst>
+  </p:timing>
+</p:sld>
+</file>
+
+<file path=ppt/slides/slide8.xml><?xml version="1.0" encoding="utf-8"?>
+<p:sld xmlns:a="http://schemas.openxmlformats.org/drawingml/2006/main" xmlns:r="http://schemas.openxmlformats.org/officeDocument/2006/relationships" xmlns:p="http://schemas.openxmlformats.org/presentationml/2006/main">
+  <p:cSld>
+    <p:spTree>
+      <p:nvGrpSpPr>
         <p:cNvPr id="1" name="Shape 114"/>
         <p:cNvGrpSpPr/>
         <p:nvPr/>
@@ -7134,10 +9388,10 @@
               <a:buNone/>
             </a:pPr>
             <a:r>
-              <a:rPr lang="nl"/>
-              <a:t>Eerste algoritme</a:t>
+              <a:rPr lang="nl" dirty="0"/>
+              <a:t>Breadth-first algoritme: methode</a:t>
             </a:r>
-            <a:endParaRPr/>
+            <a:endParaRPr dirty="0"/>
           </a:p>
         </p:txBody>
       </p:sp>
@@ -7177,10 +9431,9 @@
               <a:buChar char="●"/>
             </a:pPr>
             <a:r>
-              <a:rPr lang="nl"/>
-              <a:t>Breadth-First met pruning in de vorm van beam search</a:t>
+              <a:rPr lang="nl" dirty="0"/>
+              <a:t>Breadth-first search met pruning in de vorm van beam search</a:t>
             </a:r>
-            <a:endParaRPr/>
           </a:p>
           <a:p>
             <a:pPr marL="457200" lvl="0" indent="-342900" algn="l" rtl="0">
@@ -7194,10 +9447,10 @@
               <a:buChar char="●"/>
             </a:pPr>
             <a:r>
-              <a:rPr lang="nl"/>
-              <a:t>Genereer mogelijke volgende stations</a:t>
+              <a:rPr lang="nl" dirty="0"/>
+              <a:t>Constructief, deterministisch algoritme</a:t>
             </a:r>
-            <a:endParaRPr/>
+            <a:endParaRPr dirty="0"/>
           </a:p>
           <a:p>
             <a:pPr marL="457200" lvl="0" indent="-342900" algn="l" rtl="0">
@@ -7211,10 +9464,9 @@
               <a:buChar char="●"/>
             </a:pPr>
             <a:r>
-              <a:rPr lang="nl"/>
-              <a:t>Bereken “increase” of “decrease” als mogelijkheid wordt toegevoegd</a:t>
+              <a:rPr lang="nl" dirty="0"/>
+              <a:t>Bereken “increase” of “decrease” als mogelijkheid wordt toegevoegd, behoud alleen de x beste scores</a:t>
             </a:r>
-            <a:endParaRPr/>
           </a:p>
         </p:txBody>
       </p:sp>
@@ -7622,7 +9874,7 @@
 </p:sld>
 </file>
 
-<file path=ppt/slides/slide11.xml><?xml version="1.0" encoding="utf-8"?>
+<file path=ppt/slides/slide9.xml><?xml version="1.0" encoding="utf-8"?>
 <p:sld xmlns:a="http://schemas.openxmlformats.org/drawingml/2006/main" xmlns:r="http://schemas.openxmlformats.org/officeDocument/2006/relationships" xmlns:p="http://schemas.openxmlformats.org/presentationml/2006/main">
   <p:cSld>
     <p:spTree>
@@ -7674,10 +9926,10 @@
               <a:buNone/>
             </a:pPr>
             <a:r>
-              <a:rPr lang="nl"/>
-              <a:t>Resultaten breadth first algoritme</a:t>
+              <a:rPr lang="nl" dirty="0"/>
+              <a:t>Breadth-first algoritme: resultaten</a:t>
             </a:r>
-            <a:endParaRPr/>
+            <a:endParaRPr dirty="0"/>
           </a:p>
         </p:txBody>
       </p:sp>
@@ -7697,7 +9949,7 @@
         </p:blipFill>
         <p:spPr>
           <a:xfrm>
-            <a:off x="3678350" y="1833225"/>
+            <a:off x="3691313" y="1351981"/>
             <a:ext cx="5231599" cy="2866625"/>
           </a:xfrm>
           <a:prstGeom prst="rect">
@@ -7713,10 +9965,16 @@
         <p:nvGraphicFramePr>
           <p:cNvPr id="128" name="Google Shape;128;p23"/>
           <p:cNvGraphicFramePr/>
-          <p:nvPr/>
+          <p:nvPr>
+            <p:extLst>
+              <p:ext uri="{D42A27DB-BD31-4B8C-83A1-F6EECF244321}">
+                <p14:modId xmlns:p14="http://schemas.microsoft.com/office/powerpoint/2010/main" val="520736732"/>
+              </p:ext>
+            </p:extLst>
+          </p:nvPr>
         </p:nvGraphicFramePr>
         <p:xfrm>
-          <a:off x="208350" y="1833195"/>
+          <a:off x="180849" y="1351931"/>
           <a:ext cx="3350600" cy="2866675"/>
         </p:xfrm>
         <a:graphic>
@@ -7758,14 +10016,14 @@
                         <a:buNone/>
                       </a:pPr>
                       <a:r>
-                        <a:rPr lang="nl">
+                        <a:rPr lang="nl" dirty="0">
                           <a:solidFill>
                             <a:srgbClr val="FFFFFF"/>
                           </a:solidFill>
                         </a:rPr>
                         <a:t>Beam Waarde</a:t>
                       </a:r>
-                      <a:endParaRPr>
+                      <a:endParaRPr dirty="0">
                         <a:solidFill>
                           <a:srgbClr val="FFFFFF"/>
                         </a:solidFill>
@@ -8219,14 +10477,14 @@
                         <a:buNone/>
                       </a:pPr>
                       <a:r>
-                        <a:rPr lang="nl">
+                        <a:rPr lang="nl" dirty="0">
                           <a:solidFill>
                             <a:srgbClr val="FFFFFF"/>
                           </a:solidFill>
                         </a:rPr>
                         <a:t>6396</a:t>
                       </a:r>
-                      <a:endParaRPr>
+                      <a:endParaRPr dirty="0">
                         <a:solidFill>
                           <a:srgbClr val="FFFFFF"/>
                         </a:solidFill>
@@ -8245,56 +10503,6 @@
           </a:graphicData>
         </a:graphic>
       </p:graphicFrame>
-      <p:sp>
-        <p:nvSpPr>
-          <p:cNvPr id="129" name="Google Shape;129;p23"/>
-          <p:cNvSpPr txBox="1"/>
-          <p:nvPr/>
-        </p:nvSpPr>
-        <p:spPr>
-          <a:xfrm>
-            <a:off x="208350" y="1225363"/>
-            <a:ext cx="4958400" cy="400200"/>
-          </a:xfrm>
-          <a:prstGeom prst="rect">
-            <a:avLst/>
-          </a:prstGeom>
-          <a:noFill/>
-          <a:ln>
-            <a:noFill/>
-          </a:ln>
-        </p:spPr>
-        <p:txBody>
-          <a:bodyPr spcFirstLastPara="1" wrap="square" lIns="91425" tIns="91425" rIns="91425" bIns="91425" anchor="t" anchorCtr="0">
-            <a:spAutoFit/>
-          </a:bodyPr>
-          <a:lstStyle/>
-          <a:p>
-            <a:pPr marL="0" lvl="0" indent="0" algn="l" rtl="0">
-              <a:spcBef>
-                <a:spcPts val="0"/>
-              </a:spcBef>
-              <a:spcAft>
-                <a:spcPts val="0"/>
-              </a:spcAft>
-              <a:buNone/>
-            </a:pPr>
-            <a:r>
-              <a:rPr lang="nl">
-                <a:solidFill>
-                  <a:schemeClr val="dk1"/>
-                </a:solidFill>
-              </a:rPr>
-              <a:t>Random baseline: eigenlijk niet hoger dan 5000 </a:t>
-            </a:r>
-            <a:endParaRPr>
-              <a:solidFill>
-                <a:schemeClr val="dk1"/>
-              </a:solidFill>
-            </a:endParaRPr>
-          </a:p>
-        </p:txBody>
-      </p:sp>
       <p:pic>
         <p:nvPicPr>
           <p:cNvPr id="3" name="Afbeelding 2">
@@ -8326,434 +10534,126 @@
           </a:prstGeom>
         </p:spPr>
       </p:pic>
-    </p:spTree>
-  </p:cSld>
-  <p:clrMapOvr>
-    <a:masterClrMapping/>
-  </p:clrMapOvr>
-</p:sld>
-</file>
-
-<file path=ppt/slides/slide12.xml><?xml version="1.0" encoding="utf-8"?>
-<p:sld xmlns:a="http://schemas.openxmlformats.org/drawingml/2006/main" xmlns:r="http://schemas.openxmlformats.org/officeDocument/2006/relationships" xmlns:p="http://schemas.openxmlformats.org/presentationml/2006/main">
-  <p:cSld>
-    <p:bg>
-      <p:bgPr>
-        <a:solidFill>
-          <a:schemeClr val="dk1"/>
-        </a:solidFill>
-        <a:effectLst/>
-      </p:bgPr>
-    </p:bg>
-    <p:spTree>
-      <p:nvGrpSpPr>
-        <p:cNvPr id="1" name="Shape 133"/>
-        <p:cNvGrpSpPr/>
-        <p:nvPr/>
-      </p:nvGrpSpPr>
-      <p:grpSpPr>
-        <a:xfrm>
-          <a:off x="0" y="0"/>
-          <a:ext cx="0" cy="0"/>
-          <a:chOff x="0" y="0"/>
-          <a:chExt cx="0" cy="0"/>
-        </a:xfrm>
-      </p:grpSpPr>
       <p:sp>
         <p:nvSpPr>
-          <p:cNvPr id="134" name="Google Shape;134;p24"/>
-          <p:cNvSpPr txBox="1">
-            <a:spLocks noGrp="1"/>
-          </p:cNvSpPr>
-          <p:nvPr>
-            <p:ph type="title"/>
-          </p:nvPr>
+          <p:cNvPr id="2" name="Pijl: rechts 1">
+            <a:extLst>
+              <a:ext uri="{FF2B5EF4-FFF2-40B4-BE49-F238E27FC236}">
+                <a16:creationId xmlns:a16="http://schemas.microsoft.com/office/drawing/2014/main" id="{2891209A-7210-44BE-9D26-5099D89C18D0}"/>
+              </a:ext>
+            </a:extLst>
+          </p:cNvPr>
+          <p:cNvSpPr/>
+          <p:nvPr/>
         </p:nvSpPr>
         <p:spPr>
-          <a:xfrm>
-            <a:off x="311700" y="445025"/>
-            <a:ext cx="8520600" cy="572700"/>
+          <a:xfrm rot="11792526">
+            <a:off x="5905785" y="3478845"/>
+            <a:ext cx="522515" cy="398760"/>
           </a:xfrm>
-          <a:prstGeom prst="rect">
-            <a:avLst/>
+          <a:prstGeom prst="rightArrow">
+            <a:avLst>
+              <a:gd name="adj1" fmla="val 50000"/>
+              <a:gd name="adj2" fmla="val 43848"/>
+            </a:avLst>
           </a:prstGeom>
         </p:spPr>
+        <p:style>
+          <a:lnRef idx="2">
+            <a:schemeClr val="accent1">
+              <a:shade val="50000"/>
+            </a:schemeClr>
+          </a:lnRef>
+          <a:fillRef idx="1">
+            <a:schemeClr val="accent1"/>
+          </a:fillRef>
+          <a:effectRef idx="0">
+            <a:schemeClr val="accent1"/>
+          </a:effectRef>
+          <a:fontRef idx="minor">
+            <a:schemeClr val="lt1"/>
+          </a:fontRef>
+        </p:style>
         <p:txBody>
-          <a:bodyPr spcFirstLastPara="1" wrap="square" lIns="91425" tIns="91425" rIns="91425" bIns="91425" anchor="t" anchorCtr="0">
-            <a:normAutofit fontScale="90000"/>
-          </a:bodyPr>
+          <a:bodyPr rtlCol="0" anchor="ctr"/>
           <a:lstStyle/>
           <a:p>
-            <a:pPr marL="0" lvl="0" indent="0" algn="l" rtl="0">
-              <a:spcBef>
-                <a:spcPts val="0"/>
-              </a:spcBef>
-              <a:spcAft>
-                <a:spcPts val="0"/>
-              </a:spcAft>
-              <a:buNone/>
-            </a:pPr>
-            <a:r>
-              <a:rPr lang="nl">
-                <a:solidFill>
-                  <a:schemeClr val="lt1"/>
-                </a:solidFill>
-              </a:rPr>
-              <a:t>Tweede algoritme</a:t>
-            </a:r>
-            <a:endParaRPr>
-              <a:solidFill>
-                <a:schemeClr val="lt1"/>
-              </a:solidFill>
-            </a:endParaRPr>
+            <a:pPr algn="ctr"/>
+            <a:endParaRPr lang="nl-NL" sz="800" dirty="0"/>
           </a:p>
         </p:txBody>
       </p:sp>
       <p:sp>
         <p:nvSpPr>
-          <p:cNvPr id="135" name="Google Shape;135;p24"/>
-          <p:cNvSpPr txBox="1">
-            <a:spLocks noGrp="1"/>
-          </p:cNvSpPr>
-          <p:nvPr>
-            <p:ph type="body" idx="1"/>
-          </p:nvPr>
+          <p:cNvPr id="4" name="Tekstvak 3">
+            <a:extLst>
+              <a:ext uri="{FF2B5EF4-FFF2-40B4-BE49-F238E27FC236}">
+                <a16:creationId xmlns:a16="http://schemas.microsoft.com/office/drawing/2014/main" id="{13A6E03C-759D-4D1B-AC19-C6C549425009}"/>
+              </a:ext>
+            </a:extLst>
+          </p:cNvPr>
+          <p:cNvSpPr txBox="1"/>
+          <p:nvPr/>
         </p:nvSpPr>
         <p:spPr>
           <a:xfrm>
-            <a:off x="311700" y="1152475"/>
-            <a:ext cx="8520600" cy="3416400"/>
-          </a:xfrm>
-          <a:prstGeom prst="rect">
-            <a:avLst/>
-          </a:prstGeom>
-        </p:spPr>
-        <p:txBody>
-          <a:bodyPr spcFirstLastPara="1" wrap="square" lIns="91425" tIns="91425" rIns="91425" bIns="91425" anchor="t" anchorCtr="0">
-            <a:normAutofit/>
-          </a:bodyPr>
-          <a:lstStyle/>
-          <a:p>
-            <a:pPr marL="0" lvl="0" indent="0" algn="l" rtl="0">
-              <a:spcBef>
-                <a:spcPts val="0"/>
-              </a:spcBef>
-              <a:spcAft>
-                <a:spcPts val="0"/>
-              </a:spcAft>
-              <a:buNone/>
-            </a:pPr>
-            <a:r>
-              <a:rPr lang="nl">
-                <a:solidFill>
-                  <a:schemeClr val="lt1"/>
-                </a:solidFill>
-              </a:rPr>
-              <a:t>Genetisch algoritme</a:t>
-            </a:r>
-            <a:endParaRPr>
-              <a:solidFill>
-                <a:schemeClr val="lt1"/>
-              </a:solidFill>
-            </a:endParaRPr>
-          </a:p>
-          <a:p>
-            <a:pPr marL="0" lvl="0" indent="0" algn="l" rtl="0">
-              <a:spcBef>
-                <a:spcPts val="1200"/>
-              </a:spcBef>
-              <a:spcAft>
-                <a:spcPts val="0"/>
-              </a:spcAft>
-              <a:buNone/>
-            </a:pPr>
-            <a:endParaRPr>
-              <a:solidFill>
-                <a:schemeClr val="lt1"/>
-              </a:solidFill>
-            </a:endParaRPr>
-          </a:p>
-          <a:p>
-            <a:pPr marL="0" lvl="0" indent="0" algn="l" rtl="0">
-              <a:spcBef>
-                <a:spcPts val="1200"/>
-              </a:spcBef>
-              <a:spcAft>
-                <a:spcPts val="0"/>
-              </a:spcAft>
-              <a:buNone/>
-            </a:pPr>
-            <a:endParaRPr>
-              <a:solidFill>
-                <a:schemeClr val="lt1"/>
-              </a:solidFill>
-            </a:endParaRPr>
-          </a:p>
-          <a:p>
-            <a:pPr marL="0" lvl="0" indent="0" algn="l" rtl="0">
-              <a:spcBef>
-                <a:spcPts val="1200"/>
-              </a:spcBef>
-              <a:spcAft>
-                <a:spcPts val="0"/>
-              </a:spcAft>
-              <a:buNone/>
-            </a:pPr>
-            <a:r>
-              <a:rPr lang="nl">
-                <a:solidFill>
-                  <a:schemeClr val="lt1"/>
-                </a:solidFill>
-              </a:rPr>
-              <a:t>Huidige score:</a:t>
-            </a:r>
-            <a:endParaRPr>
-              <a:solidFill>
-                <a:schemeClr val="lt1"/>
-              </a:solidFill>
-            </a:endParaRPr>
-          </a:p>
-          <a:p>
-            <a:pPr marL="0" lvl="0" indent="0" algn="l" rtl="0">
-              <a:spcBef>
-                <a:spcPts val="1200"/>
-              </a:spcBef>
-              <a:spcAft>
-                <a:spcPts val="1200"/>
-              </a:spcAft>
-              <a:buNone/>
-            </a:pPr>
-            <a:r>
-              <a:rPr lang="nl">
-                <a:solidFill>
-                  <a:schemeClr val="lt1"/>
-                </a:solidFill>
-              </a:rPr>
-              <a:t>+- 6800</a:t>
-            </a:r>
-            <a:endParaRPr>
-              <a:solidFill>
-                <a:schemeClr val="lt1"/>
-              </a:solidFill>
-            </a:endParaRPr>
-          </a:p>
-        </p:txBody>
-      </p:sp>
-      <p:pic>
-        <p:nvPicPr>
-          <p:cNvPr id="136" name="Google Shape;136;p24"/>
-          <p:cNvPicPr preferRelativeResize="0"/>
-          <p:nvPr/>
-        </p:nvPicPr>
-        <p:blipFill>
-          <a:blip r:embed="rId3">
-            <a:alphaModFix/>
-          </a:blip>
-          <a:stretch>
-            <a:fillRect/>
-          </a:stretch>
-        </p:blipFill>
-        <p:spPr>
-          <a:xfrm>
-            <a:off x="2829731" y="1221900"/>
-            <a:ext cx="5589419" cy="3346975"/>
+            <a:off x="6413316" y="3635961"/>
+            <a:ext cx="1278785" cy="307777"/>
           </a:xfrm>
           <a:prstGeom prst="rect">
             <a:avLst/>
           </a:prstGeom>
           <a:noFill/>
-          <a:ln>
-            <a:noFill/>
-          </a:ln>
         </p:spPr>
-      </p:pic>
-    </p:spTree>
-  </p:cSld>
-  <p:clrMapOvr>
-    <a:masterClrMapping/>
-  </p:clrMapOvr>
-</p:sld>
-</file>
-
-<file path=ppt/slides/slide13.xml><?xml version="1.0" encoding="utf-8"?>
-<p:sld xmlns:a="http://schemas.openxmlformats.org/drawingml/2006/main" xmlns:r="http://schemas.openxmlformats.org/officeDocument/2006/relationships" xmlns:p="http://schemas.openxmlformats.org/presentationml/2006/main">
-  <p:cSld>
-    <p:spTree>
-      <p:nvGrpSpPr>
-        <p:cNvPr id="1" name="Shape 140"/>
-        <p:cNvGrpSpPr/>
-        <p:nvPr/>
-      </p:nvGrpSpPr>
-      <p:grpSpPr>
-        <a:xfrm>
-          <a:off x="0" y="0"/>
-          <a:ext cx="0" cy="0"/>
-          <a:chOff x="0" y="0"/>
-          <a:chExt cx="0" cy="0"/>
-        </a:xfrm>
-      </p:grpSpPr>
+        <p:txBody>
+          <a:bodyPr wrap="square" rtlCol="0">
+            <a:spAutoFit/>
+          </a:bodyPr>
+          <a:lstStyle/>
+          <a:p>
+            <a:r>
+              <a:rPr lang="nl-NL" dirty="0"/>
+              <a:t>Vreemd</a:t>
+            </a:r>
+          </a:p>
+        </p:txBody>
+      </p:sp>
       <p:sp>
         <p:nvSpPr>
-          <p:cNvPr id="141" name="Google Shape;141;p25"/>
-          <p:cNvSpPr txBox="1">
-            <a:spLocks noGrp="1"/>
-          </p:cNvSpPr>
-          <p:nvPr>
-            <p:ph type="title"/>
-          </p:nvPr>
+          <p:cNvPr id="5" name="Tekstvak 4">
+            <a:extLst>
+              <a:ext uri="{FF2B5EF4-FFF2-40B4-BE49-F238E27FC236}">
+                <a16:creationId xmlns:a16="http://schemas.microsoft.com/office/drawing/2014/main" id="{EBB24D77-BF47-4391-99C8-9609549DE995}"/>
+              </a:ext>
+            </a:extLst>
+          </p:cNvPr>
+          <p:cNvSpPr txBox="1"/>
+          <p:nvPr/>
         </p:nvSpPr>
         <p:spPr>
           <a:xfrm>
-            <a:off x="311700" y="445025"/>
-            <a:ext cx="8520600" cy="572700"/>
+            <a:off x="914400" y="4400120"/>
+            <a:ext cx="5940162" cy="307777"/>
           </a:xfrm>
           <a:prstGeom prst="rect">
             <a:avLst/>
           </a:prstGeom>
+          <a:noFill/>
         </p:spPr>
         <p:txBody>
-          <a:bodyPr spcFirstLastPara="1" wrap="square" lIns="91425" tIns="91425" rIns="91425" bIns="91425" anchor="t" anchorCtr="0">
-            <a:normAutofit fontScale="90000"/>
+          <a:bodyPr wrap="square" rtlCol="0">
+            <a:spAutoFit/>
           </a:bodyPr>
           <a:lstStyle/>
           <a:p>
-            <a:pPr marL="0" lvl="0" indent="0" algn="l" rtl="0">
-              <a:spcBef>
-                <a:spcPts val="0"/>
-              </a:spcBef>
-              <a:spcAft>
-                <a:spcPts val="0"/>
-              </a:spcAft>
-              <a:buNone/>
-            </a:pPr>
             <a:r>
-              <a:rPr lang="nl"/>
-              <a:t>Waar zijn we nu nog mee bezig?</a:t>
+              <a:rPr lang="nl-NL" dirty="0">
+                <a:solidFill>
+                  <a:schemeClr val="tx1"/>
+                </a:solidFill>
+              </a:rPr>
+              <a:t>Conclusie: beter dan baseline, maar dit moet hoger kunnen!</a:t>
             </a:r>
-            <a:endParaRPr/>
-          </a:p>
-        </p:txBody>
-      </p:sp>
-      <p:sp>
-        <p:nvSpPr>
-          <p:cNvPr id="142" name="Google Shape;142;p25"/>
-          <p:cNvSpPr txBox="1">
-            <a:spLocks noGrp="1"/>
-          </p:cNvSpPr>
-          <p:nvPr>
-            <p:ph type="body" idx="1"/>
-          </p:nvPr>
-        </p:nvSpPr>
-        <p:spPr>
-          <a:xfrm>
-            <a:off x="311700" y="1152475"/>
-            <a:ext cx="8520600" cy="3416400"/>
-          </a:xfrm>
-          <a:prstGeom prst="rect">
-            <a:avLst/>
-          </a:prstGeom>
-        </p:spPr>
-        <p:txBody>
-          <a:bodyPr spcFirstLastPara="1" wrap="square" lIns="91425" tIns="91425" rIns="91425" bIns="91425" anchor="t" anchorCtr="0">
-            <a:normAutofit/>
-          </a:bodyPr>
-          <a:lstStyle/>
-          <a:p>
-            <a:pPr marL="457200" lvl="0" indent="-342900" algn="l" rtl="0">
-              <a:spcBef>
-                <a:spcPts val="0"/>
-              </a:spcBef>
-              <a:spcAft>
-                <a:spcPts val="0"/>
-              </a:spcAft>
-              <a:buSzPts val="1800"/>
-              <a:buChar char="●"/>
-            </a:pPr>
-            <a:r>
-              <a:rPr lang="nl"/>
-              <a:t>Tweaken van het genetisch algoritme</a:t>
-            </a:r>
-            <a:endParaRPr/>
-          </a:p>
-          <a:p>
-            <a:pPr marL="914400" lvl="1" indent="-317500" algn="l" rtl="0">
-              <a:spcBef>
-                <a:spcPts val="0"/>
-              </a:spcBef>
-              <a:spcAft>
-                <a:spcPts val="0"/>
-              </a:spcAft>
-              <a:buSzPts val="1400"/>
-              <a:buChar char="○"/>
-            </a:pPr>
-            <a:r>
-              <a:rPr lang="nl"/>
-              <a:t>Uitproberen verschillende selection en crossover functies</a:t>
-            </a:r>
-            <a:endParaRPr/>
-          </a:p>
-          <a:p>
-            <a:pPr marL="914400" lvl="1" indent="-317500" algn="l" rtl="0">
-              <a:spcBef>
-                <a:spcPts val="0"/>
-              </a:spcBef>
-              <a:spcAft>
-                <a:spcPts val="0"/>
-              </a:spcAft>
-              <a:buSzPts val="1400"/>
-              <a:buChar char="○"/>
-            </a:pPr>
-            <a:r>
-              <a:rPr lang="nl"/>
-              <a:t>Kunnen we met beter dan pure random routes beginnen?</a:t>
-            </a:r>
-            <a:endParaRPr/>
-          </a:p>
-          <a:p>
-            <a:pPr marL="457200" lvl="0" indent="-342900" algn="l" rtl="0">
-              <a:spcBef>
-                <a:spcPts val="0"/>
-              </a:spcBef>
-              <a:spcAft>
-                <a:spcPts val="0"/>
-              </a:spcAft>
-              <a:buSzPts val="1800"/>
-              <a:buChar char="●"/>
-            </a:pPr>
-            <a:r>
-              <a:rPr lang="nl"/>
-              <a:t>Combinaties van algoritmen</a:t>
-            </a:r>
-            <a:endParaRPr/>
-          </a:p>
-          <a:p>
-            <a:pPr marL="914400" lvl="1" indent="-317500" algn="l" rtl="0">
-              <a:spcBef>
-                <a:spcPts val="0"/>
-              </a:spcBef>
-              <a:spcAft>
-                <a:spcPts val="0"/>
-              </a:spcAft>
-              <a:buSzPts val="1400"/>
-              <a:buChar char="○"/>
-            </a:pPr>
-            <a:r>
-              <a:rPr lang="nl"/>
-              <a:t>Genetisch algoritme + hillclimber met restart</a:t>
-            </a:r>
-            <a:endParaRPr/>
-          </a:p>
-          <a:p>
-            <a:pPr marL="0" lvl="0" indent="0" algn="l" rtl="0">
-              <a:spcBef>
-                <a:spcPts val="1200"/>
-              </a:spcBef>
-              <a:spcAft>
-                <a:spcPts val="1200"/>
-              </a:spcAft>
-              <a:buNone/>
-            </a:pPr>
-            <a:endParaRPr/>
           </a:p>
         </p:txBody>
       </p:sp>
@@ -8762,2435 +10662,6 @@
   <p:clrMapOvr>
     <a:masterClrMapping/>
   </p:clrMapOvr>
-</p:sld>
-</file>
-
-<file path=ppt/slides/slide2.xml><?xml version="1.0" encoding="utf-8"?>
-<p:sld xmlns:a="http://schemas.openxmlformats.org/drawingml/2006/main" xmlns:r="http://schemas.openxmlformats.org/officeDocument/2006/relationships" xmlns:p="http://schemas.openxmlformats.org/presentationml/2006/main">
-  <p:cSld>
-    <p:spTree>
-      <p:nvGrpSpPr>
-        <p:cNvPr id="1" name="Shape 60"/>
-        <p:cNvGrpSpPr/>
-        <p:nvPr/>
-      </p:nvGrpSpPr>
-      <p:grpSpPr>
-        <a:xfrm>
-          <a:off x="0" y="0"/>
-          <a:ext cx="0" cy="0"/>
-          <a:chOff x="0" y="0"/>
-          <a:chExt cx="0" cy="0"/>
-        </a:xfrm>
-      </p:grpSpPr>
-      <p:sp>
-        <p:nvSpPr>
-          <p:cNvPr id="61" name="Google Shape;61;p14"/>
-          <p:cNvSpPr txBox="1">
-            <a:spLocks noGrp="1"/>
-          </p:cNvSpPr>
-          <p:nvPr>
-            <p:ph type="title"/>
-          </p:nvPr>
-        </p:nvSpPr>
-        <p:spPr>
-          <a:xfrm>
-            <a:off x="311700" y="445025"/>
-            <a:ext cx="8520600" cy="572700"/>
-          </a:xfrm>
-          <a:prstGeom prst="rect">
-            <a:avLst/>
-          </a:prstGeom>
-        </p:spPr>
-        <p:txBody>
-          <a:bodyPr spcFirstLastPara="1" wrap="square" lIns="91425" tIns="91425" rIns="91425" bIns="91425" anchor="t" anchorCtr="0">
-            <a:normAutofit fontScale="90000"/>
-          </a:bodyPr>
-          <a:lstStyle/>
-          <a:p>
-            <a:pPr marL="0" lvl="0" indent="0" algn="l" rtl="0">
-              <a:spcBef>
-                <a:spcPts val="0"/>
-              </a:spcBef>
-              <a:spcAft>
-                <a:spcPts val="0"/>
-              </a:spcAft>
-              <a:buNone/>
-            </a:pPr>
-            <a:r>
-              <a:rPr lang="nl"/>
-              <a:t>De case</a:t>
-            </a:r>
-            <a:endParaRPr/>
-          </a:p>
-        </p:txBody>
-      </p:sp>
-      <p:sp>
-        <p:nvSpPr>
-          <p:cNvPr id="62" name="Google Shape;62;p14"/>
-          <p:cNvSpPr txBox="1">
-            <a:spLocks noGrp="1"/>
-          </p:cNvSpPr>
-          <p:nvPr>
-            <p:ph type="body" idx="1"/>
-          </p:nvPr>
-        </p:nvSpPr>
-        <p:spPr>
-          <a:xfrm>
-            <a:off x="311700" y="1152475"/>
-            <a:ext cx="8520600" cy="3416400"/>
-          </a:xfrm>
-          <a:prstGeom prst="rect">
-            <a:avLst/>
-          </a:prstGeom>
-        </p:spPr>
-        <p:txBody>
-          <a:bodyPr spcFirstLastPara="1" wrap="square" lIns="91425" tIns="91425" rIns="91425" bIns="91425" anchor="t" anchorCtr="0">
-            <a:normAutofit/>
-          </a:bodyPr>
-          <a:lstStyle/>
-          <a:p>
-            <a:pPr marL="0" lvl="0" indent="0" algn="l" rtl="0">
-              <a:spcBef>
-                <a:spcPts val="0"/>
-              </a:spcBef>
-              <a:spcAft>
-                <a:spcPts val="0"/>
-              </a:spcAft>
-              <a:buNone/>
-            </a:pPr>
-            <a:r>
-              <a:rPr lang="nl" dirty="0"/>
-              <a:t>Uitdaging:</a:t>
-            </a:r>
-            <a:endParaRPr dirty="0"/>
-          </a:p>
-          <a:p>
-            <a:pPr marL="0" lvl="0" indent="0" algn="l" rtl="0">
-              <a:spcBef>
-                <a:spcPts val="1200"/>
-              </a:spcBef>
-              <a:spcAft>
-                <a:spcPts val="0"/>
-              </a:spcAft>
-              <a:buNone/>
-            </a:pPr>
-            <a:r>
-              <a:rPr lang="nl" dirty="0"/>
-              <a:t>“Maak een lijnvoering voor Nederland met maximaal 20 trajecten binnen een tijdsframe van 3 uur”</a:t>
-            </a:r>
-            <a:endParaRPr dirty="0"/>
-          </a:p>
-          <a:p>
-            <a:pPr marL="0" lvl="0" indent="0" algn="l" rtl="0">
-              <a:spcBef>
-                <a:spcPts val="1200"/>
-              </a:spcBef>
-              <a:spcAft>
-                <a:spcPts val="0"/>
-              </a:spcAft>
-              <a:buNone/>
-            </a:pPr>
-            <a:endParaRPr dirty="0"/>
-          </a:p>
-          <a:p>
-            <a:pPr marL="0" lvl="0" indent="0" algn="l" rtl="0">
-              <a:spcBef>
-                <a:spcPts val="1200"/>
-              </a:spcBef>
-              <a:spcAft>
-                <a:spcPts val="0"/>
-              </a:spcAft>
-              <a:buNone/>
-            </a:pPr>
-            <a:r>
-              <a:rPr lang="nl" dirty="0"/>
-              <a:t>Hoe ziet het treinnetwerk in Nederland eruit?</a:t>
-            </a:r>
-            <a:endParaRPr dirty="0"/>
-          </a:p>
-          <a:p>
-            <a:pPr marL="0" lvl="0" indent="0" algn="l" rtl="0">
-              <a:spcBef>
-                <a:spcPts val="1200"/>
-              </a:spcBef>
-              <a:spcAft>
-                <a:spcPts val="0"/>
-              </a:spcAft>
-              <a:buNone/>
-            </a:pPr>
-            <a:endParaRPr dirty="0"/>
-          </a:p>
-          <a:p>
-            <a:pPr marL="0" lvl="0" indent="0" algn="l" rtl="0">
-              <a:spcBef>
-                <a:spcPts val="1200"/>
-              </a:spcBef>
-              <a:spcAft>
-                <a:spcPts val="1200"/>
-              </a:spcAft>
-              <a:buNone/>
-            </a:pPr>
-            <a:endParaRPr dirty="0"/>
-          </a:p>
-        </p:txBody>
-      </p:sp>
-      <p:pic>
-        <p:nvPicPr>
-          <p:cNvPr id="3" name="Afbeelding 2">
-            <a:hlinkClick r:id="rId3"/>
-            <a:extLst>
-              <a:ext uri="{FF2B5EF4-FFF2-40B4-BE49-F238E27FC236}">
-                <a16:creationId xmlns:a16="http://schemas.microsoft.com/office/drawing/2014/main" id="{62B88326-80B6-447F-8708-31AD8F172524}"/>
-              </a:ext>
-            </a:extLst>
-          </p:cNvPr>
-          <p:cNvPicPr>
-            <a:picLocks noChangeAspect="1"/>
-          </p:cNvPicPr>
-          <p:nvPr/>
-        </p:nvPicPr>
-        <p:blipFill>
-          <a:blip r:embed="rId4"/>
-          <a:stretch>
-            <a:fillRect/>
-          </a:stretch>
-        </p:blipFill>
-        <p:spPr>
-          <a:xfrm>
-            <a:off x="5542616" y="2250908"/>
-            <a:ext cx="2400947" cy="2447567"/>
-          </a:xfrm>
-          <a:prstGeom prst="rect">
-            <a:avLst/>
-          </a:prstGeom>
-        </p:spPr>
-      </p:pic>
-    </p:spTree>
-  </p:cSld>
-  <p:clrMapOvr>
-    <a:masterClrMapping/>
-  </p:clrMapOvr>
-</p:sld>
-</file>
-
-<file path=ppt/slides/slide3.xml><?xml version="1.0" encoding="utf-8"?>
-<p:sld xmlns:a="http://schemas.openxmlformats.org/drawingml/2006/main" xmlns:r="http://schemas.openxmlformats.org/officeDocument/2006/relationships" xmlns:p="http://schemas.openxmlformats.org/presentationml/2006/main">
-  <p:cSld>
-    <p:bg>
-      <p:bgPr>
-        <a:solidFill>
-          <a:schemeClr val="dk1"/>
-        </a:solidFill>
-        <a:effectLst/>
-      </p:bgPr>
-    </p:bg>
-    <p:spTree>
-      <p:nvGrpSpPr>
-        <p:cNvPr id="1" name="Shape 66"/>
-        <p:cNvGrpSpPr/>
-        <p:nvPr/>
-      </p:nvGrpSpPr>
-      <p:grpSpPr>
-        <a:xfrm>
-          <a:off x="0" y="0"/>
-          <a:ext cx="0" cy="0"/>
-          <a:chOff x="0" y="0"/>
-          <a:chExt cx="0" cy="0"/>
-        </a:xfrm>
-      </p:grpSpPr>
-      <p:sp>
-        <p:nvSpPr>
-          <p:cNvPr id="67" name="Google Shape;67;p15"/>
-          <p:cNvSpPr txBox="1">
-            <a:spLocks noGrp="1"/>
-          </p:cNvSpPr>
-          <p:nvPr>
-            <p:ph type="title"/>
-          </p:nvPr>
-        </p:nvSpPr>
-        <p:spPr>
-          <a:xfrm>
-            <a:off x="311700" y="445025"/>
-            <a:ext cx="8520600" cy="572700"/>
-          </a:xfrm>
-          <a:prstGeom prst="rect">
-            <a:avLst/>
-          </a:prstGeom>
-        </p:spPr>
-        <p:txBody>
-          <a:bodyPr spcFirstLastPara="1" wrap="square" lIns="91425" tIns="91425" rIns="91425" bIns="91425" anchor="t" anchorCtr="0">
-            <a:normAutofit fontScale="90000"/>
-          </a:bodyPr>
-          <a:lstStyle/>
-          <a:p>
-            <a:pPr marL="0" lvl="0" indent="0" algn="l" rtl="0">
-              <a:spcBef>
-                <a:spcPts val="0"/>
-              </a:spcBef>
-              <a:spcAft>
-                <a:spcPts val="0"/>
-              </a:spcAft>
-              <a:buNone/>
-            </a:pPr>
-            <a:r>
-              <a:rPr lang="nl">
-                <a:solidFill>
-                  <a:schemeClr val="lt1"/>
-                </a:solidFill>
-              </a:rPr>
-              <a:t>Een lijnvoering</a:t>
-            </a:r>
-            <a:endParaRPr>
-              <a:solidFill>
-                <a:schemeClr val="lt1"/>
-              </a:solidFill>
-            </a:endParaRPr>
-          </a:p>
-        </p:txBody>
-      </p:sp>
-      <p:sp>
-        <p:nvSpPr>
-          <p:cNvPr id="68" name="Google Shape;68;p15"/>
-          <p:cNvSpPr txBox="1">
-            <a:spLocks noGrp="1"/>
-          </p:cNvSpPr>
-          <p:nvPr>
-            <p:ph type="body" idx="1"/>
-          </p:nvPr>
-        </p:nvSpPr>
-        <p:spPr>
-          <a:xfrm>
-            <a:off x="311700" y="1152475"/>
-            <a:ext cx="8520600" cy="3416400"/>
-          </a:xfrm>
-          <a:prstGeom prst="rect">
-            <a:avLst/>
-          </a:prstGeom>
-        </p:spPr>
-        <p:txBody>
-          <a:bodyPr spcFirstLastPara="1" wrap="square" lIns="91425" tIns="91425" rIns="91425" bIns="91425" anchor="t" anchorCtr="0">
-            <a:normAutofit/>
-          </a:bodyPr>
-          <a:lstStyle/>
-          <a:p>
-            <a:pPr marL="0" lvl="0" indent="0" algn="l" rtl="0">
-              <a:spcBef>
-                <a:spcPts val="0"/>
-              </a:spcBef>
-              <a:spcAft>
-                <a:spcPts val="1200"/>
-              </a:spcAft>
-              <a:buNone/>
-            </a:pPr>
-            <a:r>
-              <a:rPr lang="nl">
-                <a:solidFill>
-                  <a:srgbClr val="000000"/>
-                </a:solidFill>
-              </a:rPr>
-              <a:t>Een lijnvoering bestaat uit een aantal verschillende treinen</a:t>
-            </a:r>
-            <a:endParaRPr>
-              <a:solidFill>
-                <a:srgbClr val="000000"/>
-              </a:solidFill>
-            </a:endParaRPr>
-          </a:p>
-        </p:txBody>
-      </p:sp>
-      <p:pic>
-        <p:nvPicPr>
-          <p:cNvPr id="69" name="Google Shape;69;p15"/>
-          <p:cNvPicPr preferRelativeResize="0"/>
-          <p:nvPr/>
-        </p:nvPicPr>
-        <p:blipFill>
-          <a:blip r:embed="rId3">
-            <a:alphaModFix/>
-          </a:blip>
-          <a:stretch>
-            <a:fillRect/>
-          </a:stretch>
-        </p:blipFill>
-        <p:spPr>
-          <a:xfrm>
-            <a:off x="2232475" y="1818997"/>
-            <a:ext cx="4928925" cy="2679325"/>
-          </a:xfrm>
-          <a:prstGeom prst="rect">
-            <a:avLst/>
-          </a:prstGeom>
-          <a:noFill/>
-          <a:ln>
-            <a:noFill/>
-          </a:ln>
-        </p:spPr>
-      </p:pic>
-    </p:spTree>
-  </p:cSld>
-  <p:clrMapOvr>
-    <a:masterClrMapping/>
-  </p:clrMapOvr>
-</p:sld>
-</file>
-
-<file path=ppt/slides/slide4.xml><?xml version="1.0" encoding="utf-8"?>
-<p:sld xmlns:a="http://schemas.openxmlformats.org/drawingml/2006/main" xmlns:r="http://schemas.openxmlformats.org/officeDocument/2006/relationships" xmlns:p="http://schemas.openxmlformats.org/presentationml/2006/main">
-  <p:cSld>
-    <p:spTree>
-      <p:nvGrpSpPr>
-        <p:cNvPr id="1" name="Shape 73"/>
-        <p:cNvGrpSpPr/>
-        <p:nvPr/>
-      </p:nvGrpSpPr>
-      <p:grpSpPr>
-        <a:xfrm>
-          <a:off x="0" y="0"/>
-          <a:ext cx="0" cy="0"/>
-          <a:chOff x="0" y="0"/>
-          <a:chExt cx="0" cy="0"/>
-        </a:xfrm>
-      </p:grpSpPr>
-      <p:sp>
-        <p:nvSpPr>
-          <p:cNvPr id="74" name="Google Shape;74;p16"/>
-          <p:cNvSpPr txBox="1">
-            <a:spLocks noGrp="1"/>
-          </p:cNvSpPr>
-          <p:nvPr>
-            <p:ph type="title"/>
-          </p:nvPr>
-        </p:nvSpPr>
-        <p:spPr>
-          <a:xfrm>
-            <a:off x="311700" y="445025"/>
-            <a:ext cx="8520600" cy="572700"/>
-          </a:xfrm>
-          <a:prstGeom prst="rect">
-            <a:avLst/>
-          </a:prstGeom>
-        </p:spPr>
-        <p:txBody>
-          <a:bodyPr spcFirstLastPara="1" wrap="square" lIns="91425" tIns="91425" rIns="91425" bIns="91425" anchor="t" anchorCtr="0">
-            <a:normAutofit fontScale="90000"/>
-          </a:bodyPr>
-          <a:lstStyle/>
-          <a:p>
-            <a:pPr marL="0" lvl="0" indent="0" algn="l" rtl="0">
-              <a:spcBef>
-                <a:spcPts val="0"/>
-              </a:spcBef>
-              <a:spcAft>
-                <a:spcPts val="0"/>
-              </a:spcAft>
-              <a:buNone/>
-            </a:pPr>
-            <a:r>
-              <a:rPr lang="nl">
-                <a:solidFill>
-                  <a:srgbClr val="FFFFFF"/>
-                </a:solidFill>
-              </a:rPr>
-              <a:t>De input</a:t>
-            </a:r>
-            <a:endParaRPr>
-              <a:solidFill>
-                <a:srgbClr val="FFFFFF"/>
-              </a:solidFill>
-            </a:endParaRPr>
-          </a:p>
-        </p:txBody>
-      </p:sp>
-      <p:graphicFrame>
-        <p:nvGraphicFramePr>
-          <p:cNvPr id="75" name="Google Shape;75;p16"/>
-          <p:cNvGraphicFramePr/>
-          <p:nvPr/>
-        </p:nvGraphicFramePr>
-        <p:xfrm>
-          <a:off x="952500" y="1413475"/>
-          <a:ext cx="7239000" cy="3169680"/>
-        </p:xfrm>
-        <a:graphic>
-          <a:graphicData uri="http://schemas.openxmlformats.org/drawingml/2006/table">
-            <a:tbl>
-              <a:tblPr>
-                <a:noFill/>
-                <a:tableStyleId>{5BD38B77-E835-46A5-87A5-9DB7C5A3E002}</a:tableStyleId>
-              </a:tblPr>
-              <a:tblGrid>
-                <a:gridCol w="2413000">
-                  <a:extLst>
-                    <a:ext uri="{9D8B030D-6E8A-4147-A177-3AD203B41FA5}">
-                      <a16:colId xmlns:a16="http://schemas.microsoft.com/office/drawing/2014/main" val="20000"/>
-                    </a:ext>
-                  </a:extLst>
-                </a:gridCol>
-                <a:gridCol w="2413000">
-                  <a:extLst>
-                    <a:ext uri="{9D8B030D-6E8A-4147-A177-3AD203B41FA5}">
-                      <a16:colId xmlns:a16="http://schemas.microsoft.com/office/drawing/2014/main" val="20001"/>
-                    </a:ext>
-                  </a:extLst>
-                </a:gridCol>
-                <a:gridCol w="2413000">
-                  <a:extLst>
-                    <a:ext uri="{9D8B030D-6E8A-4147-A177-3AD203B41FA5}">
-                      <a16:colId xmlns:a16="http://schemas.microsoft.com/office/drawing/2014/main" val="20002"/>
-                    </a:ext>
-                  </a:extLst>
-                </a:gridCol>
-              </a:tblGrid>
-              <a:tr h="381000">
-                <a:tc>
-                  <a:txBody>
-                    <a:bodyPr/>
-                    <a:lstStyle/>
-                    <a:p>
-                      <a:pPr marL="0" lvl="0" indent="0" algn="l" rtl="0">
-                        <a:spcBef>
-                          <a:spcPts val="0"/>
-                        </a:spcBef>
-                        <a:spcAft>
-                          <a:spcPts val="0"/>
-                        </a:spcAft>
-                        <a:buNone/>
-                      </a:pPr>
-                      <a:r>
-                        <a:rPr lang="nl">
-                          <a:solidFill>
-                            <a:srgbClr val="FFFFFF"/>
-                          </a:solidFill>
-                        </a:rPr>
-                        <a:t>Station 1</a:t>
-                      </a:r>
-                      <a:endParaRPr>
-                        <a:solidFill>
-                          <a:srgbClr val="FFFFFF"/>
-                        </a:solidFill>
-                      </a:endParaRPr>
-                    </a:p>
-                  </a:txBody>
-                  <a:tcPr marL="91425" marR="91425" marT="91425" marB="91425"/>
-                </a:tc>
-                <a:tc>
-                  <a:txBody>
-                    <a:bodyPr/>
-                    <a:lstStyle/>
-                    <a:p>
-                      <a:pPr marL="0" lvl="0" indent="0" algn="l" rtl="0">
-                        <a:spcBef>
-                          <a:spcPts val="0"/>
-                        </a:spcBef>
-                        <a:spcAft>
-                          <a:spcPts val="0"/>
-                        </a:spcAft>
-                        <a:buNone/>
-                      </a:pPr>
-                      <a:r>
-                        <a:rPr lang="nl">
-                          <a:solidFill>
-                            <a:srgbClr val="FFFFFF"/>
-                          </a:solidFill>
-                        </a:rPr>
-                        <a:t>Station 2</a:t>
-                      </a:r>
-                      <a:endParaRPr>
-                        <a:solidFill>
-                          <a:srgbClr val="FFFFFF"/>
-                        </a:solidFill>
-                      </a:endParaRPr>
-                    </a:p>
-                  </a:txBody>
-                  <a:tcPr marL="91425" marR="91425" marT="91425" marB="91425"/>
-                </a:tc>
-                <a:tc>
-                  <a:txBody>
-                    <a:bodyPr/>
-                    <a:lstStyle/>
-                    <a:p>
-                      <a:pPr marL="0" lvl="0" indent="0" algn="l" rtl="0">
-                        <a:spcBef>
-                          <a:spcPts val="0"/>
-                        </a:spcBef>
-                        <a:spcAft>
-                          <a:spcPts val="0"/>
-                        </a:spcAft>
-                        <a:buNone/>
-                      </a:pPr>
-                      <a:r>
-                        <a:rPr lang="nl">
-                          <a:solidFill>
-                            <a:srgbClr val="FFFFFF"/>
-                          </a:solidFill>
-                        </a:rPr>
-                        <a:t>Afstand</a:t>
-                      </a:r>
-                      <a:endParaRPr>
-                        <a:solidFill>
-                          <a:srgbClr val="FFFFFF"/>
-                        </a:solidFill>
-                      </a:endParaRPr>
-                    </a:p>
-                  </a:txBody>
-                  <a:tcPr marL="91425" marR="91425" marT="91425" marB="91425"/>
-                </a:tc>
-                <a:extLst>
-                  <a:ext uri="{0D108BD9-81ED-4DB2-BD59-A6C34878D82A}">
-                    <a16:rowId xmlns:a16="http://schemas.microsoft.com/office/drawing/2014/main" val="10000"/>
-                  </a:ext>
-                </a:extLst>
-              </a:tr>
-              <a:tr h="381000">
-                <a:tc>
-                  <a:txBody>
-                    <a:bodyPr/>
-                    <a:lstStyle/>
-                    <a:p>
-                      <a:pPr marL="0" lvl="0" indent="0" algn="l" rtl="0">
-                        <a:spcBef>
-                          <a:spcPts val="0"/>
-                        </a:spcBef>
-                        <a:spcAft>
-                          <a:spcPts val="0"/>
-                        </a:spcAft>
-                        <a:buNone/>
-                      </a:pPr>
-                      <a:r>
-                        <a:rPr lang="nl">
-                          <a:solidFill>
-                            <a:srgbClr val="FFFFFF"/>
-                          </a:solidFill>
-                        </a:rPr>
-                        <a:t>Amsterdam CS</a:t>
-                      </a:r>
-                      <a:endParaRPr>
-                        <a:solidFill>
-                          <a:srgbClr val="FFFFFF"/>
-                        </a:solidFill>
-                      </a:endParaRPr>
-                    </a:p>
-                  </a:txBody>
-                  <a:tcPr marL="91425" marR="91425" marT="91425" marB="91425"/>
-                </a:tc>
-                <a:tc>
-                  <a:txBody>
-                    <a:bodyPr/>
-                    <a:lstStyle/>
-                    <a:p>
-                      <a:pPr marL="0" lvl="0" indent="0" algn="l" rtl="0">
-                        <a:spcBef>
-                          <a:spcPts val="0"/>
-                        </a:spcBef>
-                        <a:spcAft>
-                          <a:spcPts val="0"/>
-                        </a:spcAft>
-                        <a:buNone/>
-                      </a:pPr>
-                      <a:r>
-                        <a:rPr lang="nl">
-                          <a:solidFill>
-                            <a:srgbClr val="FFFFFF"/>
-                          </a:solidFill>
-                        </a:rPr>
-                        <a:t>Amsterdam Amstel</a:t>
-                      </a:r>
-                      <a:endParaRPr>
-                        <a:solidFill>
-                          <a:srgbClr val="FFFFFF"/>
-                        </a:solidFill>
-                      </a:endParaRPr>
-                    </a:p>
-                  </a:txBody>
-                  <a:tcPr marL="91425" marR="91425" marT="91425" marB="91425"/>
-                </a:tc>
-                <a:tc>
-                  <a:txBody>
-                    <a:bodyPr/>
-                    <a:lstStyle/>
-                    <a:p>
-                      <a:pPr marL="0" lvl="0" indent="0" algn="l" rtl="0">
-                        <a:spcBef>
-                          <a:spcPts val="0"/>
-                        </a:spcBef>
-                        <a:spcAft>
-                          <a:spcPts val="0"/>
-                        </a:spcAft>
-                        <a:buNone/>
-                      </a:pPr>
-                      <a:r>
-                        <a:rPr lang="nl">
-                          <a:solidFill>
-                            <a:srgbClr val="FFFFFF"/>
-                          </a:solidFill>
-                        </a:rPr>
-                        <a:t>8</a:t>
-                      </a:r>
-                      <a:endParaRPr>
-                        <a:solidFill>
-                          <a:srgbClr val="FFFFFF"/>
-                        </a:solidFill>
-                      </a:endParaRPr>
-                    </a:p>
-                  </a:txBody>
-                  <a:tcPr marL="91425" marR="91425" marT="91425" marB="91425"/>
-                </a:tc>
-                <a:extLst>
-                  <a:ext uri="{0D108BD9-81ED-4DB2-BD59-A6C34878D82A}">
-                    <a16:rowId xmlns:a16="http://schemas.microsoft.com/office/drawing/2014/main" val="10001"/>
-                  </a:ext>
-                </a:extLst>
-              </a:tr>
-              <a:tr h="381000">
-                <a:tc>
-                  <a:txBody>
-                    <a:bodyPr/>
-                    <a:lstStyle/>
-                    <a:p>
-                      <a:pPr marL="0" lvl="0" indent="0" algn="l" rtl="0">
-                        <a:spcBef>
-                          <a:spcPts val="0"/>
-                        </a:spcBef>
-                        <a:spcAft>
-                          <a:spcPts val="0"/>
-                        </a:spcAft>
-                        <a:buNone/>
-                      </a:pPr>
-                      <a:r>
-                        <a:rPr lang="nl">
-                          <a:solidFill>
-                            <a:srgbClr val="FFFFFF"/>
-                          </a:solidFill>
-                        </a:rPr>
-                        <a:t>Amsterdam Amstel</a:t>
-                      </a:r>
-                      <a:endParaRPr>
-                        <a:solidFill>
-                          <a:srgbClr val="FFFFFF"/>
-                        </a:solidFill>
-                      </a:endParaRPr>
-                    </a:p>
-                  </a:txBody>
-                  <a:tcPr marL="91425" marR="91425" marT="91425" marB="91425"/>
-                </a:tc>
-                <a:tc>
-                  <a:txBody>
-                    <a:bodyPr/>
-                    <a:lstStyle/>
-                    <a:p>
-                      <a:pPr marL="0" lvl="0" indent="0" algn="l" rtl="0">
-                        <a:spcBef>
-                          <a:spcPts val="0"/>
-                        </a:spcBef>
-                        <a:spcAft>
-                          <a:spcPts val="0"/>
-                        </a:spcAft>
-                        <a:buNone/>
-                      </a:pPr>
-                      <a:r>
-                        <a:rPr lang="nl">
-                          <a:solidFill>
-                            <a:srgbClr val="FFFFFF"/>
-                          </a:solidFill>
-                        </a:rPr>
-                        <a:t>Amsterdam Zuid</a:t>
-                      </a:r>
-                      <a:endParaRPr>
-                        <a:solidFill>
-                          <a:srgbClr val="FFFFFF"/>
-                        </a:solidFill>
-                      </a:endParaRPr>
-                    </a:p>
-                  </a:txBody>
-                  <a:tcPr marL="91425" marR="91425" marT="91425" marB="91425"/>
-                </a:tc>
-                <a:tc>
-                  <a:txBody>
-                    <a:bodyPr/>
-                    <a:lstStyle/>
-                    <a:p>
-                      <a:pPr marL="0" lvl="0" indent="0" algn="l" rtl="0">
-                        <a:spcBef>
-                          <a:spcPts val="0"/>
-                        </a:spcBef>
-                        <a:spcAft>
-                          <a:spcPts val="0"/>
-                        </a:spcAft>
-                        <a:buNone/>
-                      </a:pPr>
-                      <a:r>
-                        <a:rPr lang="nl">
-                          <a:solidFill>
-                            <a:srgbClr val="FFFFFF"/>
-                          </a:solidFill>
-                        </a:rPr>
-                        <a:t>10</a:t>
-                      </a:r>
-                      <a:endParaRPr>
-                        <a:solidFill>
-                          <a:srgbClr val="FFFFFF"/>
-                        </a:solidFill>
-                      </a:endParaRPr>
-                    </a:p>
-                  </a:txBody>
-                  <a:tcPr marL="91425" marR="91425" marT="91425" marB="91425"/>
-                </a:tc>
-                <a:extLst>
-                  <a:ext uri="{0D108BD9-81ED-4DB2-BD59-A6C34878D82A}">
-                    <a16:rowId xmlns:a16="http://schemas.microsoft.com/office/drawing/2014/main" val="10002"/>
-                  </a:ext>
-                </a:extLst>
-              </a:tr>
-              <a:tr h="381000">
-                <a:tc>
-                  <a:txBody>
-                    <a:bodyPr/>
-                    <a:lstStyle/>
-                    <a:p>
-                      <a:pPr marL="0" lvl="0" indent="0" algn="l" rtl="0">
-                        <a:spcBef>
-                          <a:spcPts val="0"/>
-                        </a:spcBef>
-                        <a:spcAft>
-                          <a:spcPts val="0"/>
-                        </a:spcAft>
-                        <a:buNone/>
-                      </a:pPr>
-                      <a:r>
-                        <a:rPr lang="nl">
-                          <a:solidFill>
-                            <a:srgbClr val="FFFFFF"/>
-                          </a:solidFill>
-                        </a:rPr>
-                        <a:t>Utrecht</a:t>
-                      </a:r>
-                      <a:endParaRPr>
-                        <a:solidFill>
-                          <a:srgbClr val="FFFFFF"/>
-                        </a:solidFill>
-                      </a:endParaRPr>
-                    </a:p>
-                  </a:txBody>
-                  <a:tcPr marL="91425" marR="91425" marT="91425" marB="91425"/>
-                </a:tc>
-                <a:tc>
-                  <a:txBody>
-                    <a:bodyPr/>
-                    <a:lstStyle/>
-                    <a:p>
-                      <a:pPr marL="0" lvl="0" indent="0" algn="l" rtl="0">
-                        <a:spcBef>
-                          <a:spcPts val="0"/>
-                        </a:spcBef>
-                        <a:spcAft>
-                          <a:spcPts val="0"/>
-                        </a:spcAft>
-                        <a:buNone/>
-                      </a:pPr>
-                      <a:r>
-                        <a:rPr lang="nl">
-                          <a:solidFill>
-                            <a:srgbClr val="FFFFFF"/>
-                          </a:solidFill>
-                        </a:rPr>
-                        <a:t>Amersfoort</a:t>
-                      </a:r>
-                      <a:endParaRPr>
-                        <a:solidFill>
-                          <a:srgbClr val="FFFFFF"/>
-                        </a:solidFill>
-                      </a:endParaRPr>
-                    </a:p>
-                  </a:txBody>
-                  <a:tcPr marL="91425" marR="91425" marT="91425" marB="91425"/>
-                </a:tc>
-                <a:tc>
-                  <a:txBody>
-                    <a:bodyPr/>
-                    <a:lstStyle/>
-                    <a:p>
-                      <a:pPr marL="0" lvl="0" indent="0" algn="l" rtl="0">
-                        <a:spcBef>
-                          <a:spcPts val="0"/>
-                        </a:spcBef>
-                        <a:spcAft>
-                          <a:spcPts val="0"/>
-                        </a:spcAft>
-                        <a:buNone/>
-                      </a:pPr>
-                      <a:r>
-                        <a:rPr lang="nl">
-                          <a:solidFill>
-                            <a:srgbClr val="FFFFFF"/>
-                          </a:solidFill>
-                        </a:rPr>
-                        <a:t>14</a:t>
-                      </a:r>
-                      <a:endParaRPr>
-                        <a:solidFill>
-                          <a:srgbClr val="FFFFFF"/>
-                        </a:solidFill>
-                      </a:endParaRPr>
-                    </a:p>
-                  </a:txBody>
-                  <a:tcPr marL="91425" marR="91425" marT="91425" marB="91425"/>
-                </a:tc>
-                <a:extLst>
-                  <a:ext uri="{0D108BD9-81ED-4DB2-BD59-A6C34878D82A}">
-                    <a16:rowId xmlns:a16="http://schemas.microsoft.com/office/drawing/2014/main" val="10003"/>
-                  </a:ext>
-                </a:extLst>
-              </a:tr>
-              <a:tr h="381000">
-                <a:tc>
-                  <a:txBody>
-                    <a:bodyPr/>
-                    <a:lstStyle/>
-                    <a:p>
-                      <a:pPr marL="0" lvl="0" indent="0" algn="l" rtl="0">
-                        <a:spcBef>
-                          <a:spcPts val="0"/>
-                        </a:spcBef>
-                        <a:spcAft>
-                          <a:spcPts val="0"/>
-                        </a:spcAft>
-                        <a:buNone/>
-                      </a:pPr>
-                      <a:r>
-                        <a:rPr lang="nl">
-                          <a:solidFill>
-                            <a:srgbClr val="FFFFFF"/>
-                          </a:solidFill>
-                        </a:rPr>
-                        <a:t>Utrecht</a:t>
-                      </a:r>
-                      <a:endParaRPr>
-                        <a:solidFill>
-                          <a:srgbClr val="FFFFFF"/>
-                        </a:solidFill>
-                      </a:endParaRPr>
-                    </a:p>
-                  </a:txBody>
-                  <a:tcPr marL="91425" marR="91425" marT="91425" marB="91425"/>
-                </a:tc>
-                <a:tc>
-                  <a:txBody>
-                    <a:bodyPr/>
-                    <a:lstStyle/>
-                    <a:p>
-                      <a:pPr marL="0" lvl="0" indent="0" algn="l" rtl="0">
-                        <a:spcBef>
-                          <a:spcPts val="0"/>
-                        </a:spcBef>
-                        <a:spcAft>
-                          <a:spcPts val="0"/>
-                        </a:spcAft>
-                        <a:buNone/>
-                      </a:pPr>
-                      <a:r>
-                        <a:rPr lang="nl">
-                          <a:solidFill>
-                            <a:srgbClr val="FFFFFF"/>
-                          </a:solidFill>
-                        </a:rPr>
-                        <a:t>Gouda</a:t>
-                      </a:r>
-                      <a:endParaRPr>
-                        <a:solidFill>
-                          <a:srgbClr val="FFFFFF"/>
-                        </a:solidFill>
-                      </a:endParaRPr>
-                    </a:p>
-                  </a:txBody>
-                  <a:tcPr marL="91425" marR="91425" marT="91425" marB="91425"/>
-                </a:tc>
-                <a:tc>
-                  <a:txBody>
-                    <a:bodyPr/>
-                    <a:lstStyle/>
-                    <a:p>
-                      <a:pPr marL="0" lvl="0" indent="0" algn="l" rtl="0">
-                        <a:spcBef>
-                          <a:spcPts val="0"/>
-                        </a:spcBef>
-                        <a:spcAft>
-                          <a:spcPts val="0"/>
-                        </a:spcAft>
-                        <a:buNone/>
-                      </a:pPr>
-                      <a:r>
-                        <a:rPr lang="nl">
-                          <a:solidFill>
-                            <a:srgbClr val="FFFFFF"/>
-                          </a:solidFill>
-                        </a:rPr>
-                        <a:t>18</a:t>
-                      </a:r>
-                      <a:endParaRPr>
-                        <a:solidFill>
-                          <a:srgbClr val="FFFFFF"/>
-                        </a:solidFill>
-                      </a:endParaRPr>
-                    </a:p>
-                  </a:txBody>
-                  <a:tcPr marL="91425" marR="91425" marT="91425" marB="91425"/>
-                </a:tc>
-                <a:extLst>
-                  <a:ext uri="{0D108BD9-81ED-4DB2-BD59-A6C34878D82A}">
-                    <a16:rowId xmlns:a16="http://schemas.microsoft.com/office/drawing/2014/main" val="10004"/>
-                  </a:ext>
-                </a:extLst>
-              </a:tr>
-              <a:tr h="381000">
-                <a:tc>
-                  <a:txBody>
-                    <a:bodyPr/>
-                    <a:lstStyle/>
-                    <a:p>
-                      <a:pPr marL="0" lvl="0" indent="0" algn="l" rtl="0">
-                        <a:spcBef>
-                          <a:spcPts val="0"/>
-                        </a:spcBef>
-                        <a:spcAft>
-                          <a:spcPts val="0"/>
-                        </a:spcAft>
-                        <a:buNone/>
-                      </a:pPr>
-                      <a:r>
-                        <a:rPr lang="nl">
-                          <a:solidFill>
-                            <a:srgbClr val="FFFFFF"/>
-                          </a:solidFill>
-                        </a:rPr>
-                        <a:t>Goude</a:t>
-                      </a:r>
-                      <a:endParaRPr>
-                        <a:solidFill>
-                          <a:srgbClr val="FFFFFF"/>
-                        </a:solidFill>
-                      </a:endParaRPr>
-                    </a:p>
-                  </a:txBody>
-                  <a:tcPr marL="91425" marR="91425" marT="91425" marB="91425"/>
-                </a:tc>
-                <a:tc>
-                  <a:txBody>
-                    <a:bodyPr/>
-                    <a:lstStyle/>
-                    <a:p>
-                      <a:pPr marL="0" lvl="0" indent="0" algn="l" rtl="0">
-                        <a:spcBef>
-                          <a:spcPts val="0"/>
-                        </a:spcBef>
-                        <a:spcAft>
-                          <a:spcPts val="0"/>
-                        </a:spcAft>
-                        <a:buNone/>
-                      </a:pPr>
-                      <a:r>
-                        <a:rPr lang="nl">
-                          <a:solidFill>
-                            <a:srgbClr val="FFFFFF"/>
-                          </a:solidFill>
-                        </a:rPr>
-                        <a:t>Alphen a/d Rijn</a:t>
-                      </a:r>
-                      <a:endParaRPr>
-                        <a:solidFill>
-                          <a:srgbClr val="FFFFFF"/>
-                        </a:solidFill>
-                      </a:endParaRPr>
-                    </a:p>
-                  </a:txBody>
-                  <a:tcPr marL="91425" marR="91425" marT="91425" marB="91425"/>
-                </a:tc>
-                <a:tc>
-                  <a:txBody>
-                    <a:bodyPr/>
-                    <a:lstStyle/>
-                    <a:p>
-                      <a:pPr marL="0" lvl="0" indent="0" algn="l" rtl="0">
-                        <a:spcBef>
-                          <a:spcPts val="0"/>
-                        </a:spcBef>
-                        <a:spcAft>
-                          <a:spcPts val="0"/>
-                        </a:spcAft>
-                        <a:buNone/>
-                      </a:pPr>
-                      <a:r>
-                        <a:rPr lang="nl">
-                          <a:solidFill>
-                            <a:srgbClr val="FFFFFF"/>
-                          </a:solidFill>
-                        </a:rPr>
-                        <a:t>19</a:t>
-                      </a:r>
-                      <a:endParaRPr>
-                        <a:solidFill>
-                          <a:srgbClr val="FFFFFF"/>
-                        </a:solidFill>
-                      </a:endParaRPr>
-                    </a:p>
-                  </a:txBody>
-                  <a:tcPr marL="91425" marR="91425" marT="91425" marB="91425"/>
-                </a:tc>
-                <a:extLst>
-                  <a:ext uri="{0D108BD9-81ED-4DB2-BD59-A6C34878D82A}">
-                    <a16:rowId xmlns:a16="http://schemas.microsoft.com/office/drawing/2014/main" val="10005"/>
-                  </a:ext>
-                </a:extLst>
-              </a:tr>
-              <a:tr h="381000">
-                <a:tc>
-                  <a:txBody>
-                    <a:bodyPr/>
-                    <a:lstStyle/>
-                    <a:p>
-                      <a:pPr marL="0" lvl="0" indent="0" algn="l" rtl="0">
-                        <a:spcBef>
-                          <a:spcPts val="0"/>
-                        </a:spcBef>
-                        <a:spcAft>
-                          <a:spcPts val="0"/>
-                        </a:spcAft>
-                        <a:buNone/>
-                      </a:pPr>
-                      <a:r>
-                        <a:rPr lang="nl">
-                          <a:solidFill>
-                            <a:srgbClr val="FFFFFF"/>
-                          </a:solidFill>
-                        </a:rPr>
-                        <a:t>Alkmaar</a:t>
-                      </a:r>
-                      <a:endParaRPr>
-                        <a:solidFill>
-                          <a:srgbClr val="FFFFFF"/>
-                        </a:solidFill>
-                      </a:endParaRPr>
-                    </a:p>
-                  </a:txBody>
-                  <a:tcPr marL="91425" marR="91425" marT="91425" marB="91425"/>
-                </a:tc>
-                <a:tc>
-                  <a:txBody>
-                    <a:bodyPr/>
-                    <a:lstStyle/>
-                    <a:p>
-                      <a:pPr marL="0" lvl="0" indent="0" algn="l" rtl="0">
-                        <a:spcBef>
-                          <a:spcPts val="0"/>
-                        </a:spcBef>
-                        <a:spcAft>
-                          <a:spcPts val="0"/>
-                        </a:spcAft>
-                        <a:buNone/>
-                      </a:pPr>
-                      <a:r>
-                        <a:rPr lang="nl">
-                          <a:solidFill>
-                            <a:srgbClr val="FFFFFF"/>
-                          </a:solidFill>
-                        </a:rPr>
-                        <a:t>Den Helder</a:t>
-                      </a:r>
-                      <a:endParaRPr>
-                        <a:solidFill>
-                          <a:srgbClr val="FFFFFF"/>
-                        </a:solidFill>
-                      </a:endParaRPr>
-                    </a:p>
-                  </a:txBody>
-                  <a:tcPr marL="91425" marR="91425" marT="91425" marB="91425"/>
-                </a:tc>
-                <a:tc>
-                  <a:txBody>
-                    <a:bodyPr/>
-                    <a:lstStyle/>
-                    <a:p>
-                      <a:pPr marL="0" lvl="0" indent="0" algn="l" rtl="0">
-                        <a:spcBef>
-                          <a:spcPts val="0"/>
-                        </a:spcBef>
-                        <a:spcAft>
-                          <a:spcPts val="0"/>
-                        </a:spcAft>
-                        <a:buNone/>
-                      </a:pPr>
-                      <a:r>
-                        <a:rPr lang="nl">
-                          <a:solidFill>
-                            <a:srgbClr val="FFFFFF"/>
-                          </a:solidFill>
-                        </a:rPr>
-                        <a:t>36</a:t>
-                      </a:r>
-                      <a:endParaRPr>
-                        <a:solidFill>
-                          <a:srgbClr val="FFFFFF"/>
-                        </a:solidFill>
-                      </a:endParaRPr>
-                    </a:p>
-                  </a:txBody>
-                  <a:tcPr marL="91425" marR="91425" marT="91425" marB="91425"/>
-                </a:tc>
-                <a:extLst>
-                  <a:ext uri="{0D108BD9-81ED-4DB2-BD59-A6C34878D82A}">
-                    <a16:rowId xmlns:a16="http://schemas.microsoft.com/office/drawing/2014/main" val="10006"/>
-                  </a:ext>
-                </a:extLst>
-              </a:tr>
-              <a:tr h="381000">
-                <a:tc>
-                  <a:txBody>
-                    <a:bodyPr/>
-                    <a:lstStyle/>
-                    <a:p>
-                      <a:pPr marL="0" lvl="0" indent="0" algn="l" rtl="0">
-                        <a:spcBef>
-                          <a:spcPts val="0"/>
-                        </a:spcBef>
-                        <a:spcAft>
-                          <a:spcPts val="0"/>
-                        </a:spcAft>
-                        <a:buNone/>
-                      </a:pPr>
-                      <a:r>
-                        <a:rPr lang="nl">
-                          <a:solidFill>
-                            <a:srgbClr val="FFFFFF"/>
-                          </a:solidFill>
-                        </a:rPr>
-                        <a:t>Castricum</a:t>
-                      </a:r>
-                      <a:endParaRPr>
-                        <a:solidFill>
-                          <a:srgbClr val="FFFFFF"/>
-                        </a:solidFill>
-                      </a:endParaRPr>
-                    </a:p>
-                  </a:txBody>
-                  <a:tcPr marL="91425" marR="91425" marT="91425" marB="91425"/>
-                </a:tc>
-                <a:tc>
-                  <a:txBody>
-                    <a:bodyPr/>
-                    <a:lstStyle/>
-                    <a:p>
-                      <a:pPr marL="0" lvl="0" indent="0" algn="l" rtl="0">
-                        <a:spcBef>
-                          <a:spcPts val="0"/>
-                        </a:spcBef>
-                        <a:spcAft>
-                          <a:spcPts val="0"/>
-                        </a:spcAft>
-                        <a:buNone/>
-                      </a:pPr>
-                      <a:r>
-                        <a:rPr lang="nl">
-                          <a:solidFill>
-                            <a:srgbClr val="FFFFFF"/>
-                          </a:solidFill>
-                        </a:rPr>
-                        <a:t>Alkmaar</a:t>
-                      </a:r>
-                      <a:endParaRPr>
-                        <a:solidFill>
-                          <a:srgbClr val="FFFFFF"/>
-                        </a:solidFill>
-                      </a:endParaRPr>
-                    </a:p>
-                  </a:txBody>
-                  <a:tcPr marL="91425" marR="91425" marT="91425" marB="91425"/>
-                </a:tc>
-                <a:tc>
-                  <a:txBody>
-                    <a:bodyPr/>
-                    <a:lstStyle/>
-                    <a:p>
-                      <a:pPr marL="0" lvl="0" indent="0" algn="l" rtl="0">
-                        <a:spcBef>
-                          <a:spcPts val="0"/>
-                        </a:spcBef>
-                        <a:spcAft>
-                          <a:spcPts val="0"/>
-                        </a:spcAft>
-                        <a:buNone/>
-                      </a:pPr>
-                      <a:r>
-                        <a:rPr lang="nl">
-                          <a:solidFill>
-                            <a:srgbClr val="FFFFFF"/>
-                          </a:solidFill>
-                        </a:rPr>
-                        <a:t>9</a:t>
-                      </a:r>
-                      <a:endParaRPr>
-                        <a:solidFill>
-                          <a:srgbClr val="FFFFFF"/>
-                        </a:solidFill>
-                      </a:endParaRPr>
-                    </a:p>
-                  </a:txBody>
-                  <a:tcPr marL="91425" marR="91425" marT="91425" marB="91425"/>
-                </a:tc>
-                <a:extLst>
-                  <a:ext uri="{0D108BD9-81ED-4DB2-BD59-A6C34878D82A}">
-                    <a16:rowId xmlns:a16="http://schemas.microsoft.com/office/drawing/2014/main" val="10007"/>
-                  </a:ext>
-                </a:extLst>
-              </a:tr>
-            </a:tbl>
-          </a:graphicData>
-        </a:graphic>
-      </p:graphicFrame>
-    </p:spTree>
-  </p:cSld>
-  <p:clrMapOvr>
-    <a:masterClrMapping/>
-  </p:clrMapOvr>
-</p:sld>
-</file>
-
-<file path=ppt/slides/slide5.xml><?xml version="1.0" encoding="utf-8"?>
-<p:sld xmlns:a="http://schemas.openxmlformats.org/drawingml/2006/main" xmlns:r="http://schemas.openxmlformats.org/officeDocument/2006/relationships" xmlns:p="http://schemas.openxmlformats.org/presentationml/2006/main">
-  <p:cSld>
-    <p:spTree>
-      <p:nvGrpSpPr>
-        <p:cNvPr id="1" name="Shape 79"/>
-        <p:cNvGrpSpPr/>
-        <p:nvPr/>
-      </p:nvGrpSpPr>
-      <p:grpSpPr>
-        <a:xfrm>
-          <a:off x="0" y="0"/>
-          <a:ext cx="0" cy="0"/>
-          <a:chOff x="0" y="0"/>
-          <a:chExt cx="0" cy="0"/>
-        </a:xfrm>
-      </p:grpSpPr>
-      <p:sp>
-        <p:nvSpPr>
-          <p:cNvPr id="80" name="Google Shape;80;p17"/>
-          <p:cNvSpPr txBox="1">
-            <a:spLocks noGrp="1"/>
-          </p:cNvSpPr>
-          <p:nvPr>
-            <p:ph type="title"/>
-          </p:nvPr>
-        </p:nvSpPr>
-        <p:spPr>
-          <a:xfrm>
-            <a:off x="311700" y="445025"/>
-            <a:ext cx="8520600" cy="572700"/>
-          </a:xfrm>
-          <a:prstGeom prst="rect">
-            <a:avLst/>
-          </a:prstGeom>
-        </p:spPr>
-        <p:txBody>
-          <a:bodyPr spcFirstLastPara="1" wrap="square" lIns="91425" tIns="91425" rIns="91425" bIns="91425" anchor="t" anchorCtr="0">
-            <a:normAutofit fontScale="90000"/>
-          </a:bodyPr>
-          <a:lstStyle/>
-          <a:p>
-            <a:pPr marL="0" lvl="0" indent="0" algn="l" rtl="0">
-              <a:spcBef>
-                <a:spcPts val="0"/>
-              </a:spcBef>
-              <a:spcAft>
-                <a:spcPts val="0"/>
-              </a:spcAft>
-              <a:buNone/>
-            </a:pPr>
-            <a:r>
-              <a:rPr lang="nl"/>
-              <a:t>De formule</a:t>
-            </a:r>
-            <a:endParaRPr/>
-          </a:p>
-        </p:txBody>
-      </p:sp>
-      <p:sp>
-        <p:nvSpPr>
-          <p:cNvPr id="81" name="Google Shape;81;p17"/>
-          <p:cNvSpPr txBox="1">
-            <a:spLocks noGrp="1"/>
-          </p:cNvSpPr>
-          <p:nvPr>
-            <p:ph type="body" idx="1"/>
-          </p:nvPr>
-        </p:nvSpPr>
-        <p:spPr>
-          <a:xfrm>
-            <a:off x="342550" y="1152475"/>
-            <a:ext cx="8520600" cy="3416400"/>
-          </a:xfrm>
-          <a:prstGeom prst="rect">
-            <a:avLst/>
-          </a:prstGeom>
-        </p:spPr>
-        <p:txBody>
-          <a:bodyPr spcFirstLastPara="1" wrap="square" lIns="91425" tIns="91425" rIns="91425" bIns="91425" anchor="t" anchorCtr="0">
-            <a:normAutofit/>
-          </a:bodyPr>
-          <a:lstStyle/>
-          <a:p>
-            <a:pPr marL="0" lvl="0" indent="0" algn="l" rtl="0">
-              <a:spcBef>
-                <a:spcPts val="0"/>
-              </a:spcBef>
-              <a:spcAft>
-                <a:spcPts val="0"/>
-              </a:spcAft>
-              <a:buNone/>
-            </a:pPr>
-            <a:r>
-              <a:rPr lang="nl" sz="2400"/>
-              <a:t>K = p*10000 - (T*100 + Min)</a:t>
-            </a:r>
-            <a:endParaRPr sz="2400"/>
-          </a:p>
-          <a:p>
-            <a:pPr marL="0" lvl="0" indent="0" algn="l" rtl="0">
-              <a:spcBef>
-                <a:spcPts val="1200"/>
-              </a:spcBef>
-              <a:spcAft>
-                <a:spcPts val="0"/>
-              </a:spcAft>
-              <a:buNone/>
-            </a:pPr>
-            <a:r>
-              <a:rPr lang="nl"/>
-              <a:t>K = Kwaliteit</a:t>
-            </a:r>
-            <a:endParaRPr/>
-          </a:p>
-          <a:p>
-            <a:pPr marL="0" lvl="0" indent="0" algn="l" rtl="0">
-              <a:spcBef>
-                <a:spcPts val="1200"/>
-              </a:spcBef>
-              <a:spcAft>
-                <a:spcPts val="0"/>
-              </a:spcAft>
-              <a:buNone/>
-            </a:pPr>
-            <a:r>
-              <a:rPr lang="nl"/>
-              <a:t>p = Fractie bereden verbindingen</a:t>
-            </a:r>
-            <a:endParaRPr/>
-          </a:p>
-          <a:p>
-            <a:pPr marL="0" lvl="0" indent="0" algn="l" rtl="0">
-              <a:spcBef>
-                <a:spcPts val="1200"/>
-              </a:spcBef>
-              <a:spcAft>
-                <a:spcPts val="0"/>
-              </a:spcAft>
-              <a:buNone/>
-            </a:pPr>
-            <a:r>
-              <a:rPr lang="nl"/>
-              <a:t>T = Aantal gebruikte trajecten</a:t>
-            </a:r>
-            <a:endParaRPr/>
-          </a:p>
-          <a:p>
-            <a:pPr marL="0" lvl="0" indent="0" algn="l" rtl="0">
-              <a:spcBef>
-                <a:spcPts val="1200"/>
-              </a:spcBef>
-              <a:spcAft>
-                <a:spcPts val="1200"/>
-              </a:spcAft>
-              <a:buNone/>
-            </a:pPr>
-            <a:r>
-              <a:rPr lang="nl"/>
-              <a:t>Min = Totaal aantal minuten</a:t>
-            </a:r>
-            <a:endParaRPr/>
-          </a:p>
-        </p:txBody>
-      </p:sp>
-      <p:pic>
-        <p:nvPicPr>
-          <p:cNvPr id="82" name="Google Shape;82;p17"/>
-          <p:cNvPicPr preferRelativeResize="0"/>
-          <p:nvPr/>
-        </p:nvPicPr>
-        <p:blipFill>
-          <a:blip r:embed="rId3">
-            <a:alphaModFix/>
-          </a:blip>
-          <a:stretch>
-            <a:fillRect/>
-          </a:stretch>
-        </p:blipFill>
-        <p:spPr>
-          <a:xfrm>
-            <a:off x="4949875" y="1611700"/>
-            <a:ext cx="3464400" cy="2598300"/>
-          </a:xfrm>
-          <a:prstGeom prst="rect">
-            <a:avLst/>
-          </a:prstGeom>
-          <a:noFill/>
-          <a:ln>
-            <a:noFill/>
-          </a:ln>
-        </p:spPr>
-      </p:pic>
-    </p:spTree>
-  </p:cSld>
-  <p:clrMapOvr>
-    <a:masterClrMapping/>
-  </p:clrMapOvr>
-</p:sld>
-</file>
-
-<file path=ppt/slides/slide6.xml><?xml version="1.0" encoding="utf-8"?>
-<p:sld xmlns:a="http://schemas.openxmlformats.org/drawingml/2006/main" xmlns:r="http://schemas.openxmlformats.org/officeDocument/2006/relationships" xmlns:p="http://schemas.openxmlformats.org/presentationml/2006/main">
-  <p:cSld>
-    <p:spTree>
-      <p:nvGrpSpPr>
-        <p:cNvPr id="1" name="Shape 86"/>
-        <p:cNvGrpSpPr/>
-        <p:nvPr/>
-      </p:nvGrpSpPr>
-      <p:grpSpPr>
-        <a:xfrm>
-          <a:off x="0" y="0"/>
-          <a:ext cx="0" cy="0"/>
-          <a:chOff x="0" y="0"/>
-          <a:chExt cx="0" cy="0"/>
-        </a:xfrm>
-      </p:grpSpPr>
-      <p:sp>
-        <p:nvSpPr>
-          <p:cNvPr id="87" name="Google Shape;87;p18"/>
-          <p:cNvSpPr txBox="1">
-            <a:spLocks noGrp="1"/>
-          </p:cNvSpPr>
-          <p:nvPr>
-            <p:ph type="title"/>
-          </p:nvPr>
-        </p:nvSpPr>
-        <p:spPr>
-          <a:xfrm>
-            <a:off x="311700" y="445025"/>
-            <a:ext cx="8520600" cy="572700"/>
-          </a:xfrm>
-          <a:prstGeom prst="rect">
-            <a:avLst/>
-          </a:prstGeom>
-        </p:spPr>
-        <p:txBody>
-          <a:bodyPr spcFirstLastPara="1" wrap="square" lIns="91425" tIns="91425" rIns="91425" bIns="91425" anchor="t" anchorCtr="0">
-            <a:normAutofit fontScale="90000"/>
-          </a:bodyPr>
-          <a:lstStyle/>
-          <a:p>
-            <a:pPr marL="0" lvl="0" indent="0" algn="l" rtl="0">
-              <a:spcBef>
-                <a:spcPts val="0"/>
-              </a:spcBef>
-              <a:spcAft>
-                <a:spcPts val="0"/>
-              </a:spcAft>
-              <a:buNone/>
-            </a:pPr>
-            <a:r>
-              <a:rPr lang="nl"/>
-              <a:t>State space (Nederland)</a:t>
-            </a:r>
-            <a:endParaRPr/>
-          </a:p>
-          <a:p>
-            <a:pPr marL="0" lvl="0" indent="0" algn="l" rtl="0">
-              <a:spcBef>
-                <a:spcPts val="0"/>
-              </a:spcBef>
-              <a:spcAft>
-                <a:spcPts val="0"/>
-              </a:spcAft>
-              <a:buNone/>
-            </a:pPr>
-            <a:endParaRPr/>
-          </a:p>
-        </p:txBody>
-      </p:sp>
-      <p:sp>
-        <p:nvSpPr>
-          <p:cNvPr id="88" name="Google Shape;88;p18"/>
-          <p:cNvSpPr txBox="1">
-            <a:spLocks noGrp="1"/>
-          </p:cNvSpPr>
-          <p:nvPr>
-            <p:ph type="body" idx="1"/>
-          </p:nvPr>
-        </p:nvSpPr>
-        <p:spPr>
-          <a:xfrm>
-            <a:off x="311700" y="1152475"/>
-            <a:ext cx="8520600" cy="3416400"/>
-          </a:xfrm>
-          <a:prstGeom prst="rect">
-            <a:avLst/>
-          </a:prstGeom>
-        </p:spPr>
-        <p:txBody>
-          <a:bodyPr spcFirstLastPara="1" wrap="square" lIns="91425" tIns="91425" rIns="91425" bIns="91425" anchor="t" anchorCtr="0">
-            <a:normAutofit lnSpcReduction="10000"/>
-          </a:bodyPr>
-          <a:lstStyle/>
-          <a:p>
-            <a:pPr marL="457200" lvl="0" indent="-342900" algn="l" rtl="0">
-              <a:spcBef>
-                <a:spcPts val="0"/>
-              </a:spcBef>
-              <a:spcAft>
-                <a:spcPts val="0"/>
-              </a:spcAft>
-              <a:buSzPts val="1800"/>
-              <a:buChar char="●"/>
-            </a:pPr>
-            <a:r>
-              <a:rPr lang="nl"/>
-              <a:t>Er zijn 61 stations</a:t>
-            </a:r>
-            <a:endParaRPr/>
-          </a:p>
-          <a:p>
-            <a:pPr marL="457200" lvl="0" indent="-342900" algn="l" rtl="0">
-              <a:spcBef>
-                <a:spcPts val="0"/>
-              </a:spcBef>
-              <a:spcAft>
-                <a:spcPts val="0"/>
-              </a:spcAft>
-              <a:buSzPts val="1800"/>
-              <a:buChar char="●"/>
-            </a:pPr>
-            <a:r>
-              <a:rPr lang="nl"/>
-              <a:t>Er zijn 89 connecties</a:t>
-            </a:r>
-            <a:endParaRPr/>
-          </a:p>
-          <a:p>
-            <a:pPr marL="457200" lvl="0" indent="-342900" algn="l" rtl="0">
-              <a:spcBef>
-                <a:spcPts val="0"/>
-              </a:spcBef>
-              <a:spcAft>
-                <a:spcPts val="0"/>
-              </a:spcAft>
-              <a:buSzPts val="1800"/>
-              <a:buChar char="●"/>
-            </a:pPr>
-            <a:r>
-              <a:rPr lang="nl"/>
-              <a:t>Er mogen maximaal 20 trajecten gevormd worden</a:t>
-            </a:r>
-            <a:endParaRPr/>
-          </a:p>
-          <a:p>
-            <a:pPr marL="457200" lvl="0" indent="-342900" algn="l" rtl="0">
-              <a:spcBef>
-                <a:spcPts val="0"/>
-              </a:spcBef>
-              <a:spcAft>
-                <a:spcPts val="0"/>
-              </a:spcAft>
-              <a:buSzPts val="1800"/>
-              <a:buChar char="●"/>
-            </a:pPr>
-            <a:r>
-              <a:rPr lang="nl"/>
-              <a:t>De trajecten mogen niet langer duren dan 3 uur </a:t>
-            </a:r>
-            <a:endParaRPr/>
-          </a:p>
-          <a:p>
-            <a:pPr marL="0" lvl="0" indent="0" algn="l" rtl="0">
-              <a:spcBef>
-                <a:spcPts val="1200"/>
-              </a:spcBef>
-              <a:spcAft>
-                <a:spcPts val="0"/>
-              </a:spcAft>
-              <a:buNone/>
-            </a:pPr>
-            <a:endParaRPr/>
-          </a:p>
-          <a:p>
-            <a:pPr marL="0" lvl="0" indent="0" algn="l" rtl="0">
-              <a:spcBef>
-                <a:spcPts val="1200"/>
-              </a:spcBef>
-              <a:spcAft>
-                <a:spcPts val="0"/>
-              </a:spcAft>
-              <a:buNone/>
-            </a:pPr>
-            <a:r>
-              <a:rPr lang="nl"/>
-              <a:t>In onze berekening:</a:t>
-            </a:r>
-            <a:endParaRPr/>
-          </a:p>
-          <a:p>
-            <a:pPr marL="457200" lvl="0" indent="-342900" algn="l" rtl="0">
-              <a:spcBef>
-                <a:spcPts val="1200"/>
-              </a:spcBef>
-              <a:spcAft>
-                <a:spcPts val="0"/>
-              </a:spcAft>
-              <a:buSzPts val="1800"/>
-              <a:buChar char="-"/>
-            </a:pPr>
-            <a:r>
-              <a:rPr lang="nl"/>
-              <a:t>Teleporterende treinen</a:t>
-            </a:r>
-            <a:endParaRPr/>
-          </a:p>
-          <a:p>
-            <a:pPr marL="457200" lvl="0" indent="-342900" algn="l" rtl="0">
-              <a:spcBef>
-                <a:spcPts val="0"/>
-              </a:spcBef>
-              <a:spcAft>
-                <a:spcPts val="0"/>
-              </a:spcAft>
-              <a:buSzPts val="1800"/>
-              <a:buChar char="-"/>
-            </a:pPr>
-            <a:r>
-              <a:rPr lang="nl"/>
-              <a:t>Onbeperkte tijd binnen een traject</a:t>
-            </a:r>
-            <a:endParaRPr/>
-          </a:p>
-          <a:p>
-            <a:pPr marL="457200" lvl="0" indent="-342900" algn="l" rtl="0">
-              <a:spcBef>
-                <a:spcPts val="0"/>
-              </a:spcBef>
-              <a:spcAft>
-                <a:spcPts val="0"/>
-              </a:spcAft>
-              <a:buSzPts val="1800"/>
-              <a:buChar char="-"/>
-            </a:pPr>
-            <a:r>
-              <a:rPr lang="nl"/>
-              <a:t>Alle trajecten worden benut</a:t>
-            </a:r>
-            <a:endParaRPr/>
-          </a:p>
-        </p:txBody>
-      </p:sp>
-    </p:spTree>
-  </p:cSld>
-  <p:clrMapOvr>
-    <a:masterClrMapping/>
-  </p:clrMapOvr>
-</p:sld>
-</file>
-
-<file path=ppt/slides/slide7.xml><?xml version="1.0" encoding="utf-8"?>
-<p:sld xmlns:a="http://schemas.openxmlformats.org/drawingml/2006/main" xmlns:r="http://schemas.openxmlformats.org/officeDocument/2006/relationships" xmlns:p="http://schemas.openxmlformats.org/presentationml/2006/main">
-  <p:cSld>
-    <p:spTree>
-      <p:nvGrpSpPr>
-        <p:cNvPr id="1" name="Shape 92"/>
-        <p:cNvGrpSpPr/>
-        <p:nvPr/>
-      </p:nvGrpSpPr>
-      <p:grpSpPr>
-        <a:xfrm>
-          <a:off x="0" y="0"/>
-          <a:ext cx="0" cy="0"/>
-          <a:chOff x="0" y="0"/>
-          <a:chExt cx="0" cy="0"/>
-        </a:xfrm>
-      </p:grpSpPr>
-      <p:sp>
-        <p:nvSpPr>
-          <p:cNvPr id="93" name="Google Shape;93;p19"/>
-          <p:cNvSpPr txBox="1">
-            <a:spLocks noGrp="1"/>
-          </p:cNvSpPr>
-          <p:nvPr>
-            <p:ph type="title"/>
-          </p:nvPr>
-        </p:nvSpPr>
-        <p:spPr>
-          <a:xfrm>
-            <a:off x="311700" y="445025"/>
-            <a:ext cx="8520600" cy="572700"/>
-          </a:xfrm>
-          <a:prstGeom prst="rect">
-            <a:avLst/>
-          </a:prstGeom>
-        </p:spPr>
-        <p:txBody>
-          <a:bodyPr spcFirstLastPara="1" wrap="square" lIns="91425" tIns="91425" rIns="91425" bIns="91425" anchor="t" anchorCtr="0">
-            <a:normAutofit fontScale="90000"/>
-          </a:bodyPr>
-          <a:lstStyle/>
-          <a:p>
-            <a:pPr marL="0" lvl="0" indent="0" algn="l" rtl="0">
-              <a:spcBef>
-                <a:spcPts val="0"/>
-              </a:spcBef>
-              <a:spcAft>
-                <a:spcPts val="0"/>
-              </a:spcAft>
-              <a:buNone/>
-            </a:pPr>
-            <a:r>
-              <a:rPr lang="nl"/>
-              <a:t>State space (Nederland)</a:t>
-            </a:r>
-            <a:endParaRPr/>
-          </a:p>
-        </p:txBody>
-      </p:sp>
-      <p:sp>
-        <p:nvSpPr>
-          <p:cNvPr id="94" name="Google Shape;94;p19"/>
-          <p:cNvSpPr txBox="1">
-            <a:spLocks noGrp="1"/>
-          </p:cNvSpPr>
-          <p:nvPr>
-            <p:ph type="body" idx="1"/>
-          </p:nvPr>
-        </p:nvSpPr>
-        <p:spPr>
-          <a:xfrm>
-            <a:off x="311700" y="1152475"/>
-            <a:ext cx="8520600" cy="3416400"/>
-          </a:xfrm>
-          <a:prstGeom prst="rect">
-            <a:avLst/>
-          </a:prstGeom>
-        </p:spPr>
-        <p:txBody>
-          <a:bodyPr spcFirstLastPara="1" wrap="square" lIns="91425" tIns="91425" rIns="91425" bIns="91425" anchor="t" anchorCtr="0">
-            <a:normAutofit/>
-          </a:bodyPr>
-          <a:lstStyle/>
-          <a:p>
-            <a:pPr marL="0" lvl="0" indent="0" algn="l" rtl="0">
-              <a:spcBef>
-                <a:spcPts val="0"/>
-              </a:spcBef>
-              <a:spcAft>
-                <a:spcPts val="0"/>
-              </a:spcAft>
-              <a:buNone/>
-            </a:pPr>
-            <a:r>
-              <a:rPr lang="nl"/>
-              <a:t>Binnen een traject: 618970019642690274888515584 verschillende opties</a:t>
-            </a:r>
-            <a:endParaRPr/>
-          </a:p>
-          <a:p>
-            <a:pPr marL="0" lvl="0" indent="0" algn="l" rtl="0">
-              <a:spcBef>
-                <a:spcPts val="1200"/>
-              </a:spcBef>
-              <a:spcAft>
-                <a:spcPts val="0"/>
-              </a:spcAft>
-              <a:buNone/>
-            </a:pPr>
-            <a:endParaRPr/>
-          </a:p>
-          <a:p>
-            <a:pPr marL="0" lvl="0" indent="0" algn="l" rtl="0">
-              <a:spcBef>
-                <a:spcPts val="1200"/>
-              </a:spcBef>
-              <a:spcAft>
-                <a:spcPts val="0"/>
-              </a:spcAft>
-              <a:buNone/>
-            </a:pPr>
-            <a:endParaRPr/>
-          </a:p>
-          <a:p>
-            <a:pPr marL="0" lvl="0" indent="0" algn="l" rtl="0">
-              <a:spcBef>
-                <a:spcPts val="1200"/>
-              </a:spcBef>
-              <a:spcAft>
-                <a:spcPts val="0"/>
-              </a:spcAft>
-              <a:buNone/>
-            </a:pPr>
-            <a:endParaRPr/>
-          </a:p>
-          <a:p>
-            <a:pPr marL="0" lvl="0" indent="0" algn="l" rtl="0">
-              <a:spcBef>
-                <a:spcPts val="1200"/>
-              </a:spcBef>
-              <a:spcAft>
-                <a:spcPts val="0"/>
-              </a:spcAft>
-              <a:buNone/>
-            </a:pPr>
-            <a:endParaRPr/>
-          </a:p>
-          <a:p>
-            <a:pPr marL="0" lvl="0" indent="0" algn="l" rtl="0">
-              <a:spcBef>
-                <a:spcPts val="1200"/>
-              </a:spcBef>
-              <a:spcAft>
-                <a:spcPts val="1200"/>
-              </a:spcAft>
-              <a:buNone/>
-            </a:pPr>
-            <a:r>
-              <a:rPr lang="nl"/>
-              <a:t>Alle trajecten samen (C = 618970019642690274888515584):</a:t>
-            </a:r>
-            <a:endParaRPr/>
-          </a:p>
-        </p:txBody>
-      </p:sp>
-      <p:pic>
-        <p:nvPicPr>
-          <p:cNvPr id="95" name="Google Shape;95;p19"/>
-          <p:cNvPicPr preferRelativeResize="0"/>
-          <p:nvPr/>
-        </p:nvPicPr>
-        <p:blipFill>
-          <a:blip r:embed="rId3">
-            <a:alphaModFix/>
-          </a:blip>
-          <a:stretch>
-            <a:fillRect/>
-          </a:stretch>
-        </p:blipFill>
-        <p:spPr>
-          <a:xfrm>
-            <a:off x="397050" y="1548700"/>
-            <a:ext cx="3954976" cy="1926975"/>
-          </a:xfrm>
-          <a:prstGeom prst="rect">
-            <a:avLst/>
-          </a:prstGeom>
-          <a:noFill/>
-          <a:ln>
-            <a:noFill/>
-          </a:ln>
-        </p:spPr>
-      </p:pic>
-      <p:pic>
-        <p:nvPicPr>
-          <p:cNvPr id="96" name="Google Shape;96;p19"/>
-          <p:cNvPicPr preferRelativeResize="0"/>
-          <p:nvPr/>
-        </p:nvPicPr>
-        <p:blipFill>
-          <a:blip r:embed="rId4">
-            <a:alphaModFix/>
-          </a:blip>
-          <a:stretch>
-            <a:fillRect/>
-          </a:stretch>
-        </p:blipFill>
-        <p:spPr>
-          <a:xfrm>
-            <a:off x="957613" y="4075625"/>
-            <a:ext cx="1457325" cy="590550"/>
-          </a:xfrm>
-          <a:prstGeom prst="rect">
-            <a:avLst/>
-          </a:prstGeom>
-          <a:noFill/>
-          <a:ln>
-            <a:noFill/>
-          </a:ln>
-        </p:spPr>
-      </p:pic>
-    </p:spTree>
-  </p:cSld>
-  <p:clrMapOvr>
-    <a:masterClrMapping/>
-  </p:clrMapOvr>
-</p:sld>
-</file>
-
-<file path=ppt/slides/slide8.xml><?xml version="1.0" encoding="utf-8"?>
-<p:sld xmlns:a="http://schemas.openxmlformats.org/drawingml/2006/main" xmlns:r="http://schemas.openxmlformats.org/officeDocument/2006/relationships" xmlns:p="http://schemas.openxmlformats.org/presentationml/2006/main">
-  <p:cSld>
-    <p:bg>
-      <p:bgPr>
-        <a:solidFill>
-          <a:schemeClr val="dk1"/>
-        </a:solidFill>
-        <a:effectLst/>
-      </p:bgPr>
-    </p:bg>
-    <p:spTree>
-      <p:nvGrpSpPr>
-        <p:cNvPr id="1" name="Shape 100"/>
-        <p:cNvGrpSpPr/>
-        <p:nvPr/>
-      </p:nvGrpSpPr>
-      <p:grpSpPr>
-        <a:xfrm>
-          <a:off x="0" y="0"/>
-          <a:ext cx="0" cy="0"/>
-          <a:chOff x="0" y="0"/>
-          <a:chExt cx="0" cy="0"/>
-        </a:xfrm>
-      </p:grpSpPr>
-      <p:sp>
-        <p:nvSpPr>
-          <p:cNvPr id="101" name="Google Shape;101;p20"/>
-          <p:cNvSpPr txBox="1">
-            <a:spLocks noGrp="1"/>
-          </p:cNvSpPr>
-          <p:nvPr>
-            <p:ph type="title"/>
-          </p:nvPr>
-        </p:nvSpPr>
-        <p:spPr>
-          <a:xfrm>
-            <a:off x="311700" y="445025"/>
-            <a:ext cx="8520600" cy="572700"/>
-          </a:xfrm>
-          <a:prstGeom prst="rect">
-            <a:avLst/>
-          </a:prstGeom>
-        </p:spPr>
-        <p:txBody>
-          <a:bodyPr spcFirstLastPara="1" wrap="square" lIns="91425" tIns="91425" rIns="91425" bIns="91425" anchor="t" anchorCtr="0">
-            <a:normAutofit fontScale="90000"/>
-          </a:bodyPr>
-          <a:lstStyle/>
-          <a:p>
-            <a:pPr marL="0" lvl="0" indent="0" algn="l" rtl="0">
-              <a:spcBef>
-                <a:spcPts val="0"/>
-              </a:spcBef>
-              <a:spcAft>
-                <a:spcPts val="0"/>
-              </a:spcAft>
-              <a:buNone/>
-            </a:pPr>
-            <a:r>
-              <a:rPr lang="nl">
-                <a:solidFill>
-                  <a:schemeClr val="lt1"/>
-                </a:solidFill>
-              </a:rPr>
-              <a:t>Representatie in objecten</a:t>
-            </a:r>
-            <a:endParaRPr>
-              <a:solidFill>
-                <a:schemeClr val="lt1"/>
-              </a:solidFill>
-            </a:endParaRPr>
-          </a:p>
-        </p:txBody>
-      </p:sp>
-      <p:sp>
-        <p:nvSpPr>
-          <p:cNvPr id="102" name="Google Shape;102;p20"/>
-          <p:cNvSpPr txBox="1">
-            <a:spLocks noGrp="1"/>
-          </p:cNvSpPr>
-          <p:nvPr>
-            <p:ph type="body" idx="1"/>
-          </p:nvPr>
-        </p:nvSpPr>
-        <p:spPr>
-          <a:xfrm>
-            <a:off x="311700" y="1152475"/>
-            <a:ext cx="8520600" cy="3416400"/>
-          </a:xfrm>
-          <a:prstGeom prst="rect">
-            <a:avLst/>
-          </a:prstGeom>
-        </p:spPr>
-        <p:txBody>
-          <a:bodyPr spcFirstLastPara="1" wrap="square" lIns="91425" tIns="91425" rIns="91425" bIns="91425" anchor="t" anchorCtr="0">
-            <a:normAutofit/>
-          </a:bodyPr>
-          <a:lstStyle/>
-          <a:p>
-            <a:pPr marL="0" lvl="0" indent="0" algn="l" rtl="0">
-              <a:spcBef>
-                <a:spcPts val="0"/>
-              </a:spcBef>
-              <a:spcAft>
-                <a:spcPts val="1200"/>
-              </a:spcAft>
-              <a:buNone/>
-            </a:pPr>
-            <a:endParaRPr/>
-          </a:p>
-        </p:txBody>
-      </p:sp>
-      <p:pic>
-        <p:nvPicPr>
-          <p:cNvPr id="103" name="Google Shape;103;p20"/>
-          <p:cNvPicPr preferRelativeResize="0"/>
-          <p:nvPr/>
-        </p:nvPicPr>
-        <p:blipFill>
-          <a:blip r:embed="rId3">
-            <a:alphaModFix/>
-          </a:blip>
-          <a:stretch>
-            <a:fillRect/>
-          </a:stretch>
-        </p:blipFill>
-        <p:spPr>
-          <a:xfrm>
-            <a:off x="137587" y="1308825"/>
-            <a:ext cx="8868826" cy="2592175"/>
-          </a:xfrm>
-          <a:prstGeom prst="rect">
-            <a:avLst/>
-          </a:prstGeom>
-          <a:noFill/>
-          <a:ln>
-            <a:noFill/>
-          </a:ln>
-        </p:spPr>
-      </p:pic>
-    </p:spTree>
-  </p:cSld>
-  <p:clrMapOvr>
-    <a:masterClrMapping/>
-  </p:clrMapOvr>
-</p:sld>
-</file>
-
-<file path=ppt/slides/slide9.xml><?xml version="1.0" encoding="utf-8"?>
-<p:sld xmlns:a="http://schemas.openxmlformats.org/drawingml/2006/main" xmlns:r="http://schemas.openxmlformats.org/officeDocument/2006/relationships" xmlns:p="http://schemas.openxmlformats.org/presentationml/2006/main">
-  <p:cSld>
-    <p:spTree>
-      <p:nvGrpSpPr>
-        <p:cNvPr id="1" name="Shape 107"/>
-        <p:cNvGrpSpPr/>
-        <p:nvPr/>
-      </p:nvGrpSpPr>
-      <p:grpSpPr>
-        <a:xfrm>
-          <a:off x="0" y="0"/>
-          <a:ext cx="0" cy="0"/>
-          <a:chOff x="0" y="0"/>
-          <a:chExt cx="0" cy="0"/>
-        </a:xfrm>
-      </p:grpSpPr>
-      <p:sp>
-        <p:nvSpPr>
-          <p:cNvPr id="108" name="Google Shape;108;p21"/>
-          <p:cNvSpPr txBox="1">
-            <a:spLocks noGrp="1"/>
-          </p:cNvSpPr>
-          <p:nvPr>
-            <p:ph type="title"/>
-          </p:nvPr>
-        </p:nvSpPr>
-        <p:spPr>
-          <a:xfrm>
-            <a:off x="311700" y="445025"/>
-            <a:ext cx="8520600" cy="572700"/>
-          </a:xfrm>
-          <a:prstGeom prst="rect">
-            <a:avLst/>
-          </a:prstGeom>
-        </p:spPr>
-        <p:txBody>
-          <a:bodyPr spcFirstLastPara="1" wrap="square" lIns="91425" tIns="91425" rIns="91425" bIns="91425" anchor="t" anchorCtr="0">
-            <a:normAutofit fontScale="90000"/>
-          </a:bodyPr>
-          <a:lstStyle/>
-          <a:p>
-            <a:pPr marL="0" lvl="0" indent="0" algn="l" rtl="0">
-              <a:spcBef>
-                <a:spcPts val="0"/>
-              </a:spcBef>
-              <a:spcAft>
-                <a:spcPts val="0"/>
-              </a:spcAft>
-              <a:buNone/>
-            </a:pPr>
-            <a:r>
-              <a:rPr lang="nl"/>
-              <a:t>Baseline</a:t>
-            </a:r>
-            <a:endParaRPr/>
-          </a:p>
-        </p:txBody>
-      </p:sp>
-      <p:sp>
-        <p:nvSpPr>
-          <p:cNvPr id="109" name="Google Shape;109;p21"/>
-          <p:cNvSpPr txBox="1">
-            <a:spLocks noGrp="1"/>
-          </p:cNvSpPr>
-          <p:nvPr>
-            <p:ph type="body" idx="1"/>
-          </p:nvPr>
-        </p:nvSpPr>
-        <p:spPr>
-          <a:xfrm>
-            <a:off x="311700" y="1152475"/>
-            <a:ext cx="8520600" cy="3416400"/>
-          </a:xfrm>
-          <a:prstGeom prst="rect">
-            <a:avLst/>
-          </a:prstGeom>
-        </p:spPr>
-        <p:txBody>
-          <a:bodyPr spcFirstLastPara="1" wrap="square" lIns="91425" tIns="91425" rIns="91425" bIns="91425" anchor="t" anchorCtr="0">
-            <a:normAutofit/>
-          </a:bodyPr>
-          <a:lstStyle/>
-          <a:p>
-            <a:pPr marL="457200" lvl="0" indent="-342900" algn="l" rtl="0">
-              <a:spcBef>
-                <a:spcPts val="0"/>
-              </a:spcBef>
-              <a:spcAft>
-                <a:spcPts val="0"/>
-              </a:spcAft>
-              <a:buSzPts val="1800"/>
-              <a:buChar char="●"/>
-            </a:pPr>
-            <a:r>
-              <a:rPr lang="nl"/>
-              <a:t>Kies een random aantal trajecten (max = 20)</a:t>
-            </a:r>
-            <a:endParaRPr/>
-          </a:p>
-          <a:p>
-            <a:pPr marL="457200" lvl="0" indent="0" algn="l" rtl="0">
-              <a:spcBef>
-                <a:spcPts val="1200"/>
-              </a:spcBef>
-              <a:spcAft>
-                <a:spcPts val="0"/>
-              </a:spcAft>
-              <a:buNone/>
-            </a:pPr>
-            <a:endParaRPr/>
-          </a:p>
-          <a:p>
-            <a:pPr marL="457200" lvl="0" indent="-342900" algn="l" rtl="0">
-              <a:spcBef>
-                <a:spcPts val="1200"/>
-              </a:spcBef>
-              <a:spcAft>
-                <a:spcPts val="0"/>
-              </a:spcAft>
-              <a:buSzPts val="1800"/>
-              <a:buChar char="●"/>
-            </a:pPr>
-            <a:r>
-              <a:rPr lang="nl"/>
-              <a:t>Voor elk traject:</a:t>
-            </a:r>
-            <a:endParaRPr/>
-          </a:p>
-          <a:p>
-            <a:pPr marL="457200" lvl="0" indent="-342900" algn="l" rtl="0">
-              <a:spcBef>
-                <a:spcPts val="0"/>
-              </a:spcBef>
-              <a:spcAft>
-                <a:spcPts val="0"/>
-              </a:spcAft>
-              <a:buSzPts val="1800"/>
-              <a:buChar char="●"/>
-            </a:pPr>
-            <a:r>
-              <a:rPr lang="nl"/>
-              <a:t>Kies een random start station</a:t>
-            </a:r>
-            <a:endParaRPr/>
-          </a:p>
-          <a:p>
-            <a:pPr marL="457200" lvl="0" indent="-342900" algn="l" rtl="0">
-              <a:spcBef>
-                <a:spcPts val="0"/>
-              </a:spcBef>
-              <a:spcAft>
-                <a:spcPts val="0"/>
-              </a:spcAft>
-              <a:buSzPts val="1800"/>
-              <a:buChar char="●"/>
-            </a:pPr>
-            <a:r>
-              <a:rPr lang="nl"/>
-              <a:t>Genereer mogelijke volgende stations</a:t>
-            </a:r>
-            <a:endParaRPr/>
-          </a:p>
-          <a:p>
-            <a:pPr marL="457200" lvl="0" indent="-342900" algn="l" rtl="0">
-              <a:spcBef>
-                <a:spcPts val="0"/>
-              </a:spcBef>
-              <a:spcAft>
-                <a:spcPts val="0"/>
-              </a:spcAft>
-              <a:buSzPts val="1800"/>
-              <a:buChar char="●"/>
-            </a:pPr>
-            <a:r>
-              <a:rPr lang="nl"/>
-              <a:t>Kies een random mogelijk station en voeg deze toe aan traject</a:t>
-            </a:r>
-            <a:endParaRPr/>
-          </a:p>
-          <a:p>
-            <a:pPr marL="457200" lvl="0" indent="-342900" algn="l" rtl="0">
-              <a:spcBef>
-                <a:spcPts val="0"/>
-              </a:spcBef>
-              <a:spcAft>
-                <a:spcPts val="0"/>
-              </a:spcAft>
-              <a:buSzPts val="1800"/>
-              <a:buChar char="●"/>
-            </a:pPr>
-            <a:r>
-              <a:rPr lang="nl"/>
-              <a:t>Herhaal dit zolang de 180 minuten van een traject niet zijn behaald</a:t>
-            </a:r>
-            <a:endParaRPr/>
-          </a:p>
-        </p:txBody>
-      </p:sp>
-      <p:pic>
-        <p:nvPicPr>
-          <p:cNvPr id="110" name="Google Shape;110;p21"/>
-          <p:cNvPicPr preferRelativeResize="0"/>
-          <p:nvPr/>
-        </p:nvPicPr>
-        <p:blipFill>
-          <a:blip r:embed="rId3">
-            <a:alphaModFix/>
-          </a:blip>
-          <a:stretch>
-            <a:fillRect/>
-          </a:stretch>
-        </p:blipFill>
-        <p:spPr>
-          <a:xfrm>
-            <a:off x="5658575" y="497450"/>
-            <a:ext cx="3245550" cy="2434150"/>
-          </a:xfrm>
-          <a:prstGeom prst="rect">
-            <a:avLst/>
-          </a:prstGeom>
-          <a:noFill/>
-          <a:ln>
-            <a:noFill/>
-          </a:ln>
-        </p:spPr>
-      </p:pic>
-    </p:spTree>
-  </p:cSld>
-  <p:clrMapOvr>
-    <a:masterClrMapping/>
-  </p:clrMapOvr>
-  <p:timing>
-    <p:tnLst>
-      <p:par>
-        <p:cTn id="1" dur="indefinite" restart="never" nodeType="tmRoot">
-          <p:childTnLst>
-            <p:seq concurrent="1" nextAc="seek">
-              <p:cTn id="2" dur="indefinite" nodeType="mainSeq">
-                <p:childTnLst>
-                  <p:par>
-                    <p:cTn id="3" fill="hold">
-                      <p:stCondLst>
-                        <p:cond delay="indefinite"/>
-                      </p:stCondLst>
-                      <p:childTnLst>
-                        <p:par>
-                          <p:cTn id="4" fill="hold">
-                            <p:stCondLst>
-                              <p:cond delay="0"/>
-                            </p:stCondLst>
-                            <p:childTnLst>
-                              <p:par>
-                                <p:cTn id="5" presetID="1" presetClass="entr" presetSubtype="0" fill="hold" nodeType="clickEffect">
-                                  <p:stCondLst>
-                                    <p:cond delay="0"/>
-                                  </p:stCondLst>
-                                  <p:childTnLst>
-                                    <p:set>
-                                      <p:cBhvr>
-                                        <p:cTn id="6" dur="1" fill="hold">
-                                          <p:stCondLst>
-                                            <p:cond delay="0"/>
-                                          </p:stCondLst>
-                                        </p:cTn>
-                                        <p:tgtEl>
-                                          <p:spTgt spid="110"/>
-                                        </p:tgtEl>
-                                        <p:attrNameLst>
-                                          <p:attrName>style.visibility</p:attrName>
-                                        </p:attrNameLst>
-                                      </p:cBhvr>
-                                      <p:to>
-                                        <p:strVal val="visible"/>
-                                      </p:to>
-                                    </p:set>
-                                  </p:childTnLst>
-                                </p:cTn>
-                              </p:par>
-                            </p:childTnLst>
-                          </p:cTn>
-                        </p:par>
-                      </p:childTnLst>
-                    </p:cTn>
-                  </p:par>
-                </p:childTnLst>
-              </p:cTn>
-              <p:prevCondLst>
-                <p:cond evt="onPrev" delay="0">
-                  <p:tgtEl>
-                    <p:sldTgt/>
-                  </p:tgtEl>
-                </p:cond>
-              </p:prevCondLst>
-              <p:nextCondLst>
-                <p:cond evt="onNext" delay="0">
-                  <p:tgtEl>
-                    <p:sldTgt/>
-                  </p:tgtEl>
-                </p:cond>
-              </p:nextCondLst>
-            </p:seq>
-          </p:childTnLst>
-        </p:cTn>
-      </p:par>
-    </p:tnLst>
-  </p:timing>
 </p:sld>
 </file>
 

--- a/doc/Oefenpresentatie.pptx
+++ b/doc/Oefenpresentatie.pptx
@@ -5,7 +5,7 @@
     <p:sldMasterId id="2147483659" r:id="rId1"/>
   </p:sldMasterIdLst>
   <p:notesMasterIdLst>
-    <p:notesMasterId r:id="rId17"/>
+    <p:notesMasterId r:id="rId18"/>
   </p:notesMasterIdLst>
   <p:sldIdLst>
     <p:sldId id="256" r:id="rId2"/>
@@ -23,6 +23,7 @@
     <p:sldId id="270" r:id="rId14"/>
     <p:sldId id="272" r:id="rId15"/>
     <p:sldId id="273" r:id="rId16"/>
+    <p:sldId id="274" r:id="rId17"/>
   </p:sldIdLst>
   <p:sldSz cx="9144000" cy="5143500" type="screen16x9"/>
   <p:notesSz cx="6858000" cy="9144000"/>
@@ -277,7 +278,8 @@
 <file path=ppt/revisionInfo.xml><?xml version="1.0" encoding="utf-8"?>
 <p1510:revInfo xmlns:a="http://schemas.openxmlformats.org/drawingml/2006/main" xmlns:r="http://schemas.openxmlformats.org/officeDocument/2006/relationships" xmlns:p1510="http://schemas.microsoft.com/office/powerpoint/2015/10/main">
   <p1510:revLst>
-    <p1510:client id="{94FC394A-B3AF-4A30-A736-0C81377E0BB8}" v="11" dt="2022-02-01T13:38:01.544"/>
+    <p1510:client id="{94FC394A-B3AF-4A30-A736-0C81377E0BB8}" v="1127" dt="2022-02-02T10:27:57.329"/>
+    <p1510:client id="{D9BF5DF4-C467-4B7E-B920-ADA15206E3EA}" v="286" dt="2022-02-02T10:12:51.134"/>
   </p1510:revLst>
 </p1510:revInfo>
 </file>
@@ -287,24 +289,39 @@
   <pc:docChgLst>
     <pc:chgData name="Maik Larooij" userId="7254f401-a7dc-494d-bbf4-96e8c1dc3b5f" providerId="ADAL" clId="{94FC394A-B3AF-4A30-A736-0C81377E0BB8}"/>
     <pc:docChg chg="undo custSel addSld delSld modSld sldOrd">
-      <pc:chgData name="Maik Larooij" userId="7254f401-a7dc-494d-bbf4-96e8c1dc3b5f" providerId="ADAL" clId="{94FC394A-B3AF-4A30-A736-0C81377E0BB8}" dt="2022-02-01T13:38:15.329" v="1354" actId="207"/>
+      <pc:chgData name="Maik Larooij" userId="7254f401-a7dc-494d-bbf4-96e8c1dc3b5f" providerId="ADAL" clId="{94FC394A-B3AF-4A30-A736-0C81377E0BB8}" dt="2022-02-02T10:27:57.329" v="2479" actId="20577"/>
       <pc:docMkLst>
         <pc:docMk/>
       </pc:docMkLst>
       <pc:sldChg chg="addSp modSp mod">
-        <pc:chgData name="Maik Larooij" userId="7254f401-a7dc-494d-bbf4-96e8c1dc3b5f" providerId="ADAL" clId="{94FC394A-B3AF-4A30-A736-0C81377E0BB8}" dt="2022-01-25T12:39:33.432" v="4"/>
+        <pc:chgData name="Maik Larooij" userId="7254f401-a7dc-494d-bbf4-96e8c1dc3b5f" providerId="ADAL" clId="{94FC394A-B3AF-4A30-A736-0C81377E0BB8}" dt="2022-02-02T09:34:55.685" v="1355"/>
         <pc:sldMkLst>
           <pc:docMk/>
           <pc:sldMk cId="0" sldId="257"/>
         </pc:sldMkLst>
         <pc:picChg chg="add mod">
-          <ac:chgData name="Maik Larooij" userId="7254f401-a7dc-494d-bbf4-96e8c1dc3b5f" providerId="ADAL" clId="{94FC394A-B3AF-4A30-A736-0C81377E0BB8}" dt="2022-01-25T12:39:33.432" v="4"/>
+          <ac:chgData name="Maik Larooij" userId="7254f401-a7dc-494d-bbf4-96e8c1dc3b5f" providerId="ADAL" clId="{94FC394A-B3AF-4A30-A736-0C81377E0BB8}" dt="2022-02-02T09:34:55.685" v="1355"/>
           <ac:picMkLst>
             <pc:docMk/>
             <pc:sldMk cId="0" sldId="257"/>
             <ac:picMk id="3" creationId="{62B88326-80B6-447F-8708-31AD8F172524}"/>
           </ac:picMkLst>
         </pc:picChg>
+      </pc:sldChg>
+      <pc:sldChg chg="modSp mod">
+        <pc:chgData name="Maik Larooij" userId="7254f401-a7dc-494d-bbf4-96e8c1dc3b5f" providerId="ADAL" clId="{94FC394A-B3AF-4A30-A736-0C81377E0BB8}" dt="2022-02-02T09:35:11.300" v="1364" actId="20577"/>
+        <pc:sldMkLst>
+          <pc:docMk/>
+          <pc:sldMk cId="0" sldId="258"/>
+        </pc:sldMkLst>
+        <pc:spChg chg="mod">
+          <ac:chgData name="Maik Larooij" userId="7254f401-a7dc-494d-bbf4-96e8c1dc3b5f" providerId="ADAL" clId="{94FC394A-B3AF-4A30-A736-0C81377E0BB8}" dt="2022-02-02T09:35:11.300" v="1364" actId="20577"/>
+          <ac:spMkLst>
+            <pc:docMk/>
+            <pc:sldMk cId="0" sldId="258"/>
+            <ac:spMk id="68" creationId="{00000000-0000-0000-0000-000000000000}"/>
+          </ac:spMkLst>
+        </pc:spChg>
       </pc:sldChg>
       <pc:sldChg chg="del">
         <pc:chgData name="Maik Larooij" userId="7254f401-a7dc-494d-bbf4-96e8c1dc3b5f" providerId="ADAL" clId="{94FC394A-B3AF-4A30-A736-0C81377E0BB8}" dt="2022-02-01T12:35:04.230" v="9" actId="47"/>
@@ -492,7 +509,7 @@
         </pc:picChg>
       </pc:sldChg>
       <pc:sldChg chg="modSp mod">
-        <pc:chgData name="Maik Larooij" userId="7254f401-a7dc-494d-bbf4-96e8c1dc3b5f" providerId="ADAL" clId="{94FC394A-B3AF-4A30-A736-0C81377E0BB8}" dt="2022-02-01T13:14:02.009" v="509" actId="1076"/>
+        <pc:chgData name="Maik Larooij" userId="7254f401-a7dc-494d-bbf4-96e8c1dc3b5f" providerId="ADAL" clId="{94FC394A-B3AF-4A30-A736-0C81377E0BB8}" dt="2022-02-02T09:46:26.424" v="1384" actId="1076"/>
         <pc:sldMkLst>
           <pc:docMk/>
           <pc:sldMk cId="0" sldId="267"/>
@@ -514,7 +531,7 @@
           </ac:spMkLst>
         </pc:spChg>
         <pc:picChg chg="mod">
-          <ac:chgData name="Maik Larooij" userId="7254f401-a7dc-494d-bbf4-96e8c1dc3b5f" providerId="ADAL" clId="{94FC394A-B3AF-4A30-A736-0C81377E0BB8}" dt="2022-02-01T13:14:02.009" v="509" actId="1076"/>
+          <ac:chgData name="Maik Larooij" userId="7254f401-a7dc-494d-bbf4-96e8c1dc3b5f" providerId="ADAL" clId="{94FC394A-B3AF-4A30-A736-0C81377E0BB8}" dt="2022-02-02T09:46:26.424" v="1384" actId="1076"/>
           <ac:picMkLst>
             <pc:docMk/>
             <pc:sldMk cId="0" sldId="267"/>
@@ -529,8 +546,8 @@
           <pc:sldMk cId="0" sldId="268"/>
         </pc:sldMkLst>
       </pc:sldChg>
-      <pc:sldChg chg="addSp modSp new mod">
-        <pc:chgData name="Maik Larooij" userId="7254f401-a7dc-494d-bbf4-96e8c1dc3b5f" providerId="ADAL" clId="{94FC394A-B3AF-4A30-A736-0C81377E0BB8}" dt="2022-02-01T13:16:34.880" v="738" actId="20577"/>
+      <pc:sldChg chg="addSp delSp modSp new mod">
+        <pc:chgData name="Maik Larooij" userId="7254f401-a7dc-494d-bbf4-96e8c1dc3b5f" providerId="ADAL" clId="{94FC394A-B3AF-4A30-A736-0C81377E0BB8}" dt="2022-02-02T10:24:50.873" v="2412" actId="20577"/>
         <pc:sldMkLst>
           <pc:docMk/>
           <pc:sldMk cId="1871102804" sldId="269"/>
@@ -544,7 +561,7 @@
           </ac:spMkLst>
         </pc:spChg>
         <pc:spChg chg="mod">
-          <ac:chgData name="Maik Larooij" userId="7254f401-a7dc-494d-bbf4-96e8c1dc3b5f" providerId="ADAL" clId="{94FC394A-B3AF-4A30-A736-0C81377E0BB8}" dt="2022-02-01T13:16:34.880" v="738" actId="20577"/>
+          <ac:chgData name="Maik Larooij" userId="7254f401-a7dc-494d-bbf4-96e8c1dc3b5f" providerId="ADAL" clId="{94FC394A-B3AF-4A30-A736-0C81377E0BB8}" dt="2022-02-02T10:24:50.873" v="2412" actId="20577"/>
           <ac:spMkLst>
             <pc:docMk/>
             <pc:sldMk cId="1871102804" sldId="269"/>
@@ -552,15 +569,31 @@
           </ac:spMkLst>
         </pc:spChg>
         <pc:picChg chg="add mod">
-          <ac:chgData name="Maik Larooij" userId="7254f401-a7dc-494d-bbf4-96e8c1dc3b5f" providerId="ADAL" clId="{94FC394A-B3AF-4A30-A736-0C81377E0BB8}" dt="2022-02-01T13:16:07.989" v="729" actId="1076"/>
+          <ac:chgData name="Maik Larooij" userId="7254f401-a7dc-494d-bbf4-96e8c1dc3b5f" providerId="ADAL" clId="{94FC394A-B3AF-4A30-A736-0C81377E0BB8}" dt="2022-02-02T10:24:45.097" v="2388" actId="1076"/>
+          <ac:picMkLst>
+            <pc:docMk/>
+            <pc:sldMk cId="1871102804" sldId="269"/>
+            <ac:picMk id="5" creationId="{53AD5EA1-16A9-49E7-9073-712B33D118F0}"/>
+          </ac:picMkLst>
+        </pc:picChg>
+        <pc:picChg chg="add mod">
+          <ac:chgData name="Maik Larooij" userId="7254f401-a7dc-494d-bbf4-96e8c1dc3b5f" providerId="ADAL" clId="{94FC394A-B3AF-4A30-A736-0C81377E0BB8}" dt="2022-02-02T10:24:46.506" v="2389" actId="1076"/>
+          <ac:picMkLst>
+            <pc:docMk/>
+            <pc:sldMk cId="1871102804" sldId="269"/>
+            <ac:picMk id="7" creationId="{6B9584EA-D8A7-4288-AB59-3691AF104B08}"/>
+          </ac:picMkLst>
+        </pc:picChg>
+        <pc:picChg chg="add del mod">
+          <ac:chgData name="Maik Larooij" userId="7254f401-a7dc-494d-bbf4-96e8c1dc3b5f" providerId="ADAL" clId="{94FC394A-B3AF-4A30-A736-0C81377E0BB8}" dt="2022-02-02T10:23:31.815" v="2326" actId="478"/>
           <ac:picMkLst>
             <pc:docMk/>
             <pc:sldMk cId="1871102804" sldId="269"/>
             <ac:picMk id="1026" creationId="{6B9B940B-D04D-4791-930C-290D8B0664A2}"/>
           </ac:picMkLst>
         </pc:picChg>
-        <pc:picChg chg="add mod">
-          <ac:chgData name="Maik Larooij" userId="7254f401-a7dc-494d-bbf4-96e8c1dc3b5f" providerId="ADAL" clId="{94FC394A-B3AF-4A30-A736-0C81377E0BB8}" dt="2022-02-01T13:16:20.716" v="732" actId="1076"/>
+        <pc:picChg chg="add del mod">
+          <ac:chgData name="Maik Larooij" userId="7254f401-a7dc-494d-bbf4-96e8c1dc3b5f" providerId="ADAL" clId="{94FC394A-B3AF-4A30-A736-0C81377E0BB8}" dt="2022-02-02T10:23:32.056" v="2327" actId="478"/>
           <ac:picMkLst>
             <pc:docMk/>
             <pc:sldMk cId="1871102804" sldId="269"/>
@@ -569,7 +602,7 @@
         </pc:picChg>
       </pc:sldChg>
       <pc:sldChg chg="addSp modSp new mod">
-        <pc:chgData name="Maik Larooij" userId="7254f401-a7dc-494d-bbf4-96e8c1dc3b5f" providerId="ADAL" clId="{94FC394A-B3AF-4A30-A736-0C81377E0BB8}" dt="2022-02-01T13:37:31.264" v="1276" actId="20577"/>
+        <pc:chgData name="Maik Larooij" userId="7254f401-a7dc-494d-bbf4-96e8c1dc3b5f" providerId="ADAL" clId="{94FC394A-B3AF-4A30-A736-0C81377E0BB8}" dt="2022-02-02T10:12:31.019" v="2324" actId="20577"/>
         <pc:sldMkLst>
           <pc:docMk/>
           <pc:sldMk cId="1415137384" sldId="270"/>
@@ -583,7 +616,7 @@
           </ac:spMkLst>
         </pc:spChg>
         <pc:spChg chg="mod">
-          <ac:chgData name="Maik Larooij" userId="7254f401-a7dc-494d-bbf4-96e8c1dc3b5f" providerId="ADAL" clId="{94FC394A-B3AF-4A30-A736-0C81377E0BB8}" dt="2022-02-01T13:37:31.264" v="1276" actId="20577"/>
+          <ac:chgData name="Maik Larooij" userId="7254f401-a7dc-494d-bbf4-96e8c1dc3b5f" providerId="ADAL" clId="{94FC394A-B3AF-4A30-A736-0C81377E0BB8}" dt="2022-02-02T10:12:31.019" v="2324" actId="20577"/>
           <ac:spMkLst>
             <pc:docMk/>
             <pc:sldMk cId="1415137384" sldId="270"/>
@@ -599,8 +632,8 @@
           </ac:picMkLst>
         </pc:picChg>
       </pc:sldChg>
-      <pc:sldChg chg="modSp new mod ord">
-        <pc:chgData name="Maik Larooij" userId="7254f401-a7dc-494d-bbf4-96e8c1dc3b5f" providerId="ADAL" clId="{94FC394A-B3AF-4A30-A736-0C81377E0BB8}" dt="2022-02-01T13:37:40.451" v="1280"/>
+      <pc:sldChg chg="addSp delSp modSp new mod ord">
+        <pc:chgData name="Maik Larooij" userId="7254f401-a7dc-494d-bbf4-96e8c1dc3b5f" providerId="ADAL" clId="{94FC394A-B3AF-4A30-A736-0C81377E0BB8}" dt="2022-02-02T10:27:57.329" v="2479" actId="20577"/>
         <pc:sldMkLst>
           <pc:docMk/>
           <pc:sldMk cId="4291659974" sldId="271"/>
@@ -613,9 +646,33 @@
             <ac:spMk id="2" creationId="{DF440304-03D7-4D76-9C2F-5F4183D5EBEC}"/>
           </ac:spMkLst>
         </pc:spChg>
+        <pc:spChg chg="mod">
+          <ac:chgData name="Maik Larooij" userId="7254f401-a7dc-494d-bbf4-96e8c1dc3b5f" providerId="ADAL" clId="{94FC394A-B3AF-4A30-A736-0C81377E0BB8}" dt="2022-02-02T10:27:57.329" v="2479" actId="20577"/>
+          <ac:spMkLst>
+            <pc:docMk/>
+            <pc:sldMk cId="4291659974" sldId="271"/>
+            <ac:spMk id="3" creationId="{68451018-F675-4C2B-9FDC-3507F95B0C87}"/>
+          </ac:spMkLst>
+        </pc:spChg>
+        <pc:picChg chg="add del mod">
+          <ac:chgData name="Maik Larooij" userId="7254f401-a7dc-494d-bbf4-96e8c1dc3b5f" providerId="ADAL" clId="{94FC394A-B3AF-4A30-A736-0C81377E0BB8}" dt="2022-02-02T10:04:38.409" v="1920" actId="478"/>
+          <ac:picMkLst>
+            <pc:docMk/>
+            <pc:sldMk cId="4291659974" sldId="271"/>
+            <ac:picMk id="5" creationId="{5AB5A5B1-E331-4A56-A043-FC0C83D873A5}"/>
+          </ac:picMkLst>
+        </pc:picChg>
+        <pc:picChg chg="add mod">
+          <ac:chgData name="Maik Larooij" userId="7254f401-a7dc-494d-bbf4-96e8c1dc3b5f" providerId="ADAL" clId="{94FC394A-B3AF-4A30-A736-0C81377E0BB8}" dt="2022-02-02T10:27:54.703" v="2474" actId="1076"/>
+          <ac:picMkLst>
+            <pc:docMk/>
+            <pc:sldMk cId="4291659974" sldId="271"/>
+            <ac:picMk id="7" creationId="{1F7602D7-5221-4A91-851F-A81F8F39333E}"/>
+          </ac:picMkLst>
+        </pc:picChg>
       </pc:sldChg>
-      <pc:sldChg chg="modSp new mod">
-        <pc:chgData name="Maik Larooij" userId="7254f401-a7dc-494d-bbf4-96e8c1dc3b5f" providerId="ADAL" clId="{94FC394A-B3AF-4A30-A736-0C81377E0BB8}" dt="2022-02-01T13:34:31.679" v="1139" actId="5793"/>
+      <pc:sldChg chg="addSp modSp new mod">
+        <pc:chgData name="Maik Larooij" userId="7254f401-a7dc-494d-bbf4-96e8c1dc3b5f" providerId="ADAL" clId="{94FC394A-B3AF-4A30-A736-0C81377E0BB8}" dt="2022-02-02T10:05:29.291" v="1971" actId="1076"/>
         <pc:sldMkLst>
           <pc:docMk/>
           <pc:sldMk cId="3413809530" sldId="272"/>
@@ -629,16 +686,24 @@
           </ac:spMkLst>
         </pc:spChg>
         <pc:spChg chg="mod">
-          <ac:chgData name="Maik Larooij" userId="7254f401-a7dc-494d-bbf4-96e8c1dc3b5f" providerId="ADAL" clId="{94FC394A-B3AF-4A30-A736-0C81377E0BB8}" dt="2022-02-01T13:34:31.679" v="1139" actId="5793"/>
+          <ac:chgData name="Maik Larooij" userId="7254f401-a7dc-494d-bbf4-96e8c1dc3b5f" providerId="ADAL" clId="{94FC394A-B3AF-4A30-A736-0C81377E0BB8}" dt="2022-02-02T10:05:23.346" v="1970" actId="20577"/>
           <ac:spMkLst>
             <pc:docMk/>
             <pc:sldMk cId="3413809530" sldId="272"/>
             <ac:spMk id="3" creationId="{7A774F9C-808A-476B-9019-BE2A12D015C0}"/>
           </ac:spMkLst>
         </pc:spChg>
+        <pc:picChg chg="add mod">
+          <ac:chgData name="Maik Larooij" userId="7254f401-a7dc-494d-bbf4-96e8c1dc3b5f" providerId="ADAL" clId="{94FC394A-B3AF-4A30-A736-0C81377E0BB8}" dt="2022-02-02T10:05:29.291" v="1971" actId="1076"/>
+          <ac:picMkLst>
+            <pc:docMk/>
+            <pc:sldMk cId="3413809530" sldId="272"/>
+            <ac:picMk id="5" creationId="{9EE3FED6-EC35-47E7-9B35-1217940D701B}"/>
+          </ac:picMkLst>
+        </pc:picChg>
       </pc:sldChg>
-      <pc:sldChg chg="modSp new mod">
-        <pc:chgData name="Maik Larooij" userId="7254f401-a7dc-494d-bbf4-96e8c1dc3b5f" providerId="ADAL" clId="{94FC394A-B3AF-4A30-A736-0C81377E0BB8}" dt="2022-02-01T13:37:03.231" v="1151" actId="20577"/>
+      <pc:sldChg chg="addSp modSp new mod">
+        <pc:chgData name="Maik Larooij" userId="7254f401-a7dc-494d-bbf4-96e8c1dc3b5f" providerId="ADAL" clId="{94FC394A-B3AF-4A30-A736-0C81377E0BB8}" dt="2022-02-02T09:57:11.328" v="1903" actId="1076"/>
         <pc:sldMkLst>
           <pc:docMk/>
           <pc:sldMk cId="851988608" sldId="273"/>
@@ -649,6 +714,84 @@
             <pc:docMk/>
             <pc:sldMk cId="851988608" sldId="273"/>
             <ac:spMk id="2" creationId="{1A6F02C9-8823-4F85-ACF6-F1209A79E0F6}"/>
+          </ac:spMkLst>
+        </pc:spChg>
+        <pc:spChg chg="mod">
+          <ac:chgData name="Maik Larooij" userId="7254f401-a7dc-494d-bbf4-96e8c1dc3b5f" providerId="ADAL" clId="{94FC394A-B3AF-4A30-A736-0C81377E0BB8}" dt="2022-02-02T09:57:09.256" v="1902" actId="20577"/>
+          <ac:spMkLst>
+            <pc:docMk/>
+            <pc:sldMk cId="851988608" sldId="273"/>
+            <ac:spMk id="3" creationId="{B04070B2-78F2-4B0E-964E-5A00E939F2A3}"/>
+          </ac:spMkLst>
+        </pc:spChg>
+        <pc:picChg chg="add mod">
+          <ac:chgData name="Maik Larooij" userId="7254f401-a7dc-494d-bbf4-96e8c1dc3b5f" providerId="ADAL" clId="{94FC394A-B3AF-4A30-A736-0C81377E0BB8}" dt="2022-02-02T09:57:11.328" v="1903" actId="1076"/>
+          <ac:picMkLst>
+            <pc:docMk/>
+            <pc:sldMk cId="851988608" sldId="273"/>
+            <ac:picMk id="5" creationId="{C07E2F43-E706-4D7F-8C85-58A11A764C31}"/>
+          </ac:picMkLst>
+        </pc:picChg>
+      </pc:sldChg>
+      <pc:sldChg chg="modSp new mod">
+        <pc:chgData name="Maik Larooij" userId="7254f401-a7dc-494d-bbf4-96e8c1dc3b5f" providerId="ADAL" clId="{94FC394A-B3AF-4A30-A736-0C81377E0BB8}" dt="2022-02-02T10:12:49.836" v="2325" actId="20577"/>
+        <pc:sldMkLst>
+          <pc:docMk/>
+          <pc:sldMk cId="1716108415" sldId="274"/>
+        </pc:sldMkLst>
+        <pc:spChg chg="mod">
+          <ac:chgData name="Maik Larooij" userId="7254f401-a7dc-494d-bbf4-96e8c1dc3b5f" providerId="ADAL" clId="{94FC394A-B3AF-4A30-A736-0C81377E0BB8}" dt="2022-02-02T09:57:32.725" v="1916" actId="20577"/>
+          <ac:spMkLst>
+            <pc:docMk/>
+            <pc:sldMk cId="1716108415" sldId="274"/>
+            <ac:spMk id="2" creationId="{D250743C-AB38-4169-9E16-EA08B9540262}"/>
+          </ac:spMkLst>
+        </pc:spChg>
+        <pc:spChg chg="mod">
+          <ac:chgData name="Maik Larooij" userId="7254f401-a7dc-494d-bbf4-96e8c1dc3b5f" providerId="ADAL" clId="{94FC394A-B3AF-4A30-A736-0C81377E0BB8}" dt="2022-02-02T10:12:49.836" v="2325" actId="20577"/>
+          <ac:spMkLst>
+            <pc:docMk/>
+            <pc:sldMk cId="1716108415" sldId="274"/>
+            <ac:spMk id="3" creationId="{ED06BAD3-D7DB-4C22-A964-6C7B781057EF}"/>
+          </ac:spMkLst>
+        </pc:spChg>
+      </pc:sldChg>
+    </pc:docChg>
+  </pc:docChgLst>
+  <pc:docChgLst>
+    <pc:chgData name="Sam Bijhouwer" userId="S::sam.bijhouwer@student.uva.nl::bc64bfb1-fd93-4da9-9bde-f2747650c0dd" providerId="AD" clId="Web-{D9BF5DF4-C467-4B7E-B920-ADA15206E3EA}"/>
+    <pc:docChg chg="modSld">
+      <pc:chgData name="Sam Bijhouwer" userId="S::sam.bijhouwer@student.uva.nl::bc64bfb1-fd93-4da9-9bde-f2747650c0dd" providerId="AD" clId="Web-{D9BF5DF4-C467-4B7E-B920-ADA15206E3EA}" dt="2022-02-02T10:12:51.134" v="280" actId="20577"/>
+      <pc:docMkLst>
+        <pc:docMk/>
+      </pc:docMkLst>
+      <pc:sldChg chg="modSp">
+        <pc:chgData name="Sam Bijhouwer" userId="S::sam.bijhouwer@student.uva.nl::bc64bfb1-fd93-4da9-9bde-f2747650c0dd" providerId="AD" clId="Web-{D9BF5DF4-C467-4B7E-B920-ADA15206E3EA}" dt="2022-02-02T10:05:36.939" v="108" actId="20577"/>
+        <pc:sldMkLst>
+          <pc:docMk/>
+          <pc:sldMk cId="4291659974" sldId="271"/>
+        </pc:sldMkLst>
+        <pc:spChg chg="mod">
+          <ac:chgData name="Sam Bijhouwer" userId="S::sam.bijhouwer@student.uva.nl::bc64bfb1-fd93-4da9-9bde-f2747650c0dd" providerId="AD" clId="Web-{D9BF5DF4-C467-4B7E-B920-ADA15206E3EA}" dt="2022-02-02T10:05:36.939" v="108" actId="20577"/>
+          <ac:spMkLst>
+            <pc:docMk/>
+            <pc:sldMk cId="4291659974" sldId="271"/>
+            <ac:spMk id="3" creationId="{68451018-F675-4C2B-9FDC-3507F95B0C87}"/>
+          </ac:spMkLst>
+        </pc:spChg>
+      </pc:sldChg>
+      <pc:sldChg chg="modSp">
+        <pc:chgData name="Sam Bijhouwer" userId="S::sam.bijhouwer@student.uva.nl::bc64bfb1-fd93-4da9-9bde-f2747650c0dd" providerId="AD" clId="Web-{D9BF5DF4-C467-4B7E-B920-ADA15206E3EA}" dt="2022-02-02T10:12:51.134" v="280" actId="20577"/>
+        <pc:sldMkLst>
+          <pc:docMk/>
+          <pc:sldMk cId="1716108415" sldId="274"/>
+        </pc:sldMkLst>
+        <pc:spChg chg="mod">
+          <ac:chgData name="Sam Bijhouwer" userId="S::sam.bijhouwer@student.uva.nl::bc64bfb1-fd93-4da9-9bde-f2747650c0dd" providerId="AD" clId="Web-{D9BF5DF4-C467-4B7E-B920-ADA15206E3EA}" dt="2022-02-02T10:12:51.134" v="280" actId="20577"/>
+          <ac:spMkLst>
+            <pc:docMk/>
+            <pc:sldMk cId="1716108415" sldId="274"/>
+            <ac:spMk id="3" creationId="{ED06BAD3-D7DB-4C22-A964-6C7B781057EF}"/>
           </ac:spMkLst>
         </pc:spChg>
       </pc:sldChg>
@@ -1439,7 +1582,7 @@
         </p:nvSpPr>
         <p:spPr>
           <a:xfrm>
-            <a:off x="381300" y="685800"/>
+            <a:off x="381000" y="685800"/>
             <a:ext cx="6096000" cy="3429000"/>
           </a:xfrm>
           <a:custGeom>
@@ -7175,10 +7318,143 @@
           <a:bodyPr/>
           <a:lstStyle/>
           <a:p>
+            <a:r>
+              <a:rPr lang="nl-NL" dirty="0"/>
+              <a:t>Iteratief algoritme</a:t>
+            </a:r>
+          </a:p>
+          <a:p>
+            <a:pPr>
+              <a:lnSpc>
+                <a:spcPct val="114999"/>
+              </a:lnSpc>
+            </a:pPr>
+            <a:r>
+              <a:rPr lang="nl-NL" dirty="0"/>
+              <a:t>Genereert R aantal random routes</a:t>
+            </a:r>
+          </a:p>
+          <a:p>
+            <a:pPr>
+              <a:lnSpc>
+                <a:spcPct val="114999"/>
+              </a:lnSpc>
+            </a:pPr>
+            <a:r>
+              <a:rPr lang="nl-NL" dirty="0"/>
+              <a:t>Kiest route die resulteert in hoogste score</a:t>
+            </a:r>
+          </a:p>
+          <a:p>
+            <a:pPr>
+              <a:lnSpc>
+                <a:spcPct val="114999"/>
+              </a:lnSpc>
+            </a:pPr>
+            <a:r>
+              <a:rPr lang="nl-NL" dirty="0"/>
+              <a:t>Erg afhankelijk van input oplossing</a:t>
+            </a:r>
+          </a:p>
+          <a:p>
+            <a:pPr>
+              <a:lnSpc>
+                <a:spcPct val="114999"/>
+              </a:lnSpc>
+            </a:pPr>
+            <a:endParaRPr lang="nl-NL" dirty="0"/>
+          </a:p>
+          <a:p>
+            <a:pPr>
+              <a:lnSpc>
+                <a:spcPct val="114999"/>
+              </a:lnSpc>
+            </a:pPr>
+            <a:endParaRPr lang="nl-NL" dirty="0"/>
+          </a:p>
+          <a:p>
+            <a:pPr>
+              <a:lnSpc>
+                <a:spcPct val="114999"/>
+              </a:lnSpc>
+            </a:pPr>
+            <a:endParaRPr lang="nl-NL" dirty="0"/>
+          </a:p>
+          <a:p>
+            <a:pPr>
+              <a:lnSpc>
+                <a:spcPct val="114999"/>
+              </a:lnSpc>
+            </a:pPr>
+            <a:endParaRPr lang="nl-NL" dirty="0"/>
+          </a:p>
+          <a:p>
+            <a:pPr>
+              <a:lnSpc>
+                <a:spcPct val="114999"/>
+              </a:lnSpc>
+            </a:pPr>
+            <a:endParaRPr lang="nl-NL" dirty="0"/>
+          </a:p>
+          <a:p>
+            <a:pPr>
+              <a:lnSpc>
+                <a:spcPct val="114999"/>
+              </a:lnSpc>
+            </a:pPr>
+            <a:r>
+              <a:rPr lang="nl-NL" dirty="0"/>
+              <a:t>Conclusie: hoge scores, redelijk snel, maar wat  </a:t>
+            </a:r>
+          </a:p>
+          <a:p>
+            <a:pPr>
+              <a:lnSpc>
+                <a:spcPct val="114999"/>
+              </a:lnSpc>
+            </a:pPr>
+            <a:endParaRPr lang="nl-NL" dirty="0"/>
+          </a:p>
+          <a:p>
+            <a:pPr>
+              <a:lnSpc>
+                <a:spcPct val="114999"/>
+              </a:lnSpc>
+            </a:pPr>
             <a:endParaRPr lang="nl-NL" dirty="0"/>
           </a:p>
         </p:txBody>
       </p:sp>
+      <p:pic>
+        <p:nvPicPr>
+          <p:cNvPr id="7" name="Afbeelding 6">
+            <a:extLst>
+              <a:ext uri="{FF2B5EF4-FFF2-40B4-BE49-F238E27FC236}">
+                <a16:creationId xmlns:a16="http://schemas.microsoft.com/office/drawing/2014/main" id="{1F7602D7-5221-4A91-851F-A81F8F39333E}"/>
+              </a:ext>
+            </a:extLst>
+          </p:cNvPr>
+          <p:cNvPicPr>
+            <a:picLocks noChangeAspect="1"/>
+          </p:cNvPicPr>
+          <p:nvPr/>
+        </p:nvPicPr>
+        <p:blipFill>
+          <a:blip r:embed="rId2"/>
+          <a:stretch>
+            <a:fillRect/>
+          </a:stretch>
+        </p:blipFill>
+        <p:spPr>
+          <a:xfrm>
+            <a:off x="5380837" y="1425106"/>
+            <a:ext cx="3348336" cy="2511252"/>
+          </a:xfrm>
+          <a:prstGeom prst="rect">
+            <a:avLst/>
+          </a:prstGeom>
+        </p:spPr>
+      </p:pic>
     </p:spTree>
     <p:extLst>
       <p:ext uri="{BB962C8B-B14F-4D97-AF65-F5344CB8AC3E}">
@@ -7341,7 +7617,7 @@
         </p:blipFill>
         <p:spPr>
           <a:xfrm>
-            <a:off x="1605948" y="1221900"/>
+            <a:off x="1612823" y="1270027"/>
             <a:ext cx="5589419" cy="3346975"/>
           </a:xfrm>
           <a:prstGeom prst="rect">
@@ -7449,100 +7725,72 @@
               <a:t>, populatiegrootte, mutatiekans, aantal generaties</a:t>
             </a:r>
           </a:p>
+          <a:p>
+            <a:r>
+              <a:rPr lang="nl-NL" dirty="0"/>
+              <a:t>91k runs in totaal (rijen aan resultaten)</a:t>
+            </a:r>
+          </a:p>
         </p:txBody>
       </p:sp>
       <p:pic>
         <p:nvPicPr>
-          <p:cNvPr id="1026" name="Picture 2">
+          <p:cNvPr id="5" name="Afbeelding 4">
             <a:extLst>
               <a:ext uri="{FF2B5EF4-FFF2-40B4-BE49-F238E27FC236}">
-                <a16:creationId xmlns:a16="http://schemas.microsoft.com/office/drawing/2014/main" id="{6B9B940B-D04D-4791-930C-290D8B0664A2}"/>
+                <a16:creationId xmlns:a16="http://schemas.microsoft.com/office/drawing/2014/main" id="{53AD5EA1-16A9-49E7-9073-712B33D118F0}"/>
               </a:ext>
             </a:extLst>
           </p:cNvPr>
           <p:cNvPicPr>
-            <a:picLocks noChangeAspect="1" noChangeArrowheads="1"/>
+            <a:picLocks noChangeAspect="1"/>
           </p:cNvPicPr>
           <p:nvPr/>
         </p:nvPicPr>
         <p:blipFill>
-          <a:blip r:embed="rId2">
-            <a:extLst>
-              <a:ext uri="{28A0092B-C50C-407E-A947-70E740481C1C}">
-                <a14:useLocalDpi xmlns:a14="http://schemas.microsoft.com/office/drawing/2010/main" val="0"/>
-              </a:ext>
-            </a:extLst>
-          </a:blip>
-          <a:srcRect/>
+          <a:blip r:embed="rId2"/>
           <a:stretch>
             <a:fillRect/>
           </a:stretch>
         </p:blipFill>
-        <p:spPr bwMode="auto">
+        <p:spPr>
           <a:xfrm>
-            <a:off x="560901" y="2062556"/>
-            <a:ext cx="3635256" cy="2726442"/>
+            <a:off x="716737" y="2165684"/>
+            <a:ext cx="3467507" cy="2600630"/>
           </a:xfrm>
           <a:prstGeom prst="rect">
             <a:avLst/>
           </a:prstGeom>
-          <a:noFill/>
-          <a:extLst>
-            <a:ext uri="{909E8E84-426E-40DD-AFC4-6F175D3DCCD1}">
-              <a14:hiddenFill xmlns:a14="http://schemas.microsoft.com/office/drawing/2010/main">
-                <a:solidFill>
-                  <a:srgbClr val="FFFFFF"/>
-                </a:solidFill>
-              </a14:hiddenFill>
-            </a:ext>
-          </a:extLst>
         </p:spPr>
       </p:pic>
       <p:pic>
         <p:nvPicPr>
-          <p:cNvPr id="1028" name="Picture 4">
+          <p:cNvPr id="7" name="Afbeelding 6">
             <a:extLst>
               <a:ext uri="{FF2B5EF4-FFF2-40B4-BE49-F238E27FC236}">
-                <a16:creationId xmlns:a16="http://schemas.microsoft.com/office/drawing/2014/main" id="{2EE6633F-1AAF-49E3-A20B-916C4508A981}"/>
+                <a16:creationId xmlns:a16="http://schemas.microsoft.com/office/drawing/2014/main" id="{6B9584EA-D8A7-4288-AB59-3691AF104B08}"/>
               </a:ext>
             </a:extLst>
           </p:cNvPr>
           <p:cNvPicPr>
-            <a:picLocks noChangeAspect="1" noChangeArrowheads="1"/>
+            <a:picLocks noChangeAspect="1"/>
           </p:cNvPicPr>
           <p:nvPr/>
         </p:nvPicPr>
         <p:blipFill>
-          <a:blip r:embed="rId3">
-            <a:extLst>
-              <a:ext uri="{28A0092B-C50C-407E-A947-70E740481C1C}">
-                <a14:useLocalDpi xmlns:a14="http://schemas.microsoft.com/office/drawing/2010/main" val="0"/>
-              </a:ext>
-            </a:extLst>
-          </a:blip>
-          <a:srcRect/>
+          <a:blip r:embed="rId3"/>
           <a:stretch>
             <a:fillRect/>
           </a:stretch>
         </p:blipFill>
-        <p:spPr bwMode="auto">
+        <p:spPr>
           <a:xfrm>
-            <a:off x="4812058" y="2107245"/>
-            <a:ext cx="3516085" cy="2637064"/>
+            <a:off x="4883102" y="2165684"/>
+            <a:ext cx="3467507" cy="2600630"/>
           </a:xfrm>
           <a:prstGeom prst="rect">
             <a:avLst/>
           </a:prstGeom>
-          <a:noFill/>
-          <a:extLst>
-            <a:ext uri="{909E8E84-426E-40DD-AFC4-6F175D3DCCD1}">
-              <a14:hiddenFill xmlns:a14="http://schemas.microsoft.com/office/drawing/2010/main">
-                <a:solidFill>
-                  <a:srgbClr val="FFFFFF"/>
-                </a:solidFill>
-              </a14:hiddenFill>
-            </a:ext>
-          </a:extLst>
         </p:spPr>
       </p:pic>
     </p:spTree>
@@ -7643,7 +7891,7 @@
             </a:r>
             <a:r>
               <a:rPr lang="nl-NL" dirty="0"/>
-              <a:t> spot: populatie van 10.000 met 200 generaties </a:t>
+              <a:t> spot: populatie van 10.000 met 200 generaties.</a:t>
             </a:r>
           </a:p>
           <a:p>
@@ -7799,7 +8047,9 @@
         </p:nvSpPr>
         <p:spPr/>
         <p:txBody>
-          <a:bodyPr/>
+          <a:bodyPr>
+            <a:normAutofit fontScale="85000" lnSpcReduction="20000"/>
+          </a:bodyPr>
           <a:lstStyle/>
           <a:p>
             <a:r>
@@ -7816,6 +8066,59 @@
             </a:r>
           </a:p>
           <a:p>
+            <a:endParaRPr lang="nl-NL" dirty="0"/>
+          </a:p>
+          <a:p>
+            <a:r>
+              <a:rPr lang="nl-NL" dirty="0"/>
+              <a:t>Na 8 runs:</a:t>
+            </a:r>
+          </a:p>
+          <a:p>
+            <a:pPr lvl="1"/>
+            <a:r>
+              <a:rPr lang="nl-NL" dirty="0"/>
+              <a:t>Gemiddelde: 7023</a:t>
+            </a:r>
+          </a:p>
+          <a:p>
+            <a:pPr lvl="1"/>
+            <a:r>
+              <a:rPr lang="nl-NL" dirty="0"/>
+              <a:t>Hoogste: 7070</a:t>
+            </a:r>
+          </a:p>
+          <a:p>
+            <a:endParaRPr lang="nl-NL" dirty="0"/>
+          </a:p>
+          <a:p>
+            <a:endParaRPr lang="nl-NL" dirty="0"/>
+          </a:p>
+          <a:p>
+            <a:endParaRPr lang="nl-NL" dirty="0"/>
+          </a:p>
+          <a:p>
+            <a:endParaRPr lang="nl-NL" dirty="0"/>
+          </a:p>
+          <a:p>
+            <a:endParaRPr lang="nl-NL" dirty="0"/>
+          </a:p>
+          <a:p>
+            <a:endParaRPr lang="nl-NL" dirty="0"/>
+          </a:p>
+          <a:p>
+            <a:endParaRPr lang="nl-NL" dirty="0"/>
+          </a:p>
+          <a:p>
+            <a:endParaRPr lang="nl-NL" dirty="0"/>
+          </a:p>
+          <a:p>
+            <a:r>
+              <a:rPr lang="nl-NL" dirty="0"/>
+              <a:t>Conclusie: goede, constante score, maar tijdsintensief (+- 30 min per run)</a:t>
+            </a:r>
+          </a:p>
+          <a:p>
             <a:pPr marL="114300" indent="0">
               <a:buNone/>
             </a:pPr>
@@ -7823,6 +8126,36 @@
           </a:p>
         </p:txBody>
       </p:sp>
+      <p:pic>
+        <p:nvPicPr>
+          <p:cNvPr id="5" name="Afbeelding 4">
+            <a:extLst>
+              <a:ext uri="{FF2B5EF4-FFF2-40B4-BE49-F238E27FC236}">
+                <a16:creationId xmlns:a16="http://schemas.microsoft.com/office/drawing/2014/main" id="{9EE3FED6-EC35-47E7-9B35-1217940D701B}"/>
+              </a:ext>
+            </a:extLst>
+          </p:cNvPr>
+          <p:cNvPicPr>
+            <a:picLocks noChangeAspect="1"/>
+          </p:cNvPicPr>
+          <p:nvPr/>
+        </p:nvPicPr>
+        <p:blipFill>
+          <a:blip r:embed="rId2"/>
+          <a:stretch>
+            <a:fillRect/>
+          </a:stretch>
+        </p:blipFill>
+        <p:spPr>
+          <a:xfrm>
+            <a:off x="5048106" y="1152475"/>
+            <a:ext cx="3632511" cy="2724383"/>
+          </a:xfrm>
+          <a:prstGeom prst="rect">
+            <a:avLst/>
+          </a:prstGeom>
+        </p:spPr>
+      </p:pic>
     </p:spTree>
     <p:extLst>
       <p:ext uri="{BB962C8B-B14F-4D97-AF65-F5344CB8AC3E}">
@@ -7904,6 +8237,204 @@
           <a:bodyPr/>
           <a:lstStyle/>
           <a:p>
+            <a:r>
+              <a:rPr lang="nl-NL" dirty="0"/>
+              <a:t>Gemaakte algoritmen scoren beter dan random baseline</a:t>
+            </a:r>
+          </a:p>
+          <a:p>
+            <a:r>
+              <a:rPr lang="nl-NL" dirty="0"/>
+              <a:t>Iteratieve algoritmen lijken beter te werken</a:t>
+            </a:r>
+          </a:p>
+          <a:p>
+            <a:r>
+              <a:rPr lang="nl-NL" dirty="0" err="1"/>
+              <a:t>Hillclimber</a:t>
+            </a:r>
+            <a:r>
+              <a:rPr lang="nl-NL" dirty="0"/>
+              <a:t> scoort snel hoog, maar heeft bij pech ook potentie tot hele lage scores</a:t>
+            </a:r>
+          </a:p>
+          <a:p>
+            <a:r>
+              <a:rPr lang="nl-NL" dirty="0"/>
+              <a:t>Genetisch is betrouwbaar, maar ietsje lager</a:t>
+            </a:r>
+          </a:p>
+          <a:p>
+            <a:r>
+              <a:rPr lang="nl-NL" dirty="0"/>
+              <a:t>Voor de hoogste score: genetisch + </a:t>
+            </a:r>
+            <a:r>
+              <a:rPr lang="nl-NL" dirty="0" err="1"/>
+              <a:t>hillclimber</a:t>
+            </a:r>
+            <a:endParaRPr lang="nl-NL" dirty="0"/>
+          </a:p>
+        </p:txBody>
+      </p:sp>
+      <p:pic>
+        <p:nvPicPr>
+          <p:cNvPr id="5" name="Afbeelding 4">
+            <a:extLst>
+              <a:ext uri="{FF2B5EF4-FFF2-40B4-BE49-F238E27FC236}">
+                <a16:creationId xmlns:a16="http://schemas.microsoft.com/office/drawing/2014/main" id="{C07E2F43-E706-4D7F-8C85-58A11A764C31}"/>
+              </a:ext>
+            </a:extLst>
+          </p:cNvPr>
+          <p:cNvPicPr>
+            <a:picLocks noChangeAspect="1"/>
+          </p:cNvPicPr>
+          <p:nvPr/>
+        </p:nvPicPr>
+        <p:blipFill>
+          <a:blip r:embed="rId2"/>
+          <a:stretch>
+            <a:fillRect/>
+          </a:stretch>
+        </p:blipFill>
+        <p:spPr>
+          <a:xfrm>
+            <a:off x="5630778" y="2434246"/>
+            <a:ext cx="3407777" cy="1863845"/>
+          </a:xfrm>
+          <a:prstGeom prst="rect">
+            <a:avLst/>
+          </a:prstGeom>
+        </p:spPr>
+      </p:pic>
+    </p:spTree>
+    <p:extLst>
+      <p:ext uri="{BB962C8B-B14F-4D97-AF65-F5344CB8AC3E}">
+        <p14:creationId xmlns:p14="http://schemas.microsoft.com/office/powerpoint/2010/main" val="851988608"/>
+      </p:ext>
+    </p:extLst>
+  </p:cSld>
+  <p:clrMapOvr>
+    <a:masterClrMapping/>
+  </p:clrMapOvr>
+</p:sld>
+</file>
+
+<file path=ppt/slides/slide16.xml><?xml version="1.0" encoding="utf-8"?>
+<p:sld xmlns:a="http://schemas.openxmlformats.org/drawingml/2006/main" xmlns:r="http://schemas.openxmlformats.org/officeDocument/2006/relationships" xmlns:p="http://schemas.openxmlformats.org/presentationml/2006/main">
+  <p:cSld>
+    <p:spTree>
+      <p:nvGrpSpPr>
+        <p:cNvPr id="1" name=""/>
+        <p:cNvGrpSpPr/>
+        <p:nvPr/>
+      </p:nvGrpSpPr>
+      <p:grpSpPr>
+        <a:xfrm>
+          <a:off x="0" y="0"/>
+          <a:ext cx="0" cy="0"/>
+          <a:chOff x="0" y="0"/>
+          <a:chExt cx="0" cy="0"/>
+        </a:xfrm>
+      </p:grpSpPr>
+      <p:sp>
+        <p:nvSpPr>
+          <p:cNvPr id="2" name="Titel 1">
+            <a:extLst>
+              <a:ext uri="{FF2B5EF4-FFF2-40B4-BE49-F238E27FC236}">
+                <a16:creationId xmlns:a16="http://schemas.microsoft.com/office/drawing/2014/main" id="{D250743C-AB38-4169-9E16-EA08B9540262}"/>
+              </a:ext>
+            </a:extLst>
+          </p:cNvPr>
+          <p:cNvSpPr>
+            <a:spLocks noGrp="1"/>
+          </p:cNvSpPr>
+          <p:nvPr>
+            <p:ph type="title"/>
+          </p:nvPr>
+        </p:nvSpPr>
+        <p:spPr/>
+        <p:txBody>
+          <a:bodyPr>
+            <a:normAutofit fontScale="90000"/>
+          </a:bodyPr>
+          <a:lstStyle/>
+          <a:p>
+            <a:r>
+              <a:rPr lang="nl-NL" dirty="0" err="1"/>
+              <a:t>Future</a:t>
+            </a:r>
+            <a:r>
+              <a:rPr lang="nl-NL" dirty="0"/>
+              <a:t> </a:t>
+            </a:r>
+            <a:r>
+              <a:rPr lang="nl-NL" dirty="0" err="1"/>
+              <a:t>work</a:t>
+            </a:r>
+            <a:endParaRPr lang="nl-NL" dirty="0"/>
+          </a:p>
+        </p:txBody>
+      </p:sp>
+      <p:sp>
+        <p:nvSpPr>
+          <p:cNvPr id="3" name="Tijdelijke aanduiding voor tekst 2">
+            <a:extLst>
+              <a:ext uri="{FF2B5EF4-FFF2-40B4-BE49-F238E27FC236}">
+                <a16:creationId xmlns:a16="http://schemas.microsoft.com/office/drawing/2014/main" id="{ED06BAD3-D7DB-4C22-A964-6C7B781057EF}"/>
+              </a:ext>
+            </a:extLst>
+          </p:cNvPr>
+          <p:cNvSpPr>
+            <a:spLocks noGrp="1"/>
+          </p:cNvSpPr>
+          <p:nvPr>
+            <p:ph type="body" idx="1"/>
+          </p:nvPr>
+        </p:nvSpPr>
+        <p:spPr/>
+        <p:txBody>
+          <a:bodyPr/>
+          <a:lstStyle/>
+          <a:p>
+            <a:r>
+              <a:rPr lang="nl-NL" dirty="0" err="1"/>
+              <a:t>Hillclimber</a:t>
+            </a:r>
+            <a:r>
+              <a:rPr lang="nl-NL" dirty="0"/>
+              <a:t> zoekt nu d.m.v. </a:t>
+            </a:r>
+            <a:r>
+              <a:rPr lang="nl-NL" i="1" dirty="0"/>
+              <a:t>Brute Force</a:t>
+            </a:r>
+            <a:r>
+              <a:rPr lang="nl-NL" dirty="0"/>
+              <a:t> een oplossing. Hoe kunnen we slimmer routes genereren die het algoritme kan proberen?</a:t>
+            </a:r>
+          </a:p>
+          <a:p>
+            <a:r>
+              <a:rPr lang="nl-NL" dirty="0"/>
+              <a:t>Interessant onderzoek: waarom scoort de simpelste configuratie van het genetisch algoritme het best?</a:t>
+            </a:r>
+          </a:p>
+          <a:p>
+            <a:endParaRPr lang="nl-NL" dirty="0"/>
+          </a:p>
+          <a:p>
+            <a:endParaRPr lang="nl-NL" dirty="0"/>
+          </a:p>
+          <a:p>
+            <a:endParaRPr lang="nl-NL" dirty="0"/>
+          </a:p>
+          <a:p>
+            <a:pPr>
+              <a:lnSpc>
+                <a:spcPct val="114999"/>
+              </a:lnSpc>
+            </a:pPr>
             <a:endParaRPr lang="nl-NL" dirty="0"/>
           </a:p>
         </p:txBody>
@@ -7911,7 +8442,7 @@
     </p:spTree>
     <p:extLst>
       <p:ext uri="{BB962C8B-B14F-4D97-AF65-F5344CB8AC3E}">
-        <p14:creationId xmlns:p14="http://schemas.microsoft.com/office/powerpoint/2010/main" val="851988608"/>
+        <p14:creationId xmlns:p14="http://schemas.microsoft.com/office/powerpoint/2010/main" val="1716108415"/>
       </p:ext>
     </p:extLst>
   </p:cSld>
@@ -8239,14 +8770,14 @@
               <a:buNone/>
             </a:pPr>
             <a:r>
-              <a:rPr lang="nl">
+              <a:rPr lang="nl" dirty="0">
                 <a:solidFill>
                   <a:srgbClr val="000000"/>
                 </a:solidFill>
               </a:rPr>
-              <a:t>Een lijnvoering bestaat uit een aantal verschillende treinen</a:t>
+              <a:t>Een lijnvoering bestaat uit een aantal verschillende trajecten</a:t>
             </a:r>
-            <a:endParaRPr>
+            <a:endParaRPr dirty="0">
               <a:solidFill>
                 <a:srgbClr val="000000"/>
               </a:solidFill>
@@ -10016,14 +10547,14 @@
                         <a:buNone/>
                       </a:pPr>
                       <a:r>
-                        <a:rPr lang="nl" dirty="0">
+                        <a:rPr lang="nl">
                           <a:solidFill>
                             <a:srgbClr val="FFFFFF"/>
                           </a:solidFill>
                         </a:rPr>
                         <a:t>Beam Waarde</a:t>
                       </a:r>
-                      <a:endParaRPr dirty="0">
+                      <a:endParaRPr>
                         <a:solidFill>
                           <a:srgbClr val="FFFFFF"/>
                         </a:solidFill>
@@ -10477,14 +11008,14 @@
                         <a:buNone/>
                       </a:pPr>
                       <a:r>
-                        <a:rPr lang="nl" dirty="0">
+                        <a:rPr lang="nl">
                           <a:solidFill>
                             <a:srgbClr val="FFFFFF"/>
                           </a:solidFill>
                         </a:rPr>
                         <a:t>6396</a:t>
                       </a:r>
-                      <a:endParaRPr dirty="0">
+                      <a:endParaRPr>
                         <a:solidFill>
                           <a:srgbClr val="FFFFFF"/>
                         </a:solidFill>
